--- a/6_mcp/06_MCP.pptx
+++ b/6_mcp/06_MCP.pptx
@@ -5,35 +5,35 @@
     <p:sldMasterId id="2147483648" r:id="rId1"/>
   </p:sldMasterIdLst>
   <p:sldIdLst>
-    <p:sldId id="499" r:id="rId2"/>
-    <p:sldId id="500" r:id="rId3"/>
-    <p:sldId id="501" r:id="rId4"/>
-    <p:sldId id="584" r:id="rId5"/>
-    <p:sldId id="583" r:id="rId6"/>
-    <p:sldId id="585" r:id="rId7"/>
-    <p:sldId id="586" r:id="rId8"/>
-    <p:sldId id="639" r:id="rId9"/>
-    <p:sldId id="587" r:id="rId10"/>
-    <p:sldId id="658" r:id="rId11"/>
-    <p:sldId id="588" r:id="rId12"/>
-    <p:sldId id="657" r:id="rId13"/>
-    <p:sldId id="616" r:id="rId14"/>
-    <p:sldId id="617" r:id="rId15"/>
-    <p:sldId id="620" r:id="rId16"/>
-    <p:sldId id="618" r:id="rId17"/>
-    <p:sldId id="619" r:id="rId18"/>
-    <p:sldId id="621" r:id="rId19"/>
-    <p:sldId id="622" r:id="rId20"/>
-    <p:sldId id="623" r:id="rId21"/>
-    <p:sldId id="624" r:id="rId22"/>
-    <p:sldId id="625" r:id="rId23"/>
-    <p:sldId id="626" r:id="rId24"/>
-    <p:sldId id="627" r:id="rId25"/>
-    <p:sldId id="628" r:id="rId26"/>
-    <p:sldId id="629" r:id="rId27"/>
-    <p:sldId id="631" r:id="rId28"/>
-    <p:sldId id="632" r:id="rId29"/>
-    <p:sldId id="638" r:id="rId30"/>
+    <p:sldId id="659" r:id="rId2"/>
+    <p:sldId id="660" r:id="rId3"/>
+    <p:sldId id="661" r:id="rId4"/>
+    <p:sldId id="662" r:id="rId5"/>
+    <p:sldId id="663" r:id="rId6"/>
+    <p:sldId id="664" r:id="rId7"/>
+    <p:sldId id="665" r:id="rId8"/>
+    <p:sldId id="666" r:id="rId9"/>
+    <p:sldId id="667" r:id="rId10"/>
+    <p:sldId id="668" r:id="rId11"/>
+    <p:sldId id="669" r:id="rId12"/>
+    <p:sldId id="670" r:id="rId13"/>
+    <p:sldId id="671" r:id="rId14"/>
+    <p:sldId id="672" r:id="rId15"/>
+    <p:sldId id="673" r:id="rId16"/>
+    <p:sldId id="674" r:id="rId17"/>
+    <p:sldId id="675" r:id="rId18"/>
+    <p:sldId id="676" r:id="rId19"/>
+    <p:sldId id="677" r:id="rId20"/>
+    <p:sldId id="678" r:id="rId21"/>
+    <p:sldId id="679" r:id="rId22"/>
+    <p:sldId id="680" r:id="rId23"/>
+    <p:sldId id="681" r:id="rId24"/>
+    <p:sldId id="682" r:id="rId25"/>
+    <p:sldId id="683" r:id="rId26"/>
+    <p:sldId id="684" r:id="rId27"/>
+    <p:sldId id="685" r:id="rId28"/>
+    <p:sldId id="686" r:id="rId29"/>
+    <p:sldId id="687" r:id="rId30"/>
   </p:sldIdLst>
   <p:sldSz cx="12192000" cy="6858000"/>
   <p:notesSz cx="6858000" cy="9144000"/>
@@ -289,7 +289,7 @@
           <a:p>
             <a:fld id="{26DCA6CF-1849-49E0-9345-5E741217A6D4}" type="datetimeFigureOut">
               <a:rPr lang="en-GB" smtClean="0"/>
-              <a:t>15/10/2025</a:t>
+              <a:t>16/10/2025</a:t>
             </a:fld>
             <a:endParaRPr lang="en-GB"/>
           </a:p>
@@ -489,7 +489,7 @@
           <a:p>
             <a:fld id="{26DCA6CF-1849-49E0-9345-5E741217A6D4}" type="datetimeFigureOut">
               <a:rPr lang="en-GB" smtClean="0"/>
-              <a:t>15/10/2025</a:t>
+              <a:t>16/10/2025</a:t>
             </a:fld>
             <a:endParaRPr lang="en-GB"/>
           </a:p>
@@ -699,7 +699,7 @@
           <a:p>
             <a:fld id="{26DCA6CF-1849-49E0-9345-5E741217A6D4}" type="datetimeFigureOut">
               <a:rPr lang="en-GB" smtClean="0"/>
-              <a:t>15/10/2025</a:t>
+              <a:t>16/10/2025</a:t>
             </a:fld>
             <a:endParaRPr lang="en-GB"/>
           </a:p>
@@ -899,7 +899,7 @@
           <a:p>
             <a:fld id="{26DCA6CF-1849-49E0-9345-5E741217A6D4}" type="datetimeFigureOut">
               <a:rPr lang="en-GB" smtClean="0"/>
-              <a:t>15/10/2025</a:t>
+              <a:t>16/10/2025</a:t>
             </a:fld>
             <a:endParaRPr lang="en-GB"/>
           </a:p>
@@ -1175,7 +1175,7 @@
           <a:p>
             <a:fld id="{26DCA6CF-1849-49E0-9345-5E741217A6D4}" type="datetimeFigureOut">
               <a:rPr lang="en-GB" smtClean="0"/>
-              <a:t>15/10/2025</a:t>
+              <a:t>16/10/2025</a:t>
             </a:fld>
             <a:endParaRPr lang="en-GB"/>
           </a:p>
@@ -1443,7 +1443,7 @@
           <a:p>
             <a:fld id="{26DCA6CF-1849-49E0-9345-5E741217A6D4}" type="datetimeFigureOut">
               <a:rPr lang="en-GB" smtClean="0"/>
-              <a:t>15/10/2025</a:t>
+              <a:t>16/10/2025</a:t>
             </a:fld>
             <a:endParaRPr lang="en-GB"/>
           </a:p>
@@ -1858,7 +1858,7 @@
           <a:p>
             <a:fld id="{26DCA6CF-1849-49E0-9345-5E741217A6D4}" type="datetimeFigureOut">
               <a:rPr lang="en-GB" smtClean="0"/>
-              <a:t>15/10/2025</a:t>
+              <a:t>16/10/2025</a:t>
             </a:fld>
             <a:endParaRPr lang="en-GB"/>
           </a:p>
@@ -2000,7 +2000,7 @@
           <a:p>
             <a:fld id="{26DCA6CF-1849-49E0-9345-5E741217A6D4}" type="datetimeFigureOut">
               <a:rPr lang="en-GB" smtClean="0"/>
-              <a:t>15/10/2025</a:t>
+              <a:t>16/10/2025</a:t>
             </a:fld>
             <a:endParaRPr lang="en-GB"/>
           </a:p>
@@ -2113,7 +2113,7 @@
           <a:p>
             <a:fld id="{26DCA6CF-1849-49E0-9345-5E741217A6D4}" type="datetimeFigureOut">
               <a:rPr lang="en-GB" smtClean="0"/>
-              <a:t>15/10/2025</a:t>
+              <a:t>16/10/2025</a:t>
             </a:fld>
             <a:endParaRPr lang="en-GB"/>
           </a:p>
@@ -2426,7 +2426,7 @@
           <a:p>
             <a:fld id="{26DCA6CF-1849-49E0-9345-5E741217A6D4}" type="datetimeFigureOut">
               <a:rPr lang="en-GB" smtClean="0"/>
-              <a:t>15/10/2025</a:t>
+              <a:t>16/10/2025</a:t>
             </a:fld>
             <a:endParaRPr lang="en-GB"/>
           </a:p>
@@ -2715,7 +2715,7 @@
           <a:p>
             <a:fld id="{26DCA6CF-1849-49E0-9345-5E741217A6D4}" type="datetimeFigureOut">
               <a:rPr lang="en-GB" smtClean="0"/>
-              <a:t>15/10/2025</a:t>
+              <a:t>16/10/2025</a:t>
             </a:fld>
             <a:endParaRPr lang="en-GB"/>
           </a:p>
@@ -2958,7 +2958,7 @@
           <a:p>
             <a:fld id="{26DCA6CF-1849-49E0-9345-5E741217A6D4}" type="datetimeFigureOut">
               <a:rPr lang="en-GB" smtClean="0"/>
-              <a:t>15/10/2025</a:t>
+              <a:t>16/10/2025</a:t>
             </a:fld>
             <a:endParaRPr lang="en-GB"/>
           </a:p>
@@ -3432,7 +3432,7 @@
     </p:spTree>
     <p:extLst>
       <p:ext uri="{BB962C8B-B14F-4D97-AF65-F5344CB8AC3E}">
-        <p14:creationId xmlns:p14="http://schemas.microsoft.com/office/powerpoint/2010/main" val="2295496779"/>
+        <p14:creationId xmlns:p14="http://schemas.microsoft.com/office/powerpoint/2010/main" val="2233271465"/>
       </p:ext>
     </p:extLst>
   </p:cSld>
@@ -4285,7 +4285,7 @@
     </p:spTree>
     <p:extLst>
       <p:ext uri="{BB962C8B-B14F-4D97-AF65-F5344CB8AC3E}">
-        <p14:creationId xmlns:p14="http://schemas.microsoft.com/office/powerpoint/2010/main" val="91614413"/>
+        <p14:creationId xmlns:p14="http://schemas.microsoft.com/office/powerpoint/2010/main" val="2215460010"/>
       </p:ext>
     </p:extLst>
   </p:cSld>
@@ -4390,15 +4390,7 @@
           <a:p>
             <a:r>
               <a:rPr lang="en-IN" dirty="0"/>
-              <a:t>Just to add</a:t>
-            </a:r>
-            <a:r>
-              <a:rPr lang="en-IN"/>
-              <a:t>: Public MCP </a:t>
-            </a:r>
-            <a:r>
-              <a:rPr lang="en-IN" dirty="0"/>
-              <a:t>server list: https://github.com/public-apis/public-apis </a:t>
+              <a:t>Just to add: Public MCP server list: https://github.com/public-apis/public-apis </a:t>
             </a:r>
           </a:p>
           <a:p>
@@ -4562,7 +4554,7 @@
     </p:spTree>
     <p:extLst>
       <p:ext uri="{BB962C8B-B14F-4D97-AF65-F5344CB8AC3E}">
-        <p14:creationId xmlns:p14="http://schemas.microsoft.com/office/powerpoint/2010/main" val="2558514699"/>
+        <p14:creationId xmlns:p14="http://schemas.microsoft.com/office/powerpoint/2010/main" val="80362819"/>
       </p:ext>
     </p:extLst>
   </p:cSld>
@@ -4986,7 +4978,7 @@
     </p:spTree>
     <p:extLst>
       <p:ext uri="{BB962C8B-B14F-4D97-AF65-F5344CB8AC3E}">
-        <p14:creationId xmlns:p14="http://schemas.microsoft.com/office/powerpoint/2010/main" val="1915877836"/>
+        <p14:creationId xmlns:p14="http://schemas.microsoft.com/office/powerpoint/2010/main" val="3135668957"/>
       </p:ext>
     </p:extLst>
   </p:cSld>
@@ -5291,7 +5283,7 @@
     </p:spTree>
     <p:extLst>
       <p:ext uri="{BB962C8B-B14F-4D97-AF65-F5344CB8AC3E}">
-        <p14:creationId xmlns:p14="http://schemas.microsoft.com/office/powerpoint/2010/main" val="490119017"/>
+        <p14:creationId xmlns:p14="http://schemas.microsoft.com/office/powerpoint/2010/main" val="3287463327"/>
       </p:ext>
     </p:extLst>
   </p:cSld>
@@ -5477,7 +5469,7 @@
     </p:spTree>
     <p:extLst>
       <p:ext uri="{BB962C8B-B14F-4D97-AF65-F5344CB8AC3E}">
-        <p14:creationId xmlns:p14="http://schemas.microsoft.com/office/powerpoint/2010/main" val="4205808907"/>
+        <p14:creationId xmlns:p14="http://schemas.microsoft.com/office/powerpoint/2010/main" val="2941724503"/>
       </p:ext>
     </p:extLst>
   </p:cSld>
@@ -5798,7 +5790,7 @@
     </p:spTree>
     <p:extLst>
       <p:ext uri="{BB962C8B-B14F-4D97-AF65-F5344CB8AC3E}">
-        <p14:creationId xmlns:p14="http://schemas.microsoft.com/office/powerpoint/2010/main" val="360250409"/>
+        <p14:creationId xmlns:p14="http://schemas.microsoft.com/office/powerpoint/2010/main" val="3551455874"/>
       </p:ext>
     </p:extLst>
   </p:cSld>
@@ -6290,7 +6282,7 @@
     </p:spTree>
     <p:extLst>
       <p:ext uri="{BB962C8B-B14F-4D97-AF65-F5344CB8AC3E}">
-        <p14:creationId xmlns:p14="http://schemas.microsoft.com/office/powerpoint/2010/main" val="769445432"/>
+        <p14:creationId xmlns:p14="http://schemas.microsoft.com/office/powerpoint/2010/main" val="3338916337"/>
       </p:ext>
     </p:extLst>
   </p:cSld>
@@ -6529,7 +6521,7 @@
     </p:spTree>
     <p:extLst>
       <p:ext uri="{BB962C8B-B14F-4D97-AF65-F5344CB8AC3E}">
-        <p14:creationId xmlns:p14="http://schemas.microsoft.com/office/powerpoint/2010/main" val="3406773186"/>
+        <p14:creationId xmlns:p14="http://schemas.microsoft.com/office/powerpoint/2010/main" val="1590568137"/>
       </p:ext>
     </p:extLst>
   </p:cSld>
@@ -6829,7 +6821,7 @@
     </p:spTree>
     <p:extLst>
       <p:ext uri="{BB962C8B-B14F-4D97-AF65-F5344CB8AC3E}">
-        <p14:creationId xmlns:p14="http://schemas.microsoft.com/office/powerpoint/2010/main" val="3461924305"/>
+        <p14:creationId xmlns:p14="http://schemas.microsoft.com/office/powerpoint/2010/main" val="687420246"/>
       </p:ext>
     </p:extLst>
   </p:cSld>
@@ -7116,7 +7108,7 @@
     </p:spTree>
     <p:extLst>
       <p:ext uri="{BB962C8B-B14F-4D97-AF65-F5344CB8AC3E}">
-        <p14:creationId xmlns:p14="http://schemas.microsoft.com/office/powerpoint/2010/main" val="1560567775"/>
+        <p14:creationId xmlns:p14="http://schemas.microsoft.com/office/powerpoint/2010/main" val="1610532498"/>
       </p:ext>
     </p:extLst>
   </p:cSld>
@@ -7473,7 +7465,7 @@
     </p:spTree>
     <p:extLst>
       <p:ext uri="{BB962C8B-B14F-4D97-AF65-F5344CB8AC3E}">
-        <p14:creationId xmlns:p14="http://schemas.microsoft.com/office/powerpoint/2010/main" val="2149054843"/>
+        <p14:creationId xmlns:p14="http://schemas.microsoft.com/office/powerpoint/2010/main" val="3209521296"/>
       </p:ext>
     </p:extLst>
   </p:cSld>
@@ -7706,7 +7698,7 @@
     </p:spTree>
     <p:extLst>
       <p:ext uri="{BB962C8B-B14F-4D97-AF65-F5344CB8AC3E}">
-        <p14:creationId xmlns:p14="http://schemas.microsoft.com/office/powerpoint/2010/main" val="2416870953"/>
+        <p14:creationId xmlns:p14="http://schemas.microsoft.com/office/powerpoint/2010/main" val="2089411429"/>
       </p:ext>
     </p:extLst>
   </p:cSld>
@@ -7927,7 +7919,7 @@
     </p:spTree>
     <p:extLst>
       <p:ext uri="{BB962C8B-B14F-4D97-AF65-F5344CB8AC3E}">
-        <p14:creationId xmlns:p14="http://schemas.microsoft.com/office/powerpoint/2010/main" val="1580759190"/>
+        <p14:creationId xmlns:p14="http://schemas.microsoft.com/office/powerpoint/2010/main" val="4074828378"/>
       </p:ext>
     </p:extLst>
   </p:cSld>
@@ -8594,7 +8586,7 @@
     </p:spTree>
     <p:extLst>
       <p:ext uri="{BB962C8B-B14F-4D97-AF65-F5344CB8AC3E}">
-        <p14:creationId xmlns:p14="http://schemas.microsoft.com/office/powerpoint/2010/main" val="1952484110"/>
+        <p14:creationId xmlns:p14="http://schemas.microsoft.com/office/powerpoint/2010/main" val="2112453089"/>
       </p:ext>
     </p:extLst>
   </p:cSld>
@@ -8696,7 +8688,7 @@
     </p:spTree>
     <p:extLst>
       <p:ext uri="{BB962C8B-B14F-4D97-AF65-F5344CB8AC3E}">
-        <p14:creationId xmlns:p14="http://schemas.microsoft.com/office/powerpoint/2010/main" val="2025595678"/>
+        <p14:creationId xmlns:p14="http://schemas.microsoft.com/office/powerpoint/2010/main" val="3110524715"/>
       </p:ext>
     </p:extLst>
   </p:cSld>
@@ -8875,7 +8867,7 @@
     </p:spTree>
     <p:extLst>
       <p:ext uri="{BB962C8B-B14F-4D97-AF65-F5344CB8AC3E}">
-        <p14:creationId xmlns:p14="http://schemas.microsoft.com/office/powerpoint/2010/main" val="2662118205"/>
+        <p14:creationId xmlns:p14="http://schemas.microsoft.com/office/powerpoint/2010/main" val="2872235083"/>
       </p:ext>
     </p:extLst>
   </p:cSld>
@@ -9183,7 +9175,7 @@
     </p:spTree>
     <p:extLst>
       <p:ext uri="{BB962C8B-B14F-4D97-AF65-F5344CB8AC3E}">
-        <p14:creationId xmlns:p14="http://schemas.microsoft.com/office/powerpoint/2010/main" val="3312771944"/>
+        <p14:creationId xmlns:p14="http://schemas.microsoft.com/office/powerpoint/2010/main" val="4025363360"/>
       </p:ext>
     </p:extLst>
   </p:cSld>
@@ -9636,7 +9628,7 @@
     </p:spTree>
     <p:extLst>
       <p:ext uri="{BB962C8B-B14F-4D97-AF65-F5344CB8AC3E}">
-        <p14:creationId xmlns:p14="http://schemas.microsoft.com/office/powerpoint/2010/main" val="1936524688"/>
+        <p14:creationId xmlns:p14="http://schemas.microsoft.com/office/powerpoint/2010/main" val="1675816700"/>
       </p:ext>
     </p:extLst>
   </p:cSld>
@@ -10305,7 +10297,7 @@
     </p:spTree>
     <p:extLst>
       <p:ext uri="{BB962C8B-B14F-4D97-AF65-F5344CB8AC3E}">
-        <p14:creationId xmlns:p14="http://schemas.microsoft.com/office/powerpoint/2010/main" val="1881534836"/>
+        <p14:creationId xmlns:p14="http://schemas.microsoft.com/office/powerpoint/2010/main" val="1045020506"/>
       </p:ext>
     </p:extLst>
   </p:cSld>
@@ -10412,20 +10404,106 @@
           <a:p>
             <a:r>
               <a:rPr lang="en-GB" dirty="0"/>
-              <a:t>"""</a:t>
-            </a:r>
-          </a:p>
-          <a:p>
-            <a:r>
-              <a:rPr lang="en-GB" dirty="0"/>
-              <a:t>Agentic App: GPT + MCP</a:t>
-            </a:r>
-          </a:p>
-          <a:p>
-            <a:r>
-              <a:rPr lang="en-GB" dirty="0"/>
-              <a:t>"""</a:t>
-            </a:r>
+              <a:t>import </a:t>
+            </a:r>
+            <a:r>
+              <a:rPr lang="en-GB" dirty="0" err="1"/>
+              <a:t>asyncio</a:t>
+            </a:r>
+            <a:endParaRPr lang="en-GB" dirty="0"/>
+          </a:p>
+          <a:p>
+            <a:r>
+              <a:rPr lang="en-GB" dirty="0"/>
+              <a:t>import </a:t>
+            </a:r>
+            <a:r>
+              <a:rPr lang="en-GB" dirty="0" err="1"/>
+              <a:t>json</a:t>
+            </a:r>
+            <a:endParaRPr lang="en-GB" dirty="0"/>
+          </a:p>
+          <a:p>
+            <a:r>
+              <a:rPr lang="en-GB" dirty="0"/>
+              <a:t>from </a:t>
+            </a:r>
+            <a:r>
+              <a:rPr lang="en-GB" dirty="0" err="1"/>
+              <a:t>dotenv</a:t>
+            </a:r>
+            <a:r>
+              <a:rPr lang="en-GB" dirty="0"/>
+              <a:t> import </a:t>
+            </a:r>
+            <a:r>
+              <a:rPr lang="en-GB" dirty="0" err="1"/>
+              <a:t>load_dotenv</a:t>
+            </a:r>
+            <a:endParaRPr lang="en-GB" dirty="0"/>
+          </a:p>
+          <a:p>
+            <a:r>
+              <a:rPr lang="en-GB" dirty="0"/>
+              <a:t>from </a:t>
+            </a:r>
+            <a:r>
+              <a:rPr lang="en-GB" dirty="0" err="1"/>
+              <a:t>mcp</a:t>
+            </a:r>
+            <a:r>
+              <a:rPr lang="en-GB" dirty="0"/>
+              <a:t> import </a:t>
+            </a:r>
+            <a:r>
+              <a:rPr lang="en-GB" dirty="0" err="1"/>
+              <a:t>ClientSession</a:t>
+            </a:r>
+            <a:r>
+              <a:rPr lang="en-GB" dirty="0"/>
+              <a:t>, </a:t>
+            </a:r>
+            <a:r>
+              <a:rPr lang="en-GB" dirty="0" err="1"/>
+              <a:t>StdioServerParameters</a:t>
+            </a:r>
+            <a:endParaRPr lang="en-GB" dirty="0"/>
+          </a:p>
+          <a:p>
+            <a:r>
+              <a:rPr lang="en-GB" dirty="0"/>
+              <a:t>from </a:t>
+            </a:r>
+            <a:r>
+              <a:rPr lang="en-GB" dirty="0" err="1"/>
+              <a:t>mcp.client.stdio</a:t>
+            </a:r>
+            <a:r>
+              <a:rPr lang="en-GB" dirty="0"/>
+              <a:t> import </a:t>
+            </a:r>
+            <a:r>
+              <a:rPr lang="en-GB" dirty="0" err="1"/>
+              <a:t>stdio_client</a:t>
+            </a:r>
+            <a:endParaRPr lang="en-GB" dirty="0"/>
+          </a:p>
+          <a:p>
+            <a:r>
+              <a:rPr lang="en-GB" dirty="0"/>
+              <a:t>from agents import Agent, Runner  # your existing agent framework</a:t>
+            </a:r>
+          </a:p>
+          <a:p>
+            <a:r>
+              <a:rPr lang="en-GB" dirty="0"/>
+              <a:t>import </a:t>
+            </a:r>
+            <a:r>
+              <a:rPr lang="en-GB" dirty="0" err="1"/>
+              <a:t>openai</a:t>
+            </a:r>
+            <a:endParaRPr lang="en-GB" dirty="0"/>
           </a:p>
           <a:p>
             <a:br>
@@ -10435,49 +10513,102 @@
           </a:p>
           <a:p>
             <a:r>
-              <a:rPr lang="en-GB" dirty="0"/>
-              <a:t>import </a:t>
-            </a:r>
-            <a:r>
               <a:rPr lang="en-GB" dirty="0" err="1"/>
-              <a:t>asyncio</a:t>
-            </a:r>
+              <a:t>load_dotenv</a:t>
+            </a:r>
+            <a:r>
+              <a:rPr lang="en-GB" dirty="0"/>
+              <a:t>(override=True)</a:t>
+            </a:r>
+          </a:p>
+          <a:p>
+            <a:br>
+              <a:rPr lang="en-GB" dirty="0"/>
+            </a:br>
             <a:endParaRPr lang="en-GB" dirty="0"/>
           </a:p>
           <a:p>
             <a:r>
               <a:rPr lang="en-GB" dirty="0"/>
-              <a:t>import </a:t>
+              <a:t># ---------------- MCP Tool ---------------- #</a:t>
+            </a:r>
+          </a:p>
+          <a:p>
+            <a:r>
+              <a:rPr lang="en-GB" dirty="0"/>
+              <a:t>async def </a:t>
             </a:r>
             <a:r>
               <a:rPr lang="en-GB" dirty="0" err="1"/>
-              <a:t>json</a:t>
-            </a:r>
-            <a:endParaRPr lang="en-GB" dirty="0"/>
-          </a:p>
-          <a:p>
-            <a:r>
-              <a:rPr lang="en-GB" dirty="0"/>
-              <a:t>import </a:t>
+              <a:t>get_crypto_price</a:t>
+            </a:r>
+            <a:r>
+              <a:rPr lang="en-GB" dirty="0"/>
+              <a:t>(crypto: str) -&gt; str:</a:t>
+            </a:r>
+          </a:p>
+          <a:p>
+            <a:r>
+              <a:rPr lang="en-GB" dirty="0"/>
+              <a:t>    """Call MCP tool to get crypto price"""</a:t>
+            </a:r>
+          </a:p>
+          <a:p>
+            <a:r>
+              <a:rPr lang="en-GB" dirty="0"/>
+              <a:t>    </a:t>
             </a:r>
             <a:r>
               <a:rPr lang="en-GB" dirty="0" err="1"/>
-              <a:t>openai</a:t>
-            </a:r>
-            <a:endParaRPr lang="en-GB" dirty="0"/>
-          </a:p>
-          <a:p>
-            <a:r>
-              <a:rPr lang="en-GB" dirty="0"/>
-              <a:t>from </a:t>
+              <a:t>server_params</a:t>
+            </a:r>
+            <a:r>
+              <a:rPr lang="en-GB" dirty="0"/>
+              <a:t> = </a:t>
             </a:r>
             <a:r>
               <a:rPr lang="en-GB" dirty="0" err="1"/>
-              <a:t>mcp</a:t>
-            </a:r>
-            <a:r>
-              <a:rPr lang="en-GB" dirty="0"/>
-              <a:t> import </a:t>
+              <a:t>StdioServerParameters</a:t>
+            </a:r>
+            <a:r>
+              <a:rPr lang="en-GB" dirty="0"/>
+              <a:t>(command="python", </a:t>
+            </a:r>
+            <a:r>
+              <a:rPr lang="en-GB" dirty="0" err="1"/>
+              <a:t>args</a:t>
+            </a:r>
+            <a:r>
+              <a:rPr lang="en-GB" dirty="0"/>
+              <a:t>=["./crypto.py"])</a:t>
+            </a:r>
+          </a:p>
+          <a:p>
+            <a:r>
+              <a:rPr lang="en-GB" dirty="0"/>
+              <a:t>    async with </a:t>
+            </a:r>
+            <a:r>
+              <a:rPr lang="en-GB" dirty="0" err="1"/>
+              <a:t>stdio_client</a:t>
+            </a:r>
+            <a:r>
+              <a:rPr lang="en-GB" dirty="0"/>
+              <a:t>(</a:t>
+            </a:r>
+            <a:r>
+              <a:rPr lang="en-GB" dirty="0" err="1"/>
+              <a:t>server_params</a:t>
+            </a:r>
+            <a:r>
+              <a:rPr lang="en-GB" dirty="0"/>
+              <a:t>) as (read, write):</a:t>
+            </a:r>
+          </a:p>
+          <a:p>
+            <a:r>
+              <a:rPr lang="en-GB" dirty="0"/>
+              <a:t>        async with </a:t>
             </a:r>
             <a:r>
               <a:rPr lang="en-GB" dirty="0" err="1"/>
@@ -10485,51 +10616,70 @@
             </a:r>
             <a:r>
               <a:rPr lang="en-GB" dirty="0"/>
-              <a:t>, </a:t>
+              <a:t>(read, write) as session:</a:t>
+            </a:r>
+          </a:p>
+          <a:p>
+            <a:r>
+              <a:rPr lang="en-GB" dirty="0"/>
+              <a:t>            await </a:t>
             </a:r>
             <a:r>
               <a:rPr lang="en-GB" dirty="0" err="1"/>
-              <a:t>StdioServerParameters</a:t>
-            </a:r>
-            <a:endParaRPr lang="en-GB" dirty="0"/>
-          </a:p>
-          <a:p>
-            <a:r>
-              <a:rPr lang="en-GB" dirty="0"/>
-              <a:t>from </a:t>
+              <a:t>session.initialize</a:t>
+            </a:r>
+            <a:r>
+              <a:rPr lang="en-GB" dirty="0"/>
+              <a:t>()</a:t>
+            </a:r>
+          </a:p>
+          <a:p>
+            <a:r>
+              <a:rPr lang="en-GB" dirty="0"/>
+              <a:t>            result = await </a:t>
             </a:r>
             <a:r>
               <a:rPr lang="en-GB" dirty="0" err="1"/>
-              <a:t>mcp.client.stdio</a:t>
-            </a:r>
-            <a:r>
-              <a:rPr lang="en-GB" dirty="0"/>
-              <a:t> import </a:t>
+              <a:t>session.call_tool</a:t>
+            </a:r>
+            <a:r>
+              <a:rPr lang="en-GB" dirty="0"/>
+              <a:t>(</a:t>
+            </a:r>
+          </a:p>
+          <a:p>
+            <a:r>
+              <a:rPr lang="en-GB" dirty="0"/>
+              <a:t>                "</a:t>
             </a:r>
             <a:r>
               <a:rPr lang="en-GB" dirty="0" err="1"/>
-              <a:t>stdio_client</a:t>
-            </a:r>
-            <a:endParaRPr lang="en-GB" dirty="0"/>
-          </a:p>
-          <a:p>
-            <a:r>
-              <a:rPr lang="en-GB" dirty="0"/>
-              <a:t>from </a:t>
+              <a:t>get_cryptocurrency_price</a:t>
+            </a:r>
+            <a:r>
+              <a:rPr lang="en-GB" dirty="0"/>
+              <a:t>", {"crypto": crypto}</a:t>
+            </a:r>
+          </a:p>
+          <a:p>
+            <a:r>
+              <a:rPr lang="en-GB" dirty="0"/>
+              <a:t>            )</a:t>
+            </a:r>
+          </a:p>
+          <a:p>
+            <a:r>
+              <a:rPr lang="en-GB" dirty="0"/>
+              <a:t>            return </a:t>
             </a:r>
             <a:r>
               <a:rPr lang="en-GB" dirty="0" err="1"/>
-              <a:t>dotenv</a:t>
-            </a:r>
-            <a:r>
-              <a:rPr lang="en-GB" dirty="0"/>
-              <a:t> import </a:t>
-            </a:r>
-            <a:r>
-              <a:rPr lang="en-GB" dirty="0" err="1"/>
-              <a:t>load_dotenv</a:t>
-            </a:r>
-            <a:endParaRPr lang="en-GB" dirty="0"/>
+              <a:t>result.content</a:t>
+            </a:r>
+            <a:r>
+              <a:rPr lang="en-GB" dirty="0"/>
+              <a:t>[0].text</a:t>
+            </a:r>
           </a:p>
           <a:p>
             <a:br>
@@ -10540,143 +10690,46 @@
           <a:p>
             <a:r>
               <a:rPr lang="en-GB" dirty="0"/>
-              <a:t>async def </a:t>
-            </a:r>
+              <a:t># ---------------- Crypto Agent ---------------- #</a:t>
+            </a:r>
+          </a:p>
+          <a:p>
             <a:r>
               <a:rPr lang="en-GB" dirty="0" err="1"/>
-              <a:t>get_crypto_price</a:t>
-            </a:r>
-            <a:r>
-              <a:rPr lang="en-GB" dirty="0"/>
-              <a:t>(crypto: str) -&gt; str:</a:t>
-            </a:r>
-          </a:p>
-          <a:p>
-            <a:r>
-              <a:rPr lang="en-GB" dirty="0"/>
-              <a:t>    """MCP tool call"""</a:t>
-            </a:r>
-          </a:p>
-          <a:p>
-            <a:r>
-              <a:rPr lang="en-GB" dirty="0"/>
-              <a:t>    </a:t>
+              <a:t>crypto_agent</a:t>
+            </a:r>
+            <a:r>
+              <a:rPr lang="en-GB" dirty="0"/>
+              <a:t> = Agent(</a:t>
+            </a:r>
+          </a:p>
+          <a:p>
+            <a:r>
+              <a:rPr lang="en-GB" dirty="0"/>
+              <a:t>    name="</a:t>
             </a:r>
             <a:r>
               <a:rPr lang="en-GB" dirty="0" err="1"/>
-              <a:t>server_params</a:t>
-            </a:r>
-            <a:r>
-              <a:rPr lang="en-GB" dirty="0"/>
-              <a:t> = </a:t>
-            </a:r>
-            <a:r>
-              <a:rPr lang="en-GB" dirty="0" err="1"/>
-              <a:t>StdioServerParameters</a:t>
-            </a:r>
-            <a:r>
-              <a:rPr lang="en-GB" dirty="0"/>
-              <a:t>(command="python", </a:t>
-            </a:r>
-            <a:r>
-              <a:rPr lang="en-GB" dirty="0" err="1"/>
-              <a:t>args</a:t>
-            </a:r>
-            <a:r>
-              <a:rPr lang="en-GB" dirty="0"/>
-              <a:t>=["./crypto.py"])</a:t>
-            </a:r>
-          </a:p>
-          <a:p>
-            <a:r>
-              <a:rPr lang="en-GB" dirty="0"/>
-              <a:t>    async with </a:t>
-            </a:r>
-            <a:r>
-              <a:rPr lang="en-GB" dirty="0" err="1"/>
-              <a:t>stdio_client</a:t>
-            </a:r>
-            <a:r>
-              <a:rPr lang="en-GB" dirty="0"/>
-              <a:t>(</a:t>
-            </a:r>
-            <a:r>
-              <a:rPr lang="en-GB" dirty="0" err="1"/>
-              <a:t>server_params</a:t>
-            </a:r>
-            <a:r>
-              <a:rPr lang="en-GB" dirty="0"/>
-              <a:t>) as (read, write):</a:t>
-            </a:r>
-          </a:p>
-          <a:p>
-            <a:r>
-              <a:rPr lang="en-GB" dirty="0"/>
-              <a:t>        async with </a:t>
-            </a:r>
-            <a:r>
-              <a:rPr lang="en-GB" dirty="0" err="1"/>
-              <a:t>ClientSession</a:t>
-            </a:r>
-            <a:r>
-              <a:rPr lang="en-GB" dirty="0"/>
-              <a:t>(read, write) as session:</a:t>
-            </a:r>
-          </a:p>
-          <a:p>
-            <a:r>
-              <a:rPr lang="en-GB" dirty="0"/>
-              <a:t>            await </a:t>
-            </a:r>
-            <a:r>
-              <a:rPr lang="en-GB" dirty="0" err="1"/>
-              <a:t>session.initialize</a:t>
-            </a:r>
-            <a:r>
-              <a:rPr lang="en-GB" dirty="0"/>
-              <a:t>()</a:t>
-            </a:r>
-          </a:p>
-          <a:p>
-            <a:r>
-              <a:rPr lang="en-GB" dirty="0"/>
-              <a:t>            result = await </a:t>
-            </a:r>
-            <a:r>
-              <a:rPr lang="en-GB" dirty="0" err="1"/>
-              <a:t>session.call_tool</a:t>
-            </a:r>
-            <a:r>
-              <a:rPr lang="en-GB" dirty="0"/>
-              <a:t>("</a:t>
-            </a:r>
-            <a:r>
-              <a:rPr lang="en-GB" dirty="0" err="1"/>
-              <a:t>get_cryptocurrency_price</a:t>
-            </a:r>
-            <a:r>
-              <a:rPr lang="en-GB" dirty="0"/>
-              <a:t>", {"crypto": crypto})</a:t>
-            </a:r>
-          </a:p>
-          <a:p>
-            <a:r>
-              <a:rPr lang="en-GB" dirty="0"/>
-              <a:t>            return </a:t>
-            </a:r>
-            <a:r>
-              <a:rPr lang="en-GB" dirty="0" err="1"/>
-              <a:t>result.content</a:t>
-            </a:r>
-            <a:r>
-              <a:rPr lang="en-GB" dirty="0"/>
-              <a:t>[0].text</a:t>
-            </a:r>
-          </a:p>
-          <a:p>
-            <a:br>
-              <a:rPr lang="en-GB" dirty="0"/>
-            </a:br>
+              <a:t>Crypto_Price_Agent</a:t>
+            </a:r>
+            <a:r>
+              <a:rPr lang="en-GB" dirty="0"/>
+              <a:t>",</a:t>
+            </a:r>
+          </a:p>
+          <a:p>
+            <a:r>
+              <a:rPr lang="en-GB" dirty="0"/>
+              <a:t>    instructions="Use the MCP tool to fetch cryptocurrency prices when asked."</a:t>
+            </a:r>
+          </a:p>
+          <a:p>
+            <a:r>
+              <a:rPr lang="en-GB" dirty="0"/>
+              <a:t>)</a:t>
+            </a:r>
+          </a:p>
+          <a:p>
             <a:br>
               <a:rPr lang="en-GB" dirty="0"/>
             </a:br>
@@ -10685,277 +10738,47 @@
           <a:p>
             <a:r>
               <a:rPr lang="en-GB" dirty="0"/>
-              <a:t>async def chat(message: str) -&gt; str:</a:t>
-            </a:r>
-          </a:p>
-          <a:p>
-            <a:r>
-              <a:rPr lang="en-GB" dirty="0"/>
-              <a:t>    """LLM + MCP integration"""</a:t>
-            </a:r>
-          </a:p>
-          <a:p>
-            <a:r>
-              <a:rPr lang="en-GB" dirty="0"/>
-              <a:t>    client = </a:t>
+              <a:t># ---------------- Main ---------------- #</a:t>
+            </a:r>
+          </a:p>
+          <a:p>
+            <a:r>
+              <a:rPr lang="en-GB" dirty="0"/>
+              <a:t>async def main():</a:t>
+            </a:r>
+          </a:p>
+          <a:p>
+            <a:r>
+              <a:rPr lang="en-GB" dirty="0"/>
+              <a:t>    # Example: get bitcoin price</a:t>
+            </a:r>
+          </a:p>
+          <a:p>
+            <a:r>
+              <a:rPr lang="en-GB" dirty="0"/>
+              <a:t>    task = </a:t>
             </a:r>
             <a:r>
               <a:rPr lang="en-GB" dirty="0" err="1"/>
-              <a:t>openai.OpenAI</a:t>
-            </a:r>
-            <a:r>
-              <a:rPr lang="en-GB" dirty="0"/>
-              <a:t>()</a:t>
-            </a:r>
-          </a:p>
-          <a:p>
-            <a:r>
-              <a:rPr lang="en-GB" dirty="0"/>
-              <a:t>    </a:t>
-            </a:r>
-          </a:p>
-          <a:p>
-            <a:r>
-              <a:rPr lang="en-GB" dirty="0"/>
-              <a:t>    # LLM with function calling</a:t>
-            </a:r>
-          </a:p>
-          <a:p>
-            <a:r>
-              <a:rPr lang="en-GB" dirty="0"/>
-              <a:t>    response = </a:t>
+              <a:t>Runner.run</a:t>
+            </a:r>
+            <a:r>
+              <a:rPr lang="en-GB" dirty="0"/>
+              <a:t>(</a:t>
             </a:r>
             <a:r>
               <a:rPr lang="en-GB" dirty="0" err="1"/>
-              <a:t>client.chat.completions.create</a:t>
-            </a:r>
-            <a:r>
-              <a:rPr lang="en-GB" dirty="0"/>
-              <a:t>(</a:t>
-            </a:r>
-          </a:p>
-          <a:p>
-            <a:r>
-              <a:rPr lang="en-GB" dirty="0"/>
-              <a:t>        model="gpt-3.5-turbo",</a:t>
-            </a:r>
-          </a:p>
-          <a:p>
-            <a:r>
-              <a:rPr lang="en-GB" dirty="0"/>
-              <a:t>        messages=[{"role": "user", "content": message}],</a:t>
-            </a:r>
-          </a:p>
-          <a:p>
-            <a:r>
-              <a:rPr lang="en-GB" dirty="0"/>
-              <a:t>        tools=[{</a:t>
-            </a:r>
-          </a:p>
-          <a:p>
-            <a:r>
-              <a:rPr lang="en-GB" dirty="0"/>
-              <a:t>            "type": "function",</a:t>
-            </a:r>
-          </a:p>
-          <a:p>
-            <a:r>
-              <a:rPr lang="en-GB" dirty="0"/>
-              <a:t>            "function": {</a:t>
-            </a:r>
-          </a:p>
-          <a:p>
-            <a:r>
-              <a:rPr lang="en-GB" dirty="0"/>
-              <a:t>                "name": "</a:t>
-            </a:r>
-            <a:r>
-              <a:rPr lang="en-GB" dirty="0" err="1"/>
-              <a:t>get_cryptocurrency_price</a:t>
-            </a:r>
-            <a:r>
-              <a:rPr lang="en-GB" dirty="0"/>
-              <a:t>",</a:t>
-            </a:r>
-          </a:p>
-          <a:p>
-            <a:r>
-              <a:rPr lang="en-GB" dirty="0"/>
-              <a:t>                "description": "Get crypto price in INR",</a:t>
-            </a:r>
-          </a:p>
-          <a:p>
-            <a:r>
-              <a:rPr lang="en-GB" dirty="0"/>
-              <a:t>                "parameters": {</a:t>
-            </a:r>
-          </a:p>
-          <a:p>
-            <a:r>
-              <a:rPr lang="en-GB" dirty="0"/>
-              <a:t>                    "type": "object",</a:t>
-            </a:r>
-          </a:p>
-          <a:p>
-            <a:r>
-              <a:rPr lang="en-GB" dirty="0"/>
-              <a:t>                    "properties": {"crypto": {"type": "string"}},</a:t>
-            </a:r>
-          </a:p>
-          <a:p>
-            <a:r>
-              <a:rPr lang="en-GB" dirty="0"/>
-              <a:t>                    "required": ["crypto"]</a:t>
-            </a:r>
-          </a:p>
-          <a:p>
-            <a:r>
-              <a:rPr lang="en-GB" dirty="0"/>
-              <a:t>                }</a:t>
-            </a:r>
-          </a:p>
-          <a:p>
-            <a:r>
-              <a:rPr lang="en-GB" dirty="0"/>
-              <a:t>            }</a:t>
-            </a:r>
-          </a:p>
-          <a:p>
-            <a:r>
-              <a:rPr lang="en-GB" dirty="0"/>
-              <a:t>        }],</a:t>
-            </a:r>
-          </a:p>
-          <a:p>
-            <a:r>
-              <a:rPr lang="en-GB" dirty="0"/>
-              <a:t>        </a:t>
-            </a:r>
-            <a:r>
-              <a:rPr lang="en-GB" dirty="0" err="1"/>
-              <a:t>tool_choice</a:t>
-            </a:r>
-            <a:r>
-              <a:rPr lang="en-GB" dirty="0"/>
-              <a:t>="auto"</a:t>
-            </a:r>
-          </a:p>
-          <a:p>
-            <a:r>
-              <a:rPr lang="en-GB" dirty="0"/>
-              <a:t>    )</a:t>
-            </a:r>
-          </a:p>
-          <a:p>
-            <a:r>
-              <a:rPr lang="en-GB" dirty="0"/>
-              <a:t>    </a:t>
-            </a:r>
-          </a:p>
-          <a:p>
-            <a:r>
-              <a:rPr lang="en-GB" dirty="0"/>
-              <a:t>    </a:t>
-            </a:r>
-            <a:r>
-              <a:rPr lang="en-GB" dirty="0" err="1"/>
-              <a:t>msg</a:t>
-            </a:r>
-            <a:r>
-              <a:rPr lang="en-GB" dirty="0"/>
-              <a:t> = </a:t>
-            </a:r>
-            <a:r>
-              <a:rPr lang="en-GB" dirty="0" err="1"/>
-              <a:t>response.choices</a:t>
-            </a:r>
-            <a:r>
-              <a:rPr lang="en-GB" dirty="0"/>
-              <a:t>[0].message</a:t>
-            </a:r>
-          </a:p>
-          <a:p>
-            <a:r>
-              <a:rPr lang="en-GB" dirty="0"/>
-              <a:t>    </a:t>
-            </a:r>
-          </a:p>
-          <a:p>
-            <a:r>
-              <a:rPr lang="en-GB" dirty="0"/>
-              <a:t>    # If LLM wants to call function</a:t>
-            </a:r>
-          </a:p>
-          <a:p>
-            <a:r>
-              <a:rPr lang="en-GB" dirty="0"/>
-              <a:t>    if </a:t>
-            </a:r>
-            <a:r>
-              <a:rPr lang="en-GB" dirty="0" err="1"/>
-              <a:t>msg.tool_calls</a:t>
-            </a:r>
-            <a:r>
-              <a:rPr lang="en-GB" dirty="0"/>
-              <a:t>:</a:t>
-            </a:r>
-          </a:p>
-          <a:p>
-            <a:r>
-              <a:rPr lang="en-GB" dirty="0"/>
-              <a:t>        </a:t>
-            </a:r>
-            <a:r>
-              <a:rPr lang="en-GB" dirty="0" err="1"/>
-              <a:t>tool_call</a:t>
-            </a:r>
-            <a:r>
-              <a:rPr lang="en-GB" dirty="0"/>
-              <a:t> = </a:t>
-            </a:r>
-            <a:r>
-              <a:rPr lang="en-GB" dirty="0" err="1"/>
-              <a:t>msg.tool_calls</a:t>
-            </a:r>
-            <a:r>
-              <a:rPr lang="en-GB" dirty="0"/>
-              <a:t>[0]</a:t>
-            </a:r>
-          </a:p>
-          <a:p>
-            <a:r>
-              <a:rPr lang="en-GB" dirty="0"/>
-              <a:t>        crypto = </a:t>
-            </a:r>
-            <a:r>
-              <a:rPr lang="en-GB" dirty="0" err="1"/>
-              <a:t>json.loads</a:t>
-            </a:r>
-            <a:r>
-              <a:rPr lang="en-GB" dirty="0"/>
-              <a:t>(</a:t>
-            </a:r>
-            <a:r>
-              <a:rPr lang="en-GB" dirty="0" err="1"/>
-              <a:t>tool_call.function.arguments</a:t>
-            </a:r>
-            <a:r>
-              <a:rPr lang="en-GB" dirty="0"/>
-              <a:t>)["crypto"]</a:t>
-            </a:r>
-          </a:p>
-          <a:p>
-            <a:r>
-              <a:rPr lang="en-GB" dirty="0"/>
-              <a:t>        price = await </a:t>
-            </a:r>
-            <a:r>
-              <a:rPr lang="en-GB" dirty="0" err="1"/>
-              <a:t>get_crypto_price</a:t>
-            </a:r>
-            <a:r>
-              <a:rPr lang="en-GB" dirty="0"/>
-              <a:t>(crypto)</a:t>
+              <a:t>crypto_agent</a:t>
+            </a:r>
+            <a:r>
+              <a:rPr lang="en-GB" dirty="0"/>
+              <a:t>, "Get the price of bitcoin in INR.")</a:t>
+            </a:r>
+          </a:p>
+          <a:p>
+            <a:r>
+              <a:rPr lang="en-GB" dirty="0"/>
+              <a:t>    result = await task</a:t>
             </a:r>
           </a:p>
           <a:p>
@@ -10967,123 +10790,16 @@
           <a:p>
             <a:r>
               <a:rPr lang="en-GB" dirty="0"/>
-              <a:t>        # Get final response</a:t>
-            </a:r>
-          </a:p>
-          <a:p>
-            <a:r>
-              <a:rPr lang="en-GB" dirty="0"/>
-              <a:t>        final = </a:t>
+              <a:t>    print("=== Crypto Agent ===\n", </a:t>
             </a:r>
             <a:r>
               <a:rPr lang="en-GB" dirty="0" err="1"/>
-              <a:t>client.chat.completions.create</a:t>
-            </a:r>
-            <a:r>
-              <a:rPr lang="en-GB" dirty="0"/>
-              <a:t>(</a:t>
-            </a:r>
-          </a:p>
-          <a:p>
-            <a:r>
-              <a:rPr lang="en-GB" dirty="0"/>
-              <a:t>            model="gpt-3.5-turbo",</a:t>
-            </a:r>
-          </a:p>
-          <a:p>
-            <a:r>
-              <a:rPr lang="en-GB" dirty="0"/>
-              <a:t>            messages=[</a:t>
-            </a:r>
-          </a:p>
-          <a:p>
-            <a:r>
-              <a:rPr lang="en-GB" dirty="0"/>
-              <a:t>                {"role": "user", "content": message},</a:t>
-            </a:r>
-          </a:p>
-          <a:p>
-            <a:r>
-              <a:rPr lang="en-GB" dirty="0"/>
-              <a:t>                </a:t>
-            </a:r>
-            <a:r>
-              <a:rPr lang="en-GB" dirty="0" err="1"/>
-              <a:t>msg</a:t>
-            </a:r>
-            <a:r>
-              <a:rPr lang="en-GB" dirty="0"/>
-              <a:t>,</a:t>
-            </a:r>
-          </a:p>
-          <a:p>
-            <a:r>
-              <a:rPr lang="en-GB" dirty="0"/>
-              <a:t>                {</a:t>
-            </a:r>
-          </a:p>
-          <a:p>
-            <a:r>
-              <a:rPr lang="en-GB" dirty="0"/>
-              <a:t>                    "role": "tool",</a:t>
-            </a:r>
-          </a:p>
-          <a:p>
-            <a:r>
-              <a:rPr lang="en-GB" dirty="0"/>
-              <a:t>                    "</a:t>
-            </a:r>
-            <a:r>
-              <a:rPr lang="en-GB" dirty="0" err="1"/>
-              <a:t>tool_call_id</a:t>
-            </a:r>
-            <a:r>
-              <a:rPr lang="en-GB" dirty="0"/>
-              <a:t>": tool_call.id,</a:t>
-            </a:r>
-          </a:p>
-          <a:p>
-            <a:r>
-              <a:rPr lang="en-GB" dirty="0"/>
-              <a:t>                    "content": price</a:t>
-            </a:r>
-          </a:p>
-          <a:p>
-            <a:r>
-              <a:rPr lang="en-GB" dirty="0"/>
-              <a:t>                }</a:t>
-            </a:r>
-          </a:p>
-          <a:p>
-            <a:r>
-              <a:rPr lang="en-GB" dirty="0"/>
-              <a:t>            ]</a:t>
-            </a:r>
-          </a:p>
-          <a:p>
-            <a:r>
-              <a:rPr lang="en-GB" dirty="0"/>
-              <a:t>        )</a:t>
-            </a:r>
-          </a:p>
-          <a:p>
-            <a:r>
-              <a:rPr lang="en-GB" dirty="0"/>
-              <a:t>        return </a:t>
-            </a:r>
-            <a:r>
-              <a:rPr lang="en-GB" dirty="0" err="1"/>
-              <a:t>final.choices</a:t>
-            </a:r>
-            <a:r>
-              <a:rPr lang="en-GB" dirty="0"/>
-              <a:t>[0].</a:t>
-            </a:r>
-            <a:r>
-              <a:rPr lang="en-GB" dirty="0" err="1"/>
-              <a:t>message.content</a:t>
-            </a:r>
-            <a:endParaRPr lang="en-GB" dirty="0"/>
+              <a:t>result.final_output</a:t>
+            </a:r>
+            <a:r>
+              <a:rPr lang="en-GB" dirty="0"/>
+              <a:t>)</a:t>
+            </a:r>
           </a:p>
           <a:p>
             <a:br>
@@ -11094,114 +10810,7 @@
           <a:p>
             <a:r>
               <a:rPr lang="en-GB" dirty="0"/>
-              <a:t>    </a:t>
-            </a:r>
-          </a:p>
-          <a:p>
-            <a:r>
-              <a:rPr lang="en-GB" dirty="0"/>
-              <a:t>    return </a:t>
-            </a:r>
-            <a:r>
-              <a:rPr lang="en-GB" dirty="0" err="1"/>
-              <a:t>msg.content</a:t>
-            </a:r>
-            <a:endParaRPr lang="en-GB" dirty="0"/>
-          </a:p>
-          <a:p>
-            <a:br>
-              <a:rPr lang="en-GB" dirty="0"/>
-            </a:br>
-            <a:br>
-              <a:rPr lang="en-GB" dirty="0"/>
-            </a:br>
-            <a:endParaRPr lang="en-GB" dirty="0"/>
-          </a:p>
-          <a:p>
-            <a:r>
-              <a:rPr lang="en-GB" dirty="0"/>
-              <a:t># Interactive loop</a:t>
-            </a:r>
-          </a:p>
-          <a:p>
-            <a:r>
-              <a:rPr lang="en-GB" dirty="0"/>
-              <a:t>async def main():</a:t>
-            </a:r>
-          </a:p>
-          <a:p>
-            <a:r>
-              <a:rPr lang="en-GB" dirty="0"/>
-              <a:t>    print("Minimal Crypto Agent (GPT + MCP)")</a:t>
-            </a:r>
-          </a:p>
-          <a:p>
-            <a:r>
-              <a:rPr lang="en-GB" dirty="0"/>
-              <a:t>    while True:</a:t>
-            </a:r>
-          </a:p>
-          <a:p>
-            <a:r>
-              <a:rPr lang="en-GB" dirty="0"/>
-              <a:t>        query = input("\</a:t>
-            </a:r>
-            <a:r>
-              <a:rPr lang="en-GB" dirty="0" err="1"/>
-              <a:t>nYou</a:t>
-            </a:r>
-            <a:r>
-              <a:rPr lang="en-GB" dirty="0"/>
-              <a:t>: ")</a:t>
-            </a:r>
-          </a:p>
-          <a:p>
-            <a:r>
-              <a:rPr lang="en-GB" dirty="0"/>
-              <a:t>        if </a:t>
-            </a:r>
-            <a:r>
-              <a:rPr lang="en-GB" dirty="0" err="1"/>
-              <a:t>query.lower</a:t>
-            </a:r>
-            <a:r>
-              <a:rPr lang="en-GB" dirty="0"/>
-              <a:t>() == 'quit': break</a:t>
-            </a:r>
-          </a:p>
-          <a:p>
-            <a:r>
-              <a:rPr lang="en-GB" dirty="0"/>
-              <a:t>        print("Bot: ", await chat(query))</a:t>
-            </a:r>
-          </a:p>
-          <a:p>
-            <a:br>
-              <a:rPr lang="en-GB" dirty="0"/>
-            </a:br>
-            <a:br>
-              <a:rPr lang="en-GB" dirty="0"/>
-            </a:br>
-            <a:endParaRPr lang="en-GB" dirty="0"/>
-          </a:p>
-          <a:p>
-            <a:r>
-              <a:rPr lang="en-GB" dirty="0"/>
               <a:t>if __name__ == "__main__":</a:t>
-            </a:r>
-          </a:p>
-          <a:p>
-            <a:r>
-              <a:rPr lang="en-GB" dirty="0"/>
-              <a:t>    </a:t>
-            </a:r>
-            <a:r>
-              <a:rPr lang="en-GB" dirty="0" err="1"/>
-              <a:t>load_dotenv</a:t>
-            </a:r>
-            <a:r>
-              <a:rPr lang="en-GB" dirty="0"/>
-              <a:t>(override=True)</a:t>
             </a:r>
           </a:p>
           <a:p>
@@ -11219,6 +10828,9 @@
             </a:r>
           </a:p>
           <a:p>
+            <a:br>
+              <a:rPr lang="en-GB" dirty="0"/>
+            </a:br>
             <a:endParaRPr lang="en-GB" dirty="0"/>
           </a:p>
         </p:txBody>
@@ -11226,7 +10838,7 @@
     </p:spTree>
     <p:extLst>
       <p:ext uri="{BB962C8B-B14F-4D97-AF65-F5344CB8AC3E}">
-        <p14:creationId xmlns:p14="http://schemas.microsoft.com/office/powerpoint/2010/main" val="535179247"/>
+        <p14:creationId xmlns:p14="http://schemas.microsoft.com/office/powerpoint/2010/main" val="3276864303"/>
       </p:ext>
     </p:extLst>
   </p:cSld>
@@ -11430,7 +11042,7 @@
     </p:spTree>
     <p:extLst>
       <p:ext uri="{BB962C8B-B14F-4D97-AF65-F5344CB8AC3E}">
-        <p14:creationId xmlns:p14="http://schemas.microsoft.com/office/powerpoint/2010/main" val="2867665154"/>
+        <p14:creationId xmlns:p14="http://schemas.microsoft.com/office/powerpoint/2010/main" val="1050047388"/>
       </p:ext>
     </p:extLst>
   </p:cSld>
@@ -13221,7 +12833,7 @@
     </p:spTree>
     <p:extLst>
       <p:ext uri="{BB962C8B-B14F-4D97-AF65-F5344CB8AC3E}">
-        <p14:creationId xmlns:p14="http://schemas.microsoft.com/office/powerpoint/2010/main" val="1965265695"/>
+        <p14:creationId xmlns:p14="http://schemas.microsoft.com/office/powerpoint/2010/main" val="128952089"/>
       </p:ext>
     </p:extLst>
   </p:cSld>
@@ -13608,7 +13220,7 @@
     </p:spTree>
     <p:extLst>
       <p:ext uri="{BB962C8B-B14F-4D97-AF65-F5344CB8AC3E}">
-        <p14:creationId xmlns:p14="http://schemas.microsoft.com/office/powerpoint/2010/main" val="1632225237"/>
+        <p14:creationId xmlns:p14="http://schemas.microsoft.com/office/powerpoint/2010/main" val="3268955438"/>
       </p:ext>
     </p:extLst>
   </p:cSld>
@@ -14872,7 +14484,7 @@
     </p:spTree>
     <p:extLst>
       <p:ext uri="{BB962C8B-B14F-4D97-AF65-F5344CB8AC3E}">
-        <p14:creationId xmlns:p14="http://schemas.microsoft.com/office/powerpoint/2010/main" val="993833230"/>
+        <p14:creationId xmlns:p14="http://schemas.microsoft.com/office/powerpoint/2010/main" val="2212272616"/>
       </p:ext>
     </p:extLst>
   </p:cSld>
@@ -15490,7 +15102,7 @@
     </p:spTree>
     <p:extLst>
       <p:ext uri="{BB962C8B-B14F-4D97-AF65-F5344CB8AC3E}">
-        <p14:creationId xmlns:p14="http://schemas.microsoft.com/office/powerpoint/2010/main" val="2569618913"/>
+        <p14:creationId xmlns:p14="http://schemas.microsoft.com/office/powerpoint/2010/main" val="2454862771"/>
       </p:ext>
     </p:extLst>
   </p:cSld>
@@ -16639,7 +16251,7 @@
     </p:spTree>
     <p:extLst>
       <p:ext uri="{BB962C8B-B14F-4D97-AF65-F5344CB8AC3E}">
-        <p14:creationId xmlns:p14="http://schemas.microsoft.com/office/powerpoint/2010/main" val="4062075407"/>
+        <p14:creationId xmlns:p14="http://schemas.microsoft.com/office/powerpoint/2010/main" val="1026327327"/>
       </p:ext>
     </p:extLst>
   </p:cSld>
@@ -17233,7 +16845,7 @@
     </p:spTree>
     <p:extLst>
       <p:ext uri="{BB962C8B-B14F-4D97-AF65-F5344CB8AC3E}">
-        <p14:creationId xmlns:p14="http://schemas.microsoft.com/office/powerpoint/2010/main" val="3047586909"/>
+        <p14:creationId xmlns:p14="http://schemas.microsoft.com/office/powerpoint/2010/main" val="636586361"/>
       </p:ext>
     </p:extLst>
   </p:cSld>
@@ -17445,7 +17057,7 @@
     </p:spTree>
     <p:extLst>
       <p:ext uri="{BB962C8B-B14F-4D97-AF65-F5344CB8AC3E}">
-        <p14:creationId xmlns:p14="http://schemas.microsoft.com/office/powerpoint/2010/main" val="3654355410"/>
+        <p14:creationId xmlns:p14="http://schemas.microsoft.com/office/powerpoint/2010/main" val="1061821751"/>
       </p:ext>
     </p:extLst>
   </p:cSld>

--- a/6_mcp/06_MCP.pptx
+++ b/6_mcp/06_MCP.pptx
@@ -5,35 +5,23 @@
     <p:sldMasterId id="2147483648" r:id="rId1"/>
   </p:sldMasterIdLst>
   <p:sldIdLst>
-    <p:sldId id="659" r:id="rId2"/>
-    <p:sldId id="660" r:id="rId3"/>
-    <p:sldId id="661" r:id="rId4"/>
-    <p:sldId id="662" r:id="rId5"/>
-    <p:sldId id="663" r:id="rId6"/>
-    <p:sldId id="664" r:id="rId7"/>
-    <p:sldId id="665" r:id="rId8"/>
-    <p:sldId id="666" r:id="rId9"/>
-    <p:sldId id="667" r:id="rId10"/>
-    <p:sldId id="668" r:id="rId11"/>
-    <p:sldId id="669" r:id="rId12"/>
-    <p:sldId id="670" r:id="rId13"/>
-    <p:sldId id="671" r:id="rId14"/>
-    <p:sldId id="672" r:id="rId15"/>
-    <p:sldId id="673" r:id="rId16"/>
-    <p:sldId id="674" r:id="rId17"/>
-    <p:sldId id="675" r:id="rId18"/>
-    <p:sldId id="676" r:id="rId19"/>
-    <p:sldId id="677" r:id="rId20"/>
-    <p:sldId id="678" r:id="rId21"/>
-    <p:sldId id="679" r:id="rId22"/>
-    <p:sldId id="680" r:id="rId23"/>
-    <p:sldId id="681" r:id="rId24"/>
-    <p:sldId id="682" r:id="rId25"/>
-    <p:sldId id="683" r:id="rId26"/>
-    <p:sldId id="684" r:id="rId27"/>
-    <p:sldId id="685" r:id="rId28"/>
-    <p:sldId id="686" r:id="rId29"/>
-    <p:sldId id="687" r:id="rId30"/>
+    <p:sldId id="499" r:id="rId2"/>
+    <p:sldId id="500" r:id="rId3"/>
+    <p:sldId id="501" r:id="rId4"/>
+    <p:sldId id="584" r:id="rId5"/>
+    <p:sldId id="583" r:id="rId6"/>
+    <p:sldId id="585" r:id="rId7"/>
+    <p:sldId id="586" r:id="rId8"/>
+    <p:sldId id="639" r:id="rId9"/>
+    <p:sldId id="587" r:id="rId10"/>
+    <p:sldId id="658" r:id="rId11"/>
+    <p:sldId id="588" r:id="rId12"/>
+    <p:sldId id="657" r:id="rId13"/>
+    <p:sldId id="616" r:id="rId14"/>
+    <p:sldId id="622" r:id="rId15"/>
+    <p:sldId id="628" r:id="rId16"/>
+    <p:sldId id="678" r:id="rId17"/>
+    <p:sldId id="679" r:id="rId18"/>
   </p:sldIdLst>
   <p:sldSz cx="12192000" cy="6858000"/>
   <p:notesSz cx="6858000" cy="9144000"/>
@@ -132,11 +120,6 @@
       </a:defRPr>
     </a:lvl9pPr>
   </p:defaultTextStyle>
-  <p:extLst>
-    <p:ext uri="{EFAFB233-063F-42B5-8137-9DF3F51BA10A}">
-      <p15:sldGuideLst xmlns:p15="http://schemas.microsoft.com/office/powerpoint/2012/main"/>
-    </p:ext>
-  </p:extLst>
 </p:presentation>
 </file>
 
@@ -162,7 +145,7 @@
           <p:cNvPr id="2" name="Title 1">
             <a:extLst>
               <a:ext uri="{FF2B5EF4-FFF2-40B4-BE49-F238E27FC236}">
-                <a16:creationId xmlns:a16="http://schemas.microsoft.com/office/drawing/2014/main" id="{D0A59068-5CC7-2ED0-901B-8E832FE74D91}"/>
+                <a16:creationId xmlns:a16="http://schemas.microsoft.com/office/drawing/2014/main" id="{6E03B8AD-50B3-3170-12EF-5D8CE3A6341F}"/>
               </a:ext>
             </a:extLst>
           </p:cNvPr>
@@ -200,7 +183,7 @@
           <p:cNvPr id="3" name="Subtitle 2">
             <a:extLst>
               <a:ext uri="{FF2B5EF4-FFF2-40B4-BE49-F238E27FC236}">
-                <a16:creationId xmlns:a16="http://schemas.microsoft.com/office/drawing/2014/main" id="{7B2B34F8-92E9-E49E-051D-22AD73A57EDA}"/>
+                <a16:creationId xmlns:a16="http://schemas.microsoft.com/office/drawing/2014/main" id="{D377411B-4665-51B3-0C43-F2E0FCD6E0A9}"/>
               </a:ext>
             </a:extLst>
           </p:cNvPr>
@@ -271,7 +254,7 @@
           <p:cNvPr id="4" name="Date Placeholder 3">
             <a:extLst>
               <a:ext uri="{FF2B5EF4-FFF2-40B4-BE49-F238E27FC236}">
-                <a16:creationId xmlns:a16="http://schemas.microsoft.com/office/drawing/2014/main" id="{9878ECB9-A40D-B323-B572-D2B594B71561}"/>
+                <a16:creationId xmlns:a16="http://schemas.microsoft.com/office/drawing/2014/main" id="{44F4F3FF-FCD0-10DF-0C4D-D070FC56EA80}"/>
               </a:ext>
             </a:extLst>
           </p:cNvPr>
@@ -287,9 +270,9 @@
           <a:bodyPr/>
           <a:lstStyle/>
           <a:p>
-            <a:fld id="{26DCA6CF-1849-49E0-9345-5E741217A6D4}" type="datetimeFigureOut">
+            <a:fld id="{A0705695-CADE-4E5E-A674-B9F8BAB0325C}" type="datetimeFigureOut">
               <a:rPr lang="en-GB" smtClean="0"/>
-              <a:t>16/10/2025</a:t>
+              <a:t>28/10/2025</a:t>
             </a:fld>
             <a:endParaRPr lang="en-GB"/>
           </a:p>
@@ -300,7 +283,7 @@
           <p:cNvPr id="5" name="Footer Placeholder 4">
             <a:extLst>
               <a:ext uri="{FF2B5EF4-FFF2-40B4-BE49-F238E27FC236}">
-                <a16:creationId xmlns:a16="http://schemas.microsoft.com/office/drawing/2014/main" id="{8ACD8FE9-73BB-4F8C-A0D4-20B9185F1D8F}"/>
+                <a16:creationId xmlns:a16="http://schemas.microsoft.com/office/drawing/2014/main" id="{72C2DF9E-5F86-78C3-6E05-9C0127ECFDC8}"/>
               </a:ext>
             </a:extLst>
           </p:cNvPr>
@@ -325,7 +308,7 @@
           <p:cNvPr id="6" name="Slide Number Placeholder 5">
             <a:extLst>
               <a:ext uri="{FF2B5EF4-FFF2-40B4-BE49-F238E27FC236}">
-                <a16:creationId xmlns:a16="http://schemas.microsoft.com/office/drawing/2014/main" id="{3D00A79A-E352-76FD-E20C-320F741444C4}"/>
+                <a16:creationId xmlns:a16="http://schemas.microsoft.com/office/drawing/2014/main" id="{5167C1D3-6C5E-BD69-217A-38967C71E36F}"/>
               </a:ext>
             </a:extLst>
           </p:cNvPr>
@@ -341,7 +324,7 @@
           <a:bodyPr/>
           <a:lstStyle/>
           <a:p>
-            <a:fld id="{A8BDB917-27A3-40A5-AE26-C8D8E30743BF}" type="slidenum">
+            <a:fld id="{9581FC5F-46B8-4672-9804-EBACE72A84EC}" type="slidenum">
               <a:rPr lang="en-GB" smtClean="0"/>
               <a:t>‹#›</a:t>
             </a:fld>
@@ -352,7 +335,7 @@
     </p:spTree>
     <p:extLst>
       <p:ext uri="{BB962C8B-B14F-4D97-AF65-F5344CB8AC3E}">
-        <p14:creationId xmlns:p14="http://schemas.microsoft.com/office/powerpoint/2010/main" val="4157537565"/>
+        <p14:creationId xmlns:p14="http://schemas.microsoft.com/office/powerpoint/2010/main" val="3218181072"/>
       </p:ext>
     </p:extLst>
   </p:cSld>
@@ -384,7 +367,7 @@
           <p:cNvPr id="2" name="Title 1">
             <a:extLst>
               <a:ext uri="{FF2B5EF4-FFF2-40B4-BE49-F238E27FC236}">
-                <a16:creationId xmlns:a16="http://schemas.microsoft.com/office/drawing/2014/main" id="{BEEACAEF-DC4E-F1A3-1F58-4436EE01580B}"/>
+                <a16:creationId xmlns:a16="http://schemas.microsoft.com/office/drawing/2014/main" id="{7727FE82-A612-2DC0-1C60-3544C694BA7C}"/>
               </a:ext>
             </a:extLst>
           </p:cNvPr>
@@ -413,7 +396,7 @@
           <p:cNvPr id="3" name="Vertical Text Placeholder 2">
             <a:extLst>
               <a:ext uri="{FF2B5EF4-FFF2-40B4-BE49-F238E27FC236}">
-                <a16:creationId xmlns:a16="http://schemas.microsoft.com/office/drawing/2014/main" id="{303EA753-2327-6552-CDAF-9A91EB611AA0}"/>
+                <a16:creationId xmlns:a16="http://schemas.microsoft.com/office/drawing/2014/main" id="{B57E6C71-F46A-0F9F-5A77-2F3890BEC8AC}"/>
               </a:ext>
             </a:extLst>
           </p:cNvPr>
@@ -471,7 +454,7 @@
           <p:cNvPr id="4" name="Date Placeholder 3">
             <a:extLst>
               <a:ext uri="{FF2B5EF4-FFF2-40B4-BE49-F238E27FC236}">
-                <a16:creationId xmlns:a16="http://schemas.microsoft.com/office/drawing/2014/main" id="{617562CD-D18C-8B84-517A-1C0E12C09C04}"/>
+                <a16:creationId xmlns:a16="http://schemas.microsoft.com/office/drawing/2014/main" id="{5D6D5098-CC99-AC53-4610-6B39AAEFFC20}"/>
               </a:ext>
             </a:extLst>
           </p:cNvPr>
@@ -487,9 +470,9 @@
           <a:bodyPr/>
           <a:lstStyle/>
           <a:p>
-            <a:fld id="{26DCA6CF-1849-49E0-9345-5E741217A6D4}" type="datetimeFigureOut">
+            <a:fld id="{A0705695-CADE-4E5E-A674-B9F8BAB0325C}" type="datetimeFigureOut">
               <a:rPr lang="en-GB" smtClean="0"/>
-              <a:t>16/10/2025</a:t>
+              <a:t>28/10/2025</a:t>
             </a:fld>
             <a:endParaRPr lang="en-GB"/>
           </a:p>
@@ -500,7 +483,7 @@
           <p:cNvPr id="5" name="Footer Placeholder 4">
             <a:extLst>
               <a:ext uri="{FF2B5EF4-FFF2-40B4-BE49-F238E27FC236}">
-                <a16:creationId xmlns:a16="http://schemas.microsoft.com/office/drawing/2014/main" id="{A022D010-6F3B-33FD-70BB-7B742D11A7D7}"/>
+                <a16:creationId xmlns:a16="http://schemas.microsoft.com/office/drawing/2014/main" id="{F3B17D06-0878-631D-A37A-C097F8A98829}"/>
               </a:ext>
             </a:extLst>
           </p:cNvPr>
@@ -525,7 +508,7 @@
           <p:cNvPr id="6" name="Slide Number Placeholder 5">
             <a:extLst>
               <a:ext uri="{FF2B5EF4-FFF2-40B4-BE49-F238E27FC236}">
-                <a16:creationId xmlns:a16="http://schemas.microsoft.com/office/drawing/2014/main" id="{DC227D06-1D90-F019-8F3A-F80707B3E8CE}"/>
+                <a16:creationId xmlns:a16="http://schemas.microsoft.com/office/drawing/2014/main" id="{A90F827F-4FB8-83DD-7D5C-F15D5B2E2371}"/>
               </a:ext>
             </a:extLst>
           </p:cNvPr>
@@ -541,7 +524,7 @@
           <a:bodyPr/>
           <a:lstStyle/>
           <a:p>
-            <a:fld id="{A8BDB917-27A3-40A5-AE26-C8D8E30743BF}" type="slidenum">
+            <a:fld id="{9581FC5F-46B8-4672-9804-EBACE72A84EC}" type="slidenum">
               <a:rPr lang="en-GB" smtClean="0"/>
               <a:t>‹#›</a:t>
             </a:fld>
@@ -552,7 +535,7 @@
     </p:spTree>
     <p:extLst>
       <p:ext uri="{BB962C8B-B14F-4D97-AF65-F5344CB8AC3E}">
-        <p14:creationId xmlns:p14="http://schemas.microsoft.com/office/powerpoint/2010/main" val="4259199370"/>
+        <p14:creationId xmlns:p14="http://schemas.microsoft.com/office/powerpoint/2010/main" val="1746681610"/>
       </p:ext>
     </p:extLst>
   </p:cSld>
@@ -584,7 +567,7 @@
           <p:cNvPr id="2" name="Vertical Title 1">
             <a:extLst>
               <a:ext uri="{FF2B5EF4-FFF2-40B4-BE49-F238E27FC236}">
-                <a16:creationId xmlns:a16="http://schemas.microsoft.com/office/drawing/2014/main" id="{FAB99B12-AF07-8066-EE62-5A41419D4859}"/>
+                <a16:creationId xmlns:a16="http://schemas.microsoft.com/office/drawing/2014/main" id="{833F8C9E-C014-7DB7-C54C-CD044D3B986A}"/>
               </a:ext>
             </a:extLst>
           </p:cNvPr>
@@ -618,7 +601,7 @@
           <p:cNvPr id="3" name="Vertical Text Placeholder 2">
             <a:extLst>
               <a:ext uri="{FF2B5EF4-FFF2-40B4-BE49-F238E27FC236}">
-                <a16:creationId xmlns:a16="http://schemas.microsoft.com/office/drawing/2014/main" id="{E1799143-856F-94B9-9E05-7CDE4B407275}"/>
+                <a16:creationId xmlns:a16="http://schemas.microsoft.com/office/drawing/2014/main" id="{A517D209-5502-3501-AE71-9F37B65585B6}"/>
               </a:ext>
             </a:extLst>
           </p:cNvPr>
@@ -681,7 +664,7 @@
           <p:cNvPr id="4" name="Date Placeholder 3">
             <a:extLst>
               <a:ext uri="{FF2B5EF4-FFF2-40B4-BE49-F238E27FC236}">
-                <a16:creationId xmlns:a16="http://schemas.microsoft.com/office/drawing/2014/main" id="{59DB02AC-783A-7B54-28D5-14CB7A0B3A18}"/>
+                <a16:creationId xmlns:a16="http://schemas.microsoft.com/office/drawing/2014/main" id="{9BF99552-7FB3-9A7B-359B-059A95DDA990}"/>
               </a:ext>
             </a:extLst>
           </p:cNvPr>
@@ -697,9 +680,9 @@
           <a:bodyPr/>
           <a:lstStyle/>
           <a:p>
-            <a:fld id="{26DCA6CF-1849-49E0-9345-5E741217A6D4}" type="datetimeFigureOut">
+            <a:fld id="{A0705695-CADE-4E5E-A674-B9F8BAB0325C}" type="datetimeFigureOut">
               <a:rPr lang="en-GB" smtClean="0"/>
-              <a:t>16/10/2025</a:t>
+              <a:t>28/10/2025</a:t>
             </a:fld>
             <a:endParaRPr lang="en-GB"/>
           </a:p>
@@ -710,7 +693,7 @@
           <p:cNvPr id="5" name="Footer Placeholder 4">
             <a:extLst>
               <a:ext uri="{FF2B5EF4-FFF2-40B4-BE49-F238E27FC236}">
-                <a16:creationId xmlns:a16="http://schemas.microsoft.com/office/drawing/2014/main" id="{4B4448E7-7B12-EF46-DE1D-E4D9885DA21F}"/>
+                <a16:creationId xmlns:a16="http://schemas.microsoft.com/office/drawing/2014/main" id="{2AA2D284-DD67-CACE-1912-65BAD400A4A9}"/>
               </a:ext>
             </a:extLst>
           </p:cNvPr>
@@ -735,7 +718,7 @@
           <p:cNvPr id="6" name="Slide Number Placeholder 5">
             <a:extLst>
               <a:ext uri="{FF2B5EF4-FFF2-40B4-BE49-F238E27FC236}">
-                <a16:creationId xmlns:a16="http://schemas.microsoft.com/office/drawing/2014/main" id="{22D1BF2B-7F1E-BAC6-8220-60488C8D5F24}"/>
+                <a16:creationId xmlns:a16="http://schemas.microsoft.com/office/drawing/2014/main" id="{350009C6-0774-A3F9-4907-F40B552988E8}"/>
               </a:ext>
             </a:extLst>
           </p:cNvPr>
@@ -751,7 +734,7 @@
           <a:bodyPr/>
           <a:lstStyle/>
           <a:p>
-            <a:fld id="{A8BDB917-27A3-40A5-AE26-C8D8E30743BF}" type="slidenum">
+            <a:fld id="{9581FC5F-46B8-4672-9804-EBACE72A84EC}" type="slidenum">
               <a:rPr lang="en-GB" smtClean="0"/>
               <a:t>‹#›</a:t>
             </a:fld>
@@ -762,7 +745,7 @@
     </p:spTree>
     <p:extLst>
       <p:ext uri="{BB962C8B-B14F-4D97-AF65-F5344CB8AC3E}">
-        <p14:creationId xmlns:p14="http://schemas.microsoft.com/office/powerpoint/2010/main" val="459961434"/>
+        <p14:creationId xmlns:p14="http://schemas.microsoft.com/office/powerpoint/2010/main" val="2505427122"/>
       </p:ext>
     </p:extLst>
   </p:cSld>
@@ -794,7 +777,7 @@
           <p:cNvPr id="2" name="Title 1">
             <a:extLst>
               <a:ext uri="{FF2B5EF4-FFF2-40B4-BE49-F238E27FC236}">
-                <a16:creationId xmlns:a16="http://schemas.microsoft.com/office/drawing/2014/main" id="{BEC7070F-DB54-7210-A930-8E1B1FC937CD}"/>
+                <a16:creationId xmlns:a16="http://schemas.microsoft.com/office/drawing/2014/main" id="{296284E5-7694-AF21-434A-15B0726A2E21}"/>
               </a:ext>
             </a:extLst>
           </p:cNvPr>
@@ -823,7 +806,7 @@
           <p:cNvPr id="3" name="Content Placeholder 2">
             <a:extLst>
               <a:ext uri="{FF2B5EF4-FFF2-40B4-BE49-F238E27FC236}">
-                <a16:creationId xmlns:a16="http://schemas.microsoft.com/office/drawing/2014/main" id="{9E3989B6-2C4A-6FA8-2ECC-71131143A8A8}"/>
+                <a16:creationId xmlns:a16="http://schemas.microsoft.com/office/drawing/2014/main" id="{3A52D987-A7CC-0199-E889-412C0C5DB18A}"/>
               </a:ext>
             </a:extLst>
           </p:cNvPr>
@@ -881,7 +864,7 @@
           <p:cNvPr id="4" name="Date Placeholder 3">
             <a:extLst>
               <a:ext uri="{FF2B5EF4-FFF2-40B4-BE49-F238E27FC236}">
-                <a16:creationId xmlns:a16="http://schemas.microsoft.com/office/drawing/2014/main" id="{4C77E97F-2E63-59FE-70E0-3CEC42B04FDF}"/>
+                <a16:creationId xmlns:a16="http://schemas.microsoft.com/office/drawing/2014/main" id="{DF098230-76AA-1C63-AAEF-3ABF2AE45D8C}"/>
               </a:ext>
             </a:extLst>
           </p:cNvPr>
@@ -897,9 +880,9 @@
           <a:bodyPr/>
           <a:lstStyle/>
           <a:p>
-            <a:fld id="{26DCA6CF-1849-49E0-9345-5E741217A6D4}" type="datetimeFigureOut">
+            <a:fld id="{A0705695-CADE-4E5E-A674-B9F8BAB0325C}" type="datetimeFigureOut">
               <a:rPr lang="en-GB" smtClean="0"/>
-              <a:t>16/10/2025</a:t>
+              <a:t>28/10/2025</a:t>
             </a:fld>
             <a:endParaRPr lang="en-GB"/>
           </a:p>
@@ -910,7 +893,7 @@
           <p:cNvPr id="5" name="Footer Placeholder 4">
             <a:extLst>
               <a:ext uri="{FF2B5EF4-FFF2-40B4-BE49-F238E27FC236}">
-                <a16:creationId xmlns:a16="http://schemas.microsoft.com/office/drawing/2014/main" id="{D6BA927A-E676-55F3-60FF-06A06D3FB5CE}"/>
+                <a16:creationId xmlns:a16="http://schemas.microsoft.com/office/drawing/2014/main" id="{93516A26-6A4E-2739-85D0-6C74F9A4B5FF}"/>
               </a:ext>
             </a:extLst>
           </p:cNvPr>
@@ -935,7 +918,7 @@
           <p:cNvPr id="6" name="Slide Number Placeholder 5">
             <a:extLst>
               <a:ext uri="{FF2B5EF4-FFF2-40B4-BE49-F238E27FC236}">
-                <a16:creationId xmlns:a16="http://schemas.microsoft.com/office/drawing/2014/main" id="{EC5775B8-3D71-B3DC-F420-B1FCD7C31589}"/>
+                <a16:creationId xmlns:a16="http://schemas.microsoft.com/office/drawing/2014/main" id="{E917F688-8731-174C-AFD7-E248DA766EC6}"/>
               </a:ext>
             </a:extLst>
           </p:cNvPr>
@@ -951,7 +934,7 @@
           <a:bodyPr/>
           <a:lstStyle/>
           <a:p>
-            <a:fld id="{A8BDB917-27A3-40A5-AE26-C8D8E30743BF}" type="slidenum">
+            <a:fld id="{9581FC5F-46B8-4672-9804-EBACE72A84EC}" type="slidenum">
               <a:rPr lang="en-GB" smtClean="0"/>
               <a:t>‹#›</a:t>
             </a:fld>
@@ -962,7 +945,7 @@
     </p:spTree>
     <p:extLst>
       <p:ext uri="{BB962C8B-B14F-4D97-AF65-F5344CB8AC3E}">
-        <p14:creationId xmlns:p14="http://schemas.microsoft.com/office/powerpoint/2010/main" val="2730184774"/>
+        <p14:creationId xmlns:p14="http://schemas.microsoft.com/office/powerpoint/2010/main" val="3491748139"/>
       </p:ext>
     </p:extLst>
   </p:cSld>
@@ -994,7 +977,7 @@
           <p:cNvPr id="2" name="Title 1">
             <a:extLst>
               <a:ext uri="{FF2B5EF4-FFF2-40B4-BE49-F238E27FC236}">
-                <a16:creationId xmlns:a16="http://schemas.microsoft.com/office/drawing/2014/main" id="{37AE2B02-798B-C230-05EC-66F42FF25035}"/>
+                <a16:creationId xmlns:a16="http://schemas.microsoft.com/office/drawing/2014/main" id="{042DD58C-D329-262E-BEA2-2B261F896302}"/>
               </a:ext>
             </a:extLst>
           </p:cNvPr>
@@ -1032,7 +1015,7 @@
           <p:cNvPr id="3" name="Text Placeholder 2">
             <a:extLst>
               <a:ext uri="{FF2B5EF4-FFF2-40B4-BE49-F238E27FC236}">
-                <a16:creationId xmlns:a16="http://schemas.microsoft.com/office/drawing/2014/main" id="{838E648F-46A7-2686-9DE1-A5E947D97AD2}"/>
+                <a16:creationId xmlns:a16="http://schemas.microsoft.com/office/drawing/2014/main" id="{78F77A84-F10A-A92B-4C90-C43C83596D41}"/>
               </a:ext>
             </a:extLst>
           </p:cNvPr>
@@ -1157,7 +1140,7 @@
           <p:cNvPr id="4" name="Date Placeholder 3">
             <a:extLst>
               <a:ext uri="{FF2B5EF4-FFF2-40B4-BE49-F238E27FC236}">
-                <a16:creationId xmlns:a16="http://schemas.microsoft.com/office/drawing/2014/main" id="{9A8D4B7D-D999-FBFF-C104-EE8D7266D308}"/>
+                <a16:creationId xmlns:a16="http://schemas.microsoft.com/office/drawing/2014/main" id="{C8638327-3A66-9EEA-0B63-121AF96D844D}"/>
               </a:ext>
             </a:extLst>
           </p:cNvPr>
@@ -1173,9 +1156,9 @@
           <a:bodyPr/>
           <a:lstStyle/>
           <a:p>
-            <a:fld id="{26DCA6CF-1849-49E0-9345-5E741217A6D4}" type="datetimeFigureOut">
+            <a:fld id="{A0705695-CADE-4E5E-A674-B9F8BAB0325C}" type="datetimeFigureOut">
               <a:rPr lang="en-GB" smtClean="0"/>
-              <a:t>16/10/2025</a:t>
+              <a:t>28/10/2025</a:t>
             </a:fld>
             <a:endParaRPr lang="en-GB"/>
           </a:p>
@@ -1186,7 +1169,7 @@
           <p:cNvPr id="5" name="Footer Placeholder 4">
             <a:extLst>
               <a:ext uri="{FF2B5EF4-FFF2-40B4-BE49-F238E27FC236}">
-                <a16:creationId xmlns:a16="http://schemas.microsoft.com/office/drawing/2014/main" id="{2EEB33CA-12C0-D697-62DB-3362C224F847}"/>
+                <a16:creationId xmlns:a16="http://schemas.microsoft.com/office/drawing/2014/main" id="{81FAC77F-503B-3AF9-6D9D-3416543AADD0}"/>
               </a:ext>
             </a:extLst>
           </p:cNvPr>
@@ -1211,7 +1194,7 @@
           <p:cNvPr id="6" name="Slide Number Placeholder 5">
             <a:extLst>
               <a:ext uri="{FF2B5EF4-FFF2-40B4-BE49-F238E27FC236}">
-                <a16:creationId xmlns:a16="http://schemas.microsoft.com/office/drawing/2014/main" id="{8E5E516C-1548-A55A-2AF3-411D8A226B3F}"/>
+                <a16:creationId xmlns:a16="http://schemas.microsoft.com/office/drawing/2014/main" id="{4404DC9E-9329-51A0-249F-C2041E7EFB48}"/>
               </a:ext>
             </a:extLst>
           </p:cNvPr>
@@ -1227,7 +1210,7 @@
           <a:bodyPr/>
           <a:lstStyle/>
           <a:p>
-            <a:fld id="{A8BDB917-27A3-40A5-AE26-C8D8E30743BF}" type="slidenum">
+            <a:fld id="{9581FC5F-46B8-4672-9804-EBACE72A84EC}" type="slidenum">
               <a:rPr lang="en-GB" smtClean="0"/>
               <a:t>‹#›</a:t>
             </a:fld>
@@ -1238,7 +1221,7 @@
     </p:spTree>
     <p:extLst>
       <p:ext uri="{BB962C8B-B14F-4D97-AF65-F5344CB8AC3E}">
-        <p14:creationId xmlns:p14="http://schemas.microsoft.com/office/powerpoint/2010/main" val="2204083624"/>
+        <p14:creationId xmlns:p14="http://schemas.microsoft.com/office/powerpoint/2010/main" val="1885603356"/>
       </p:ext>
     </p:extLst>
   </p:cSld>
@@ -1270,7 +1253,7 @@
           <p:cNvPr id="2" name="Title 1">
             <a:extLst>
               <a:ext uri="{FF2B5EF4-FFF2-40B4-BE49-F238E27FC236}">
-                <a16:creationId xmlns:a16="http://schemas.microsoft.com/office/drawing/2014/main" id="{F01CF68B-61D6-D480-F28A-A8AB4D407007}"/>
+                <a16:creationId xmlns:a16="http://schemas.microsoft.com/office/drawing/2014/main" id="{58DBB588-2600-551E-4C3C-E8B80F1F1153}"/>
               </a:ext>
             </a:extLst>
           </p:cNvPr>
@@ -1299,7 +1282,7 @@
           <p:cNvPr id="3" name="Content Placeholder 2">
             <a:extLst>
               <a:ext uri="{FF2B5EF4-FFF2-40B4-BE49-F238E27FC236}">
-                <a16:creationId xmlns:a16="http://schemas.microsoft.com/office/drawing/2014/main" id="{F9972125-AA0E-924E-22E7-D11E70E837A7}"/>
+                <a16:creationId xmlns:a16="http://schemas.microsoft.com/office/drawing/2014/main" id="{E1796612-A77C-0B23-B368-07177EE34911}"/>
               </a:ext>
             </a:extLst>
           </p:cNvPr>
@@ -1362,7 +1345,7 @@
           <p:cNvPr id="4" name="Content Placeholder 3">
             <a:extLst>
               <a:ext uri="{FF2B5EF4-FFF2-40B4-BE49-F238E27FC236}">
-                <a16:creationId xmlns:a16="http://schemas.microsoft.com/office/drawing/2014/main" id="{8F2149C7-A363-6BD4-7AA0-25C2D78F70CB}"/>
+                <a16:creationId xmlns:a16="http://schemas.microsoft.com/office/drawing/2014/main" id="{D9154441-FA2D-563E-A43E-F7F384DFBDA0}"/>
               </a:ext>
             </a:extLst>
           </p:cNvPr>
@@ -1425,7 +1408,7 @@
           <p:cNvPr id="5" name="Date Placeholder 4">
             <a:extLst>
               <a:ext uri="{FF2B5EF4-FFF2-40B4-BE49-F238E27FC236}">
-                <a16:creationId xmlns:a16="http://schemas.microsoft.com/office/drawing/2014/main" id="{6F37C5B3-DB04-1DFF-8EFD-7F33DB10AF85}"/>
+                <a16:creationId xmlns:a16="http://schemas.microsoft.com/office/drawing/2014/main" id="{1B1357F7-1E22-DC85-4F77-9DAF98678CBB}"/>
               </a:ext>
             </a:extLst>
           </p:cNvPr>
@@ -1441,9 +1424,9 @@
           <a:bodyPr/>
           <a:lstStyle/>
           <a:p>
-            <a:fld id="{26DCA6CF-1849-49E0-9345-5E741217A6D4}" type="datetimeFigureOut">
+            <a:fld id="{A0705695-CADE-4E5E-A674-B9F8BAB0325C}" type="datetimeFigureOut">
               <a:rPr lang="en-GB" smtClean="0"/>
-              <a:t>16/10/2025</a:t>
+              <a:t>28/10/2025</a:t>
             </a:fld>
             <a:endParaRPr lang="en-GB"/>
           </a:p>
@@ -1454,7 +1437,7 @@
           <p:cNvPr id="6" name="Footer Placeholder 5">
             <a:extLst>
               <a:ext uri="{FF2B5EF4-FFF2-40B4-BE49-F238E27FC236}">
-                <a16:creationId xmlns:a16="http://schemas.microsoft.com/office/drawing/2014/main" id="{75E55AF9-7476-7C57-B549-B2F6539A165F}"/>
+                <a16:creationId xmlns:a16="http://schemas.microsoft.com/office/drawing/2014/main" id="{0519E0DB-23BB-F569-4125-D4A528932F4A}"/>
               </a:ext>
             </a:extLst>
           </p:cNvPr>
@@ -1479,7 +1462,7 @@
           <p:cNvPr id="7" name="Slide Number Placeholder 6">
             <a:extLst>
               <a:ext uri="{FF2B5EF4-FFF2-40B4-BE49-F238E27FC236}">
-                <a16:creationId xmlns:a16="http://schemas.microsoft.com/office/drawing/2014/main" id="{BD957C9D-E6A3-C709-DE49-37DCC30DF8BE}"/>
+                <a16:creationId xmlns:a16="http://schemas.microsoft.com/office/drawing/2014/main" id="{271BB9FC-218A-1687-676C-A07F02A1CA9B}"/>
               </a:ext>
             </a:extLst>
           </p:cNvPr>
@@ -1495,7 +1478,7 @@
           <a:bodyPr/>
           <a:lstStyle/>
           <a:p>
-            <a:fld id="{A8BDB917-27A3-40A5-AE26-C8D8E30743BF}" type="slidenum">
+            <a:fld id="{9581FC5F-46B8-4672-9804-EBACE72A84EC}" type="slidenum">
               <a:rPr lang="en-GB" smtClean="0"/>
               <a:t>‹#›</a:t>
             </a:fld>
@@ -1506,7 +1489,7 @@
     </p:spTree>
     <p:extLst>
       <p:ext uri="{BB962C8B-B14F-4D97-AF65-F5344CB8AC3E}">
-        <p14:creationId xmlns:p14="http://schemas.microsoft.com/office/powerpoint/2010/main" val="166631223"/>
+        <p14:creationId xmlns:p14="http://schemas.microsoft.com/office/powerpoint/2010/main" val="2217736449"/>
       </p:ext>
     </p:extLst>
   </p:cSld>
@@ -1538,7 +1521,7 @@
           <p:cNvPr id="2" name="Title 1">
             <a:extLst>
               <a:ext uri="{FF2B5EF4-FFF2-40B4-BE49-F238E27FC236}">
-                <a16:creationId xmlns:a16="http://schemas.microsoft.com/office/drawing/2014/main" id="{88187CD4-9168-BB8E-B6D8-7232CBCB2B62}"/>
+                <a16:creationId xmlns:a16="http://schemas.microsoft.com/office/drawing/2014/main" id="{D334828E-D997-5D1D-7E3D-CDDC73DB4FD7}"/>
               </a:ext>
             </a:extLst>
           </p:cNvPr>
@@ -1572,7 +1555,7 @@
           <p:cNvPr id="3" name="Text Placeholder 2">
             <a:extLst>
               <a:ext uri="{FF2B5EF4-FFF2-40B4-BE49-F238E27FC236}">
-                <a16:creationId xmlns:a16="http://schemas.microsoft.com/office/drawing/2014/main" id="{D7B02785-E0C5-38E0-ACD3-65C45B6D2335}"/>
+                <a16:creationId xmlns:a16="http://schemas.microsoft.com/office/drawing/2014/main" id="{08197BB4-ED60-0DA4-E1FA-E4678A0CB0FC}"/>
               </a:ext>
             </a:extLst>
           </p:cNvPr>
@@ -1643,7 +1626,7 @@
           <p:cNvPr id="4" name="Content Placeholder 3">
             <a:extLst>
               <a:ext uri="{FF2B5EF4-FFF2-40B4-BE49-F238E27FC236}">
-                <a16:creationId xmlns:a16="http://schemas.microsoft.com/office/drawing/2014/main" id="{6E117E0C-A320-8A78-8389-800C41806D0A}"/>
+                <a16:creationId xmlns:a16="http://schemas.microsoft.com/office/drawing/2014/main" id="{3903ACE5-1AA3-3A73-4EA8-DFD7FCDD63E7}"/>
               </a:ext>
             </a:extLst>
           </p:cNvPr>
@@ -1706,7 +1689,7 @@
           <p:cNvPr id="5" name="Text Placeholder 4">
             <a:extLst>
               <a:ext uri="{FF2B5EF4-FFF2-40B4-BE49-F238E27FC236}">
-                <a16:creationId xmlns:a16="http://schemas.microsoft.com/office/drawing/2014/main" id="{A36FC7B4-63FE-5996-4C2E-E62F0F3B606F}"/>
+                <a16:creationId xmlns:a16="http://schemas.microsoft.com/office/drawing/2014/main" id="{CDB04D38-1A7C-68DB-95B5-DE85197556CC}"/>
               </a:ext>
             </a:extLst>
           </p:cNvPr>
@@ -1777,7 +1760,7 @@
           <p:cNvPr id="6" name="Content Placeholder 5">
             <a:extLst>
               <a:ext uri="{FF2B5EF4-FFF2-40B4-BE49-F238E27FC236}">
-                <a16:creationId xmlns:a16="http://schemas.microsoft.com/office/drawing/2014/main" id="{6ACC990B-1410-1C9B-6017-407B2EB00148}"/>
+                <a16:creationId xmlns:a16="http://schemas.microsoft.com/office/drawing/2014/main" id="{6AF814A6-9B94-7F18-82EE-660AC96FE440}"/>
               </a:ext>
             </a:extLst>
           </p:cNvPr>
@@ -1840,7 +1823,7 @@
           <p:cNvPr id="7" name="Date Placeholder 6">
             <a:extLst>
               <a:ext uri="{FF2B5EF4-FFF2-40B4-BE49-F238E27FC236}">
-                <a16:creationId xmlns:a16="http://schemas.microsoft.com/office/drawing/2014/main" id="{9C6A8AC4-75BA-A0CC-5713-0BD42BB8E584}"/>
+                <a16:creationId xmlns:a16="http://schemas.microsoft.com/office/drawing/2014/main" id="{F9B2859A-4A2B-354F-7E04-04763DE1999A}"/>
               </a:ext>
             </a:extLst>
           </p:cNvPr>
@@ -1856,9 +1839,9 @@
           <a:bodyPr/>
           <a:lstStyle/>
           <a:p>
-            <a:fld id="{26DCA6CF-1849-49E0-9345-5E741217A6D4}" type="datetimeFigureOut">
+            <a:fld id="{A0705695-CADE-4E5E-A674-B9F8BAB0325C}" type="datetimeFigureOut">
               <a:rPr lang="en-GB" smtClean="0"/>
-              <a:t>16/10/2025</a:t>
+              <a:t>28/10/2025</a:t>
             </a:fld>
             <a:endParaRPr lang="en-GB"/>
           </a:p>
@@ -1869,7 +1852,7 @@
           <p:cNvPr id="8" name="Footer Placeholder 7">
             <a:extLst>
               <a:ext uri="{FF2B5EF4-FFF2-40B4-BE49-F238E27FC236}">
-                <a16:creationId xmlns:a16="http://schemas.microsoft.com/office/drawing/2014/main" id="{6588E30F-1254-8815-3E3A-3F327758D583}"/>
+                <a16:creationId xmlns:a16="http://schemas.microsoft.com/office/drawing/2014/main" id="{89B9C066-2E2C-8EC2-FFE1-5384B2DBD7C8}"/>
               </a:ext>
             </a:extLst>
           </p:cNvPr>
@@ -1894,7 +1877,7 @@
           <p:cNvPr id="9" name="Slide Number Placeholder 8">
             <a:extLst>
               <a:ext uri="{FF2B5EF4-FFF2-40B4-BE49-F238E27FC236}">
-                <a16:creationId xmlns:a16="http://schemas.microsoft.com/office/drawing/2014/main" id="{C1AD0287-0CF4-173D-BE28-B8A65C1AFE45}"/>
+                <a16:creationId xmlns:a16="http://schemas.microsoft.com/office/drawing/2014/main" id="{25BFF92E-36E0-2D3F-677D-475355D9B5FC}"/>
               </a:ext>
             </a:extLst>
           </p:cNvPr>
@@ -1910,7 +1893,7 @@
           <a:bodyPr/>
           <a:lstStyle/>
           <a:p>
-            <a:fld id="{A8BDB917-27A3-40A5-AE26-C8D8E30743BF}" type="slidenum">
+            <a:fld id="{9581FC5F-46B8-4672-9804-EBACE72A84EC}" type="slidenum">
               <a:rPr lang="en-GB" smtClean="0"/>
               <a:t>‹#›</a:t>
             </a:fld>
@@ -1921,7 +1904,7 @@
     </p:spTree>
     <p:extLst>
       <p:ext uri="{BB962C8B-B14F-4D97-AF65-F5344CB8AC3E}">
-        <p14:creationId xmlns:p14="http://schemas.microsoft.com/office/powerpoint/2010/main" val="3628090130"/>
+        <p14:creationId xmlns:p14="http://schemas.microsoft.com/office/powerpoint/2010/main" val="1745612602"/>
       </p:ext>
     </p:extLst>
   </p:cSld>
@@ -1953,7 +1936,7 @@
           <p:cNvPr id="2" name="Title 1">
             <a:extLst>
               <a:ext uri="{FF2B5EF4-FFF2-40B4-BE49-F238E27FC236}">
-                <a16:creationId xmlns:a16="http://schemas.microsoft.com/office/drawing/2014/main" id="{5794829C-91DC-8969-E494-D36235AC1B52}"/>
+                <a16:creationId xmlns:a16="http://schemas.microsoft.com/office/drawing/2014/main" id="{6B3AB03D-1647-E84A-C00B-E05DBD26C8BB}"/>
               </a:ext>
             </a:extLst>
           </p:cNvPr>
@@ -1982,7 +1965,7 @@
           <p:cNvPr id="3" name="Date Placeholder 2">
             <a:extLst>
               <a:ext uri="{FF2B5EF4-FFF2-40B4-BE49-F238E27FC236}">
-                <a16:creationId xmlns:a16="http://schemas.microsoft.com/office/drawing/2014/main" id="{D23D8036-6854-09D0-0AFF-D2CC2EE69329}"/>
+                <a16:creationId xmlns:a16="http://schemas.microsoft.com/office/drawing/2014/main" id="{16206C52-C05F-2509-249F-D5F0B5B097DB}"/>
               </a:ext>
             </a:extLst>
           </p:cNvPr>
@@ -1998,9 +1981,9 @@
           <a:bodyPr/>
           <a:lstStyle/>
           <a:p>
-            <a:fld id="{26DCA6CF-1849-49E0-9345-5E741217A6D4}" type="datetimeFigureOut">
+            <a:fld id="{A0705695-CADE-4E5E-A674-B9F8BAB0325C}" type="datetimeFigureOut">
               <a:rPr lang="en-GB" smtClean="0"/>
-              <a:t>16/10/2025</a:t>
+              <a:t>28/10/2025</a:t>
             </a:fld>
             <a:endParaRPr lang="en-GB"/>
           </a:p>
@@ -2011,7 +1994,7 @@
           <p:cNvPr id="4" name="Footer Placeholder 3">
             <a:extLst>
               <a:ext uri="{FF2B5EF4-FFF2-40B4-BE49-F238E27FC236}">
-                <a16:creationId xmlns:a16="http://schemas.microsoft.com/office/drawing/2014/main" id="{7DBF2497-4C25-243F-6B46-709ED130325D}"/>
+                <a16:creationId xmlns:a16="http://schemas.microsoft.com/office/drawing/2014/main" id="{16B05264-D5CE-2DC3-CC37-86AC4B5B6E69}"/>
               </a:ext>
             </a:extLst>
           </p:cNvPr>
@@ -2036,7 +2019,7 @@
           <p:cNvPr id="5" name="Slide Number Placeholder 4">
             <a:extLst>
               <a:ext uri="{FF2B5EF4-FFF2-40B4-BE49-F238E27FC236}">
-                <a16:creationId xmlns:a16="http://schemas.microsoft.com/office/drawing/2014/main" id="{403443A8-3A15-523A-2C48-CE474D129D73}"/>
+                <a16:creationId xmlns:a16="http://schemas.microsoft.com/office/drawing/2014/main" id="{20A1464D-3CF7-92C6-BDC8-0EDDBFF37D8E}"/>
               </a:ext>
             </a:extLst>
           </p:cNvPr>
@@ -2052,7 +2035,7 @@
           <a:bodyPr/>
           <a:lstStyle/>
           <a:p>
-            <a:fld id="{A8BDB917-27A3-40A5-AE26-C8D8E30743BF}" type="slidenum">
+            <a:fld id="{9581FC5F-46B8-4672-9804-EBACE72A84EC}" type="slidenum">
               <a:rPr lang="en-GB" smtClean="0"/>
               <a:t>‹#›</a:t>
             </a:fld>
@@ -2063,7 +2046,7 @@
     </p:spTree>
     <p:extLst>
       <p:ext uri="{BB962C8B-B14F-4D97-AF65-F5344CB8AC3E}">
-        <p14:creationId xmlns:p14="http://schemas.microsoft.com/office/powerpoint/2010/main" val="3316122699"/>
+        <p14:creationId xmlns:p14="http://schemas.microsoft.com/office/powerpoint/2010/main" val="1929931520"/>
       </p:ext>
     </p:extLst>
   </p:cSld>
@@ -2095,7 +2078,7 @@
           <p:cNvPr id="2" name="Date Placeholder 1">
             <a:extLst>
               <a:ext uri="{FF2B5EF4-FFF2-40B4-BE49-F238E27FC236}">
-                <a16:creationId xmlns:a16="http://schemas.microsoft.com/office/drawing/2014/main" id="{D9D387E4-9F67-1762-1E83-8EBF9C985A36}"/>
+                <a16:creationId xmlns:a16="http://schemas.microsoft.com/office/drawing/2014/main" id="{3C6A0A35-5A1F-8608-A6C4-7B813F15EC04}"/>
               </a:ext>
             </a:extLst>
           </p:cNvPr>
@@ -2111,9 +2094,9 @@
           <a:bodyPr/>
           <a:lstStyle/>
           <a:p>
-            <a:fld id="{26DCA6CF-1849-49E0-9345-5E741217A6D4}" type="datetimeFigureOut">
+            <a:fld id="{A0705695-CADE-4E5E-A674-B9F8BAB0325C}" type="datetimeFigureOut">
               <a:rPr lang="en-GB" smtClean="0"/>
-              <a:t>16/10/2025</a:t>
+              <a:t>28/10/2025</a:t>
             </a:fld>
             <a:endParaRPr lang="en-GB"/>
           </a:p>
@@ -2124,7 +2107,7 @@
           <p:cNvPr id="3" name="Footer Placeholder 2">
             <a:extLst>
               <a:ext uri="{FF2B5EF4-FFF2-40B4-BE49-F238E27FC236}">
-                <a16:creationId xmlns:a16="http://schemas.microsoft.com/office/drawing/2014/main" id="{FD4852A6-2C23-CF5C-CDEF-01B75FD5DFF2}"/>
+                <a16:creationId xmlns:a16="http://schemas.microsoft.com/office/drawing/2014/main" id="{8CD4E6F1-720F-C92D-4D30-84302FAFDC66}"/>
               </a:ext>
             </a:extLst>
           </p:cNvPr>
@@ -2149,7 +2132,7 @@
           <p:cNvPr id="4" name="Slide Number Placeholder 3">
             <a:extLst>
               <a:ext uri="{FF2B5EF4-FFF2-40B4-BE49-F238E27FC236}">
-                <a16:creationId xmlns:a16="http://schemas.microsoft.com/office/drawing/2014/main" id="{744A8FBF-AC8C-A41D-C1F8-F816CA398DAF}"/>
+                <a16:creationId xmlns:a16="http://schemas.microsoft.com/office/drawing/2014/main" id="{4DF43D59-B310-1600-10AB-199B4139532C}"/>
               </a:ext>
             </a:extLst>
           </p:cNvPr>
@@ -2165,7 +2148,7 @@
           <a:bodyPr/>
           <a:lstStyle/>
           <a:p>
-            <a:fld id="{A8BDB917-27A3-40A5-AE26-C8D8E30743BF}" type="slidenum">
+            <a:fld id="{9581FC5F-46B8-4672-9804-EBACE72A84EC}" type="slidenum">
               <a:rPr lang="en-GB" smtClean="0"/>
               <a:t>‹#›</a:t>
             </a:fld>
@@ -2176,7 +2159,7 @@
     </p:spTree>
     <p:extLst>
       <p:ext uri="{BB962C8B-B14F-4D97-AF65-F5344CB8AC3E}">
-        <p14:creationId xmlns:p14="http://schemas.microsoft.com/office/powerpoint/2010/main" val="1670832167"/>
+        <p14:creationId xmlns:p14="http://schemas.microsoft.com/office/powerpoint/2010/main" val="2240979243"/>
       </p:ext>
     </p:extLst>
   </p:cSld>
@@ -2208,7 +2191,7 @@
           <p:cNvPr id="2" name="Title 1">
             <a:extLst>
               <a:ext uri="{FF2B5EF4-FFF2-40B4-BE49-F238E27FC236}">
-                <a16:creationId xmlns:a16="http://schemas.microsoft.com/office/drawing/2014/main" id="{3FA4AF02-580D-DFD7-3ACB-CB59CB40C45C}"/>
+                <a16:creationId xmlns:a16="http://schemas.microsoft.com/office/drawing/2014/main" id="{4A22DD5C-80FB-A0B7-4A3D-078F93CF9187}"/>
               </a:ext>
             </a:extLst>
           </p:cNvPr>
@@ -2246,7 +2229,7 @@
           <p:cNvPr id="3" name="Content Placeholder 2">
             <a:extLst>
               <a:ext uri="{FF2B5EF4-FFF2-40B4-BE49-F238E27FC236}">
-                <a16:creationId xmlns:a16="http://schemas.microsoft.com/office/drawing/2014/main" id="{19E6654A-977B-2244-078B-F051E76A4164}"/>
+                <a16:creationId xmlns:a16="http://schemas.microsoft.com/office/drawing/2014/main" id="{70CADE40-F670-48A4-7E09-B5BF052E406E}"/>
               </a:ext>
             </a:extLst>
           </p:cNvPr>
@@ -2337,7 +2320,7 @@
           <p:cNvPr id="4" name="Text Placeholder 3">
             <a:extLst>
               <a:ext uri="{FF2B5EF4-FFF2-40B4-BE49-F238E27FC236}">
-                <a16:creationId xmlns:a16="http://schemas.microsoft.com/office/drawing/2014/main" id="{2419E28F-8E74-EC3C-4790-9BDD44236D8D}"/>
+                <a16:creationId xmlns:a16="http://schemas.microsoft.com/office/drawing/2014/main" id="{C1644E22-4348-AC8E-48C1-286C56E17306}"/>
               </a:ext>
             </a:extLst>
           </p:cNvPr>
@@ -2408,7 +2391,7 @@
           <p:cNvPr id="5" name="Date Placeholder 4">
             <a:extLst>
               <a:ext uri="{FF2B5EF4-FFF2-40B4-BE49-F238E27FC236}">
-                <a16:creationId xmlns:a16="http://schemas.microsoft.com/office/drawing/2014/main" id="{7AFB37BF-B514-0BBE-2673-9674181DBB07}"/>
+                <a16:creationId xmlns:a16="http://schemas.microsoft.com/office/drawing/2014/main" id="{87954C9D-840B-AB4D-3731-AF4D924C2F08}"/>
               </a:ext>
             </a:extLst>
           </p:cNvPr>
@@ -2424,9 +2407,9 @@
           <a:bodyPr/>
           <a:lstStyle/>
           <a:p>
-            <a:fld id="{26DCA6CF-1849-49E0-9345-5E741217A6D4}" type="datetimeFigureOut">
+            <a:fld id="{A0705695-CADE-4E5E-A674-B9F8BAB0325C}" type="datetimeFigureOut">
               <a:rPr lang="en-GB" smtClean="0"/>
-              <a:t>16/10/2025</a:t>
+              <a:t>28/10/2025</a:t>
             </a:fld>
             <a:endParaRPr lang="en-GB"/>
           </a:p>
@@ -2437,7 +2420,7 @@
           <p:cNvPr id="6" name="Footer Placeholder 5">
             <a:extLst>
               <a:ext uri="{FF2B5EF4-FFF2-40B4-BE49-F238E27FC236}">
-                <a16:creationId xmlns:a16="http://schemas.microsoft.com/office/drawing/2014/main" id="{E6FA46EC-737D-BAC6-DBE4-E3A2664F0163}"/>
+                <a16:creationId xmlns:a16="http://schemas.microsoft.com/office/drawing/2014/main" id="{0D090874-EEEE-215C-3651-D9EBCE9315AA}"/>
               </a:ext>
             </a:extLst>
           </p:cNvPr>
@@ -2462,7 +2445,7 @@
           <p:cNvPr id="7" name="Slide Number Placeholder 6">
             <a:extLst>
               <a:ext uri="{FF2B5EF4-FFF2-40B4-BE49-F238E27FC236}">
-                <a16:creationId xmlns:a16="http://schemas.microsoft.com/office/drawing/2014/main" id="{E9A57628-F1AF-1D19-37D3-A6C9F03BE68F}"/>
+                <a16:creationId xmlns:a16="http://schemas.microsoft.com/office/drawing/2014/main" id="{7A6792F5-EF62-1179-59FA-9D77BDF7422B}"/>
               </a:ext>
             </a:extLst>
           </p:cNvPr>
@@ -2478,7 +2461,7 @@
           <a:bodyPr/>
           <a:lstStyle/>
           <a:p>
-            <a:fld id="{A8BDB917-27A3-40A5-AE26-C8D8E30743BF}" type="slidenum">
+            <a:fld id="{9581FC5F-46B8-4672-9804-EBACE72A84EC}" type="slidenum">
               <a:rPr lang="en-GB" smtClean="0"/>
               <a:t>‹#›</a:t>
             </a:fld>
@@ -2489,7 +2472,7 @@
     </p:spTree>
     <p:extLst>
       <p:ext uri="{BB962C8B-B14F-4D97-AF65-F5344CB8AC3E}">
-        <p14:creationId xmlns:p14="http://schemas.microsoft.com/office/powerpoint/2010/main" val="3532228978"/>
+        <p14:creationId xmlns:p14="http://schemas.microsoft.com/office/powerpoint/2010/main" val="3890959004"/>
       </p:ext>
     </p:extLst>
   </p:cSld>
@@ -2521,7 +2504,7 @@
           <p:cNvPr id="2" name="Title 1">
             <a:extLst>
               <a:ext uri="{FF2B5EF4-FFF2-40B4-BE49-F238E27FC236}">
-                <a16:creationId xmlns:a16="http://schemas.microsoft.com/office/drawing/2014/main" id="{5269A077-7A22-7FF0-CC56-791F554F3FD4}"/>
+                <a16:creationId xmlns:a16="http://schemas.microsoft.com/office/drawing/2014/main" id="{42A5A84D-7F95-6252-203A-906FEFED6025}"/>
               </a:ext>
             </a:extLst>
           </p:cNvPr>
@@ -2559,7 +2542,7 @@
           <p:cNvPr id="3" name="Picture Placeholder 2">
             <a:extLst>
               <a:ext uri="{FF2B5EF4-FFF2-40B4-BE49-F238E27FC236}">
-                <a16:creationId xmlns:a16="http://schemas.microsoft.com/office/drawing/2014/main" id="{9CA8777B-D85D-A917-AAF8-BFA09B22D4DE}"/>
+                <a16:creationId xmlns:a16="http://schemas.microsoft.com/office/drawing/2014/main" id="{8457A5B9-DB17-C2F5-2DB6-2C4C455F9935}"/>
               </a:ext>
             </a:extLst>
           </p:cNvPr>
@@ -2626,7 +2609,7 @@
           <p:cNvPr id="4" name="Text Placeholder 3">
             <a:extLst>
               <a:ext uri="{FF2B5EF4-FFF2-40B4-BE49-F238E27FC236}">
-                <a16:creationId xmlns:a16="http://schemas.microsoft.com/office/drawing/2014/main" id="{410B215B-6398-BAF1-7CCC-36327D1A794C}"/>
+                <a16:creationId xmlns:a16="http://schemas.microsoft.com/office/drawing/2014/main" id="{74438E29-D661-245C-B2B1-0984095651C7}"/>
               </a:ext>
             </a:extLst>
           </p:cNvPr>
@@ -2697,7 +2680,7 @@
           <p:cNvPr id="5" name="Date Placeholder 4">
             <a:extLst>
               <a:ext uri="{FF2B5EF4-FFF2-40B4-BE49-F238E27FC236}">
-                <a16:creationId xmlns:a16="http://schemas.microsoft.com/office/drawing/2014/main" id="{9E5742C1-91AE-0ACE-BD78-4F6B3F232D18}"/>
+                <a16:creationId xmlns:a16="http://schemas.microsoft.com/office/drawing/2014/main" id="{C6F2F23C-0BEE-99AD-D04A-977548D22347}"/>
               </a:ext>
             </a:extLst>
           </p:cNvPr>
@@ -2713,9 +2696,9 @@
           <a:bodyPr/>
           <a:lstStyle/>
           <a:p>
-            <a:fld id="{26DCA6CF-1849-49E0-9345-5E741217A6D4}" type="datetimeFigureOut">
+            <a:fld id="{A0705695-CADE-4E5E-A674-B9F8BAB0325C}" type="datetimeFigureOut">
               <a:rPr lang="en-GB" smtClean="0"/>
-              <a:t>16/10/2025</a:t>
+              <a:t>28/10/2025</a:t>
             </a:fld>
             <a:endParaRPr lang="en-GB"/>
           </a:p>
@@ -2726,7 +2709,7 @@
           <p:cNvPr id="6" name="Footer Placeholder 5">
             <a:extLst>
               <a:ext uri="{FF2B5EF4-FFF2-40B4-BE49-F238E27FC236}">
-                <a16:creationId xmlns:a16="http://schemas.microsoft.com/office/drawing/2014/main" id="{2E6146F6-44A6-6DA1-B490-B2EACB4604D2}"/>
+                <a16:creationId xmlns:a16="http://schemas.microsoft.com/office/drawing/2014/main" id="{FA88AE51-259C-40D5-A94F-4A122B313241}"/>
               </a:ext>
             </a:extLst>
           </p:cNvPr>
@@ -2751,7 +2734,7 @@
           <p:cNvPr id="7" name="Slide Number Placeholder 6">
             <a:extLst>
               <a:ext uri="{FF2B5EF4-FFF2-40B4-BE49-F238E27FC236}">
-                <a16:creationId xmlns:a16="http://schemas.microsoft.com/office/drawing/2014/main" id="{768736D9-43EA-4530-88D8-0D31B2499AE4}"/>
+                <a16:creationId xmlns:a16="http://schemas.microsoft.com/office/drawing/2014/main" id="{8F72A0C9-D3C0-09EF-D492-ED172410DF1B}"/>
               </a:ext>
             </a:extLst>
           </p:cNvPr>
@@ -2767,7 +2750,7 @@
           <a:bodyPr/>
           <a:lstStyle/>
           <a:p>
-            <a:fld id="{A8BDB917-27A3-40A5-AE26-C8D8E30743BF}" type="slidenum">
+            <a:fld id="{9581FC5F-46B8-4672-9804-EBACE72A84EC}" type="slidenum">
               <a:rPr lang="en-GB" smtClean="0"/>
               <a:t>‹#›</a:t>
             </a:fld>
@@ -2778,7 +2761,7 @@
     </p:spTree>
     <p:extLst>
       <p:ext uri="{BB962C8B-B14F-4D97-AF65-F5344CB8AC3E}">
-        <p14:creationId xmlns:p14="http://schemas.microsoft.com/office/powerpoint/2010/main" val="2671997691"/>
+        <p14:creationId xmlns:p14="http://schemas.microsoft.com/office/powerpoint/2010/main" val="2774996883"/>
       </p:ext>
     </p:extLst>
   </p:cSld>
@@ -2815,7 +2798,7 @@
           <p:cNvPr id="2" name="Title Placeholder 1">
             <a:extLst>
               <a:ext uri="{FF2B5EF4-FFF2-40B4-BE49-F238E27FC236}">
-                <a16:creationId xmlns:a16="http://schemas.microsoft.com/office/drawing/2014/main" id="{8CEB6E58-AB71-4E86-4C05-B80CABF2D5C8}"/>
+                <a16:creationId xmlns:a16="http://schemas.microsoft.com/office/drawing/2014/main" id="{A64D4A43-91C0-5EA6-0CC1-5DC5F58C11B2}"/>
               </a:ext>
             </a:extLst>
           </p:cNvPr>
@@ -2854,7 +2837,7 @@
           <p:cNvPr id="3" name="Text Placeholder 2">
             <a:extLst>
               <a:ext uri="{FF2B5EF4-FFF2-40B4-BE49-F238E27FC236}">
-                <a16:creationId xmlns:a16="http://schemas.microsoft.com/office/drawing/2014/main" id="{8D8F3308-EF44-2605-2D1A-2CA40135EC63}"/>
+                <a16:creationId xmlns:a16="http://schemas.microsoft.com/office/drawing/2014/main" id="{4470497B-237C-0FCB-3921-5883868FEE73}"/>
               </a:ext>
             </a:extLst>
           </p:cNvPr>
@@ -2922,7 +2905,7 @@
           <p:cNvPr id="4" name="Date Placeholder 3">
             <a:extLst>
               <a:ext uri="{FF2B5EF4-FFF2-40B4-BE49-F238E27FC236}">
-                <a16:creationId xmlns:a16="http://schemas.microsoft.com/office/drawing/2014/main" id="{9228AA2C-02F9-2748-7183-7AEC45E352EC}"/>
+                <a16:creationId xmlns:a16="http://schemas.microsoft.com/office/drawing/2014/main" id="{208BC032-B885-5964-B470-5A71E59204B0}"/>
               </a:ext>
             </a:extLst>
           </p:cNvPr>
@@ -2956,9 +2939,9 @@
             </a:lvl1pPr>
           </a:lstStyle>
           <a:p>
-            <a:fld id="{26DCA6CF-1849-49E0-9345-5E741217A6D4}" type="datetimeFigureOut">
+            <a:fld id="{A0705695-CADE-4E5E-A674-B9F8BAB0325C}" type="datetimeFigureOut">
               <a:rPr lang="en-GB" smtClean="0"/>
-              <a:t>16/10/2025</a:t>
+              <a:t>28/10/2025</a:t>
             </a:fld>
             <a:endParaRPr lang="en-GB"/>
           </a:p>
@@ -2969,7 +2952,7 @@
           <p:cNvPr id="5" name="Footer Placeholder 4">
             <a:extLst>
               <a:ext uri="{FF2B5EF4-FFF2-40B4-BE49-F238E27FC236}">
-                <a16:creationId xmlns:a16="http://schemas.microsoft.com/office/drawing/2014/main" id="{328B35B5-18A0-785E-48F2-5D08A58332F3}"/>
+                <a16:creationId xmlns:a16="http://schemas.microsoft.com/office/drawing/2014/main" id="{33F7B1B4-CC31-02AC-4A47-EBB8BD64F762}"/>
               </a:ext>
             </a:extLst>
           </p:cNvPr>
@@ -3012,7 +2995,7 @@
           <p:cNvPr id="6" name="Slide Number Placeholder 5">
             <a:extLst>
               <a:ext uri="{FF2B5EF4-FFF2-40B4-BE49-F238E27FC236}">
-                <a16:creationId xmlns:a16="http://schemas.microsoft.com/office/drawing/2014/main" id="{CC963CC6-8228-74BF-2C0A-9AEC3A10FEF6}"/>
+                <a16:creationId xmlns:a16="http://schemas.microsoft.com/office/drawing/2014/main" id="{B6C73C75-9213-8780-6AAB-3E136DC92EE7}"/>
               </a:ext>
             </a:extLst>
           </p:cNvPr>
@@ -3046,7 +3029,7 @@
             </a:lvl1pPr>
           </a:lstStyle>
           <a:p>
-            <a:fld id="{A8BDB917-27A3-40A5-AE26-C8D8E30743BF}" type="slidenum">
+            <a:fld id="{9581FC5F-46B8-4672-9804-EBACE72A84EC}" type="slidenum">
               <a:rPr lang="en-GB" smtClean="0"/>
               <a:t>‹#›</a:t>
             </a:fld>
@@ -3057,7 +3040,7 @@
     </p:spTree>
     <p:extLst>
       <p:ext uri="{BB962C8B-B14F-4D97-AF65-F5344CB8AC3E}">
-        <p14:creationId xmlns:p14="http://schemas.microsoft.com/office/powerpoint/2010/main" val="1895199011"/>
+        <p14:creationId xmlns:p14="http://schemas.microsoft.com/office/powerpoint/2010/main" val="457889929"/>
       </p:ext>
     </p:extLst>
   </p:cSld>
@@ -3425,6 +3408,10 @@
           <a:bodyPr/>
           <a:lstStyle/>
           <a:p>
+            <a:r>
+              <a:rPr lang="en-IN"/>
+              <a:t>Atul Kahate</a:t>
+            </a:r>
             <a:endParaRPr lang="en-GB"/>
           </a:p>
         </p:txBody>
@@ -3432,7 +3419,7 @@
     </p:spTree>
     <p:extLst>
       <p:ext uri="{BB962C8B-B14F-4D97-AF65-F5344CB8AC3E}">
-        <p14:creationId xmlns:p14="http://schemas.microsoft.com/office/powerpoint/2010/main" val="2233271465"/>
+        <p14:creationId xmlns:p14="http://schemas.microsoft.com/office/powerpoint/2010/main" val="2295496779"/>
       </p:ext>
     </p:extLst>
   </p:cSld>
@@ -4285,7 +4272,7 @@
     </p:spTree>
     <p:extLst>
       <p:ext uri="{BB962C8B-B14F-4D97-AF65-F5344CB8AC3E}">
-        <p14:creationId xmlns:p14="http://schemas.microsoft.com/office/powerpoint/2010/main" val="2215460010"/>
+        <p14:creationId xmlns:p14="http://schemas.microsoft.com/office/powerpoint/2010/main" val="91614413"/>
       </p:ext>
     </p:extLst>
   </p:cSld>
@@ -4554,7 +4541,7 @@
     </p:spTree>
     <p:extLst>
       <p:ext uri="{BB962C8B-B14F-4D97-AF65-F5344CB8AC3E}">
-        <p14:creationId xmlns:p14="http://schemas.microsoft.com/office/powerpoint/2010/main" val="80362819"/>
+        <p14:creationId xmlns:p14="http://schemas.microsoft.com/office/powerpoint/2010/main" val="2558514699"/>
       </p:ext>
     </p:extLst>
   </p:cSld>
@@ -4978,7 +4965,7 @@
     </p:spTree>
     <p:extLst>
       <p:ext uri="{BB962C8B-B14F-4D97-AF65-F5344CB8AC3E}">
-        <p14:creationId xmlns:p14="http://schemas.microsoft.com/office/powerpoint/2010/main" val="3135668957"/>
+        <p14:creationId xmlns:p14="http://schemas.microsoft.com/office/powerpoint/2010/main" val="1915877836"/>
       </p:ext>
     </p:extLst>
   </p:cSld>
@@ -5146,144 +5133,96 @@
           <a:p>
             <a:r>
               <a:rPr lang="en-GB" dirty="0"/>
-              <a:t>Create a directory:</a:t>
-            </a:r>
-          </a:p>
-          <a:p>
-            <a:pPr lvl="1"/>
+              <a:t>C:\code\agenticai&gt;</a:t>
+            </a:r>
+            <a:r>
+              <a:rPr lang="en-GB" b="1" dirty="0"/>
+              <a:t>mkdir 6_mcp</a:t>
+            </a:r>
+          </a:p>
+          <a:p>
             <a:r>
               <a:rPr lang="en-GB" dirty="0"/>
-              <a:t>C:\code\agenticai&gt;mkdir 6_mcp</a:t>
-            </a:r>
-          </a:p>
-          <a:p>
-            <a:pPr lvl="1"/>
+              <a:t>C:\code\agenticai&gt;</a:t>
+            </a:r>
+            <a:r>
+              <a:rPr lang="en-GB" b="1" dirty="0"/>
+              <a:t>cd 6_mcp</a:t>
+            </a:r>
+          </a:p>
+          <a:p>
             <a:r>
               <a:rPr lang="en-GB" dirty="0"/>
-              <a:t>C:\code\agenticai&gt;cd 6_mcp</a:t>
-            </a:r>
-          </a:p>
-          <a:p>
-            <a:pPr lvl="1"/>
+              <a:t>C:\code\agenticai\6_mcp&gt;</a:t>
+            </a:r>
+            <a:r>
+              <a:rPr lang="en-GB" b="1" dirty="0"/>
+              <a:t>pip install </a:t>
+            </a:r>
+            <a:r>
+              <a:rPr lang="en-GB" b="1" dirty="0" err="1"/>
+              <a:t>mcp</a:t>
+            </a:r>
+            <a:endParaRPr lang="en-GB" b="1" dirty="0"/>
+          </a:p>
+          <a:p>
             <a:r>
               <a:rPr lang="en-GB" dirty="0"/>
-              <a:t>C:\code\agenticai\6_mcp&gt;mkdir </a:t>
+              <a:t>Now create weather.py (MCP Server)</a:t>
+            </a:r>
+          </a:p>
+          <a:p>
+            <a:r>
+              <a:rPr lang="en-GB" dirty="0"/>
+              <a:t>Test using inspector tool: </a:t>
+            </a:r>
+            <a:r>
+              <a:rPr lang="en-GB" b="1" dirty="0" err="1"/>
+              <a:t>mcp</a:t>
+            </a:r>
+            <a:r>
+              <a:rPr lang="en-GB" b="1" dirty="0"/>
+              <a:t> dev 6_1_weather_mcp_server.py</a:t>
+            </a:r>
+            <a:r>
+              <a:rPr lang="en-GB" dirty="0"/>
+              <a:t> and test in browser</a:t>
+            </a:r>
+          </a:p>
+          <a:p>
+            <a:r>
+              <a:rPr lang="en-GB" dirty="0"/>
+              <a:t>Install weather MCP server: </a:t>
+            </a:r>
+            <a:r>
+              <a:rPr lang="en-GB" b="1" dirty="0" err="1"/>
+              <a:t>mcp</a:t>
+            </a:r>
+            <a:r>
+              <a:rPr lang="en-GB" b="1" dirty="0"/>
+              <a:t>  install 6_1_weather_mcp_server.py</a:t>
+            </a:r>
+          </a:p>
+          <a:p>
+            <a:r>
+              <a:rPr lang="en-GB" dirty="0"/>
+              <a:t>Test weather </a:t>
             </a:r>
             <a:r>
               <a:rPr lang="en-GB" dirty="0" err="1"/>
-              <a:t>helloworld</a:t>
-            </a:r>
-            <a:endParaRPr lang="en-GB" dirty="0"/>
-          </a:p>
-          <a:p>
-            <a:pPr lvl="1"/>
+              <a:t>mcp</a:t>
+            </a:r>
             <a:r>
               <a:rPr lang="en-GB" dirty="0"/>
-              <a:t>C:\code\agenticai6_mcp&gt;cd </a:t>
-            </a:r>
-            <a:r>
-              <a:rPr lang="en-GB" dirty="0" err="1"/>
-              <a:t>helloworld</a:t>
-            </a:r>
-            <a:endParaRPr lang="en-GB" dirty="0"/>
-          </a:p>
-          <a:p>
-            <a:pPr lvl="1"/>
-            <a:r>
-              <a:rPr lang="en-GB" dirty="0"/>
-              <a:t>C:\code\agenticai6_mcp\helloworld&gt;uv </a:t>
-            </a:r>
-            <a:r>
-              <a:rPr lang="en-GB" dirty="0" err="1"/>
-              <a:t>init</a:t>
-            </a:r>
-            <a:r>
-              <a:rPr lang="en-GB" dirty="0"/>
-              <a:t>         … Initialize a </a:t>
-            </a:r>
-            <a:r>
-              <a:rPr lang="en-GB" dirty="0" err="1"/>
-              <a:t>uv</a:t>
-            </a:r>
-            <a:r>
-              <a:rPr lang="en-GB" dirty="0"/>
-              <a:t> project</a:t>
-            </a:r>
-          </a:p>
-          <a:p>
-            <a:pPr lvl="1"/>
-            <a:r>
-              <a:rPr lang="en-GB" dirty="0"/>
-              <a:t>C:\code\agenticai6_mcp\helloworld&gt;uv </a:t>
-            </a:r>
-            <a:r>
-              <a:rPr lang="en-GB" dirty="0" err="1"/>
-              <a:t>venv</a:t>
-            </a:r>
-            <a:r>
-              <a:rPr lang="en-GB" dirty="0"/>
-              <a:t>      … Create virtual environment</a:t>
-            </a:r>
-          </a:p>
-          <a:p>
-            <a:pPr lvl="1"/>
-            <a:r>
-              <a:rPr lang="en-US" dirty="0"/>
-              <a:t>C:\code\agenticai\6_mcp\helloworld&gt; .\.</a:t>
-            </a:r>
-            <a:r>
-              <a:rPr lang="en-US" dirty="0" err="1"/>
-              <a:t>venv</a:t>
-            </a:r>
-            <a:r>
-              <a:rPr lang="en-US" dirty="0"/>
-              <a:t>\Scripts\activate    … Activate environment</a:t>
-            </a:r>
-          </a:p>
-          <a:p>
-            <a:pPr lvl="1"/>
-            <a:r>
-              <a:rPr lang="en-US" dirty="0"/>
-              <a:t>(</a:t>
-            </a:r>
-            <a:r>
-              <a:rPr lang="en-US" dirty="0" err="1"/>
-              <a:t>helloworld</a:t>
-            </a:r>
-            <a:r>
-              <a:rPr lang="en-US" dirty="0"/>
-              <a:t>) PS C:\code\agenticai\6_mcp\helloworld&gt;uv add </a:t>
-            </a:r>
-            <a:r>
-              <a:rPr lang="en-US" dirty="0" err="1"/>
-              <a:t>mcp</a:t>
-            </a:r>
-            <a:r>
-              <a:rPr lang="en-US" dirty="0"/>
-              <a:t>[cli]   … Install MCP CLI</a:t>
-            </a:r>
-          </a:p>
-          <a:p>
-            <a:pPr lvl="1"/>
-            <a:endParaRPr lang="en-GB" dirty="0"/>
-          </a:p>
-          <a:p>
-            <a:pPr lvl="1"/>
-            <a:endParaRPr lang="en-GB" dirty="0"/>
-          </a:p>
-          <a:p>
-            <a:pPr lvl="1"/>
-            <a:endParaRPr lang="en-GB" dirty="0"/>
-          </a:p>
-          <a:p>
-            <a:endParaRPr lang="en-GB" dirty="0"/>
+              <a:t> server using an MCP client: 6_1_weather_mcp_client.py</a:t>
+            </a:r>
           </a:p>
         </p:txBody>
       </p:sp>
     </p:spTree>
     <p:extLst>
       <p:ext uri="{BB962C8B-B14F-4D97-AF65-F5344CB8AC3E}">
-        <p14:creationId xmlns:p14="http://schemas.microsoft.com/office/powerpoint/2010/main" val="3287463327"/>
+        <p14:creationId xmlns:p14="http://schemas.microsoft.com/office/powerpoint/2010/main" val="490119017"/>
       </p:ext>
     </p:extLst>
   </p:cSld>
@@ -5315,7 +5254,7 @@
           <p:cNvPr id="2" name="Title 1">
             <a:extLst>
               <a:ext uri="{FF2B5EF4-FFF2-40B4-BE49-F238E27FC236}">
-                <a16:creationId xmlns:a16="http://schemas.microsoft.com/office/drawing/2014/main" id="{FA41F45C-6EAF-551D-E73D-B9C911FFDE87}"/>
+                <a16:creationId xmlns:a16="http://schemas.microsoft.com/office/drawing/2014/main" id="{F1DC9548-6CCF-ABA9-0BEE-C49F03FC64B6}"/>
               </a:ext>
             </a:extLst>
           </p:cNvPr>
@@ -5333,7 +5272,7 @@
           <a:p>
             <a:r>
               <a:rPr lang="en-IN" dirty="0"/>
-              <a:t>Code</a:t>
+              <a:t>Calling the Airbnb MCP Server</a:t>
             </a:r>
             <a:endParaRPr lang="en-GB" dirty="0"/>
           </a:p>
@@ -5344,7 +5283,7 @@
           <p:cNvPr id="3" name="Content Placeholder 2">
             <a:extLst>
               <a:ext uri="{FF2B5EF4-FFF2-40B4-BE49-F238E27FC236}">
-                <a16:creationId xmlns:a16="http://schemas.microsoft.com/office/drawing/2014/main" id="{27C2D617-FC6F-9650-AFFD-2A68523D0A88}"/>
+                <a16:creationId xmlns:a16="http://schemas.microsoft.com/office/drawing/2014/main" id="{7421281B-482A-EBF4-B58B-E6D46F7CC0DD}"/>
               </a:ext>
             </a:extLst>
           </p:cNvPr>
@@ -5358,110 +5297,204 @@
         <p:spPr/>
         <p:txBody>
           <a:bodyPr>
-            <a:normAutofit lnSpcReduction="10000"/>
+            <a:normAutofit fontScale="92500" lnSpcReduction="10000"/>
           </a:bodyPr>
           <a:lstStyle/>
           <a:p>
             <a:r>
               <a:rPr lang="en-IN" dirty="0"/>
-              <a:t>Create an MCP server: weather.py in the </a:t>
+              <a:t>Go to </a:t>
+            </a:r>
+            <a:r>
+              <a:rPr lang="en-IN" dirty="0">
+                <a:hlinkClick r:id="rId2"/>
+              </a:rPr>
+              <a:t>https://github.com/openbnb-org/mcp-server-airbnb</a:t>
+            </a:r>
+            <a:endParaRPr lang="en-IN" dirty="0"/>
+          </a:p>
+          <a:p>
+            <a:r>
+              <a:rPr lang="en-IN" dirty="0"/>
+              <a:t>Look at </a:t>
             </a:r>
             <a:r>
               <a:rPr lang="en-IN" dirty="0" err="1"/>
-              <a:t>helloworld</a:t>
-            </a:r>
+              <a:t>mcp.json</a:t>
+            </a:r>
+            <a:endParaRPr lang="en-IN" dirty="0"/>
+          </a:p>
+          <a:p>
             <a:r>
               <a:rPr lang="en-IN" dirty="0"/>
-              <a:t> </a:t>
+              <a:t>We need to add the following to the MCP client to install Airbnb MCP server locally, if it does not already exist locally:</a:t>
+            </a:r>
+          </a:p>
+          <a:p>
+            <a:r>
+              <a:rPr lang="en-GB" sz="1800" dirty="0" err="1">
+                <a:latin typeface="Cascadia Code" panose="020B0609020000020004" pitchFamily="49" charset="0"/>
+                <a:cs typeface="Cascadia Code" panose="020B0609020000020004" pitchFamily="49" charset="0"/>
+              </a:rPr>
+              <a:t>server_params</a:t>
+            </a:r>
+            <a:r>
+              <a:rPr lang="en-GB" sz="1800" dirty="0">
+                <a:latin typeface="Cascadia Code" panose="020B0609020000020004" pitchFamily="49" charset="0"/>
+                <a:cs typeface="Cascadia Code" panose="020B0609020000020004" pitchFamily="49" charset="0"/>
+              </a:rPr>
+              <a:t> = </a:t>
+            </a:r>
+            <a:r>
+              <a:rPr lang="en-GB" sz="1800" dirty="0" err="1">
+                <a:latin typeface="Cascadia Code" panose="020B0609020000020004" pitchFamily="49" charset="0"/>
+                <a:cs typeface="Cascadia Code" panose="020B0609020000020004" pitchFamily="49" charset="0"/>
+              </a:rPr>
+              <a:t>StdioServerParameters</a:t>
+            </a:r>
+            <a:r>
+              <a:rPr lang="en-GB" sz="1800" dirty="0">
+                <a:latin typeface="Cascadia Code" panose="020B0609020000020004" pitchFamily="49" charset="0"/>
+                <a:cs typeface="Cascadia Code" panose="020B0609020000020004" pitchFamily="49" charset="0"/>
+              </a:rPr>
+              <a:t>(</a:t>
+            </a:r>
+          </a:p>
+          <a:p>
+            <a:r>
+              <a:rPr lang="en-GB" sz="1800" dirty="0">
+                <a:latin typeface="Cascadia Code" panose="020B0609020000020004" pitchFamily="49" charset="0"/>
+                <a:cs typeface="Cascadia Code" panose="020B0609020000020004" pitchFamily="49" charset="0"/>
+              </a:rPr>
+              <a:t>    command="</a:t>
+            </a:r>
+            <a:r>
+              <a:rPr lang="en-GB" sz="1800" dirty="0" err="1">
+                <a:latin typeface="Cascadia Code" panose="020B0609020000020004" pitchFamily="49" charset="0"/>
+                <a:cs typeface="Cascadia Code" panose="020B0609020000020004" pitchFamily="49" charset="0"/>
+              </a:rPr>
+              <a:t>npx</a:t>
+            </a:r>
+            <a:r>
+              <a:rPr lang="en-GB" sz="1800" dirty="0">
+                <a:latin typeface="Cascadia Code" panose="020B0609020000020004" pitchFamily="49" charset="0"/>
+                <a:cs typeface="Cascadia Code" panose="020B0609020000020004" pitchFamily="49" charset="0"/>
+              </a:rPr>
+              <a:t>",</a:t>
+            </a:r>
+          </a:p>
+          <a:p>
+            <a:r>
+              <a:rPr lang="en-GB" sz="1800" dirty="0">
+                <a:latin typeface="Cascadia Code" panose="020B0609020000020004" pitchFamily="49" charset="0"/>
+                <a:cs typeface="Cascadia Code" panose="020B0609020000020004" pitchFamily="49" charset="0"/>
+              </a:rPr>
+              <a:t>    </a:t>
+            </a:r>
+            <a:r>
+              <a:rPr lang="en-GB" sz="1800" dirty="0" err="1">
+                <a:latin typeface="Cascadia Code" panose="020B0609020000020004" pitchFamily="49" charset="0"/>
+                <a:cs typeface="Cascadia Code" panose="020B0609020000020004" pitchFamily="49" charset="0"/>
+              </a:rPr>
+              <a:t>args</a:t>
+            </a:r>
+            <a:r>
+              <a:rPr lang="en-GB" sz="1800" dirty="0">
+                <a:latin typeface="Cascadia Code" panose="020B0609020000020004" pitchFamily="49" charset="0"/>
+                <a:cs typeface="Cascadia Code" panose="020B0609020000020004" pitchFamily="49" charset="0"/>
+              </a:rPr>
+              <a:t>=["-y", "@</a:t>
+            </a:r>
+            <a:r>
+              <a:rPr lang="en-GB" sz="1800" dirty="0" err="1">
+                <a:latin typeface="Cascadia Code" panose="020B0609020000020004" pitchFamily="49" charset="0"/>
+                <a:cs typeface="Cascadia Code" panose="020B0609020000020004" pitchFamily="49" charset="0"/>
+              </a:rPr>
+              <a:t>openbnb</a:t>
+            </a:r>
+            <a:r>
+              <a:rPr lang="en-GB" sz="1800" dirty="0">
+                <a:latin typeface="Cascadia Code" panose="020B0609020000020004" pitchFamily="49" charset="0"/>
+                <a:cs typeface="Cascadia Code" panose="020B0609020000020004" pitchFamily="49" charset="0"/>
+              </a:rPr>
+              <a:t>/</a:t>
+            </a:r>
+            <a:r>
+              <a:rPr lang="en-GB" sz="1800" dirty="0" err="1">
+                <a:latin typeface="Cascadia Code" panose="020B0609020000020004" pitchFamily="49" charset="0"/>
+                <a:cs typeface="Cascadia Code" panose="020B0609020000020004" pitchFamily="49" charset="0"/>
+              </a:rPr>
+              <a:t>mcp</a:t>
+            </a:r>
+            <a:r>
+              <a:rPr lang="en-GB" sz="1800" dirty="0">
+                <a:latin typeface="Cascadia Code" panose="020B0609020000020004" pitchFamily="49" charset="0"/>
+                <a:cs typeface="Cascadia Code" panose="020B0609020000020004" pitchFamily="49" charset="0"/>
+              </a:rPr>
+              <a:t>-server-</a:t>
+            </a:r>
+            <a:r>
+              <a:rPr lang="en-GB" sz="1800" dirty="0" err="1">
+                <a:latin typeface="Cascadia Code" panose="020B0609020000020004" pitchFamily="49" charset="0"/>
+                <a:cs typeface="Cascadia Code" panose="020B0609020000020004" pitchFamily="49" charset="0"/>
+              </a:rPr>
+              <a:t>airbnb</a:t>
+            </a:r>
+            <a:r>
+              <a:rPr lang="en-GB" sz="1800" dirty="0">
+                <a:latin typeface="Cascadia Code" panose="020B0609020000020004" pitchFamily="49" charset="0"/>
+                <a:cs typeface="Cascadia Code" panose="020B0609020000020004" pitchFamily="49" charset="0"/>
+              </a:rPr>
+              <a:t>", "--ignore-robots-txt"],</a:t>
+            </a:r>
+          </a:p>
+          <a:p>
+            <a:r>
+              <a:rPr lang="en-GB" sz="1800" dirty="0">
+                <a:latin typeface="Cascadia Code" panose="020B0609020000020004" pitchFamily="49" charset="0"/>
+                <a:cs typeface="Cascadia Code" panose="020B0609020000020004" pitchFamily="49" charset="0"/>
+              </a:rPr>
+              <a:t>)</a:t>
+            </a:r>
+          </a:p>
+          <a:p>
+            <a:r>
+              <a:rPr lang="en-IN" dirty="0"/>
+              <a:t>Also, tool supported are </a:t>
             </a:r>
             <a:r>
               <a:rPr lang="en-IN" dirty="0" err="1"/>
-              <a:t>diretcory</a:t>
+              <a:t>airbnb_search</a:t>
+            </a:r>
+            <a:r>
+              <a:rPr lang="en-IN" dirty="0"/>
+              <a:t> or </a:t>
+            </a:r>
+            <a:r>
+              <a:rPr lang="en-IN" dirty="0" err="1"/>
+              <a:t>airbnb_listing_details</a:t>
             </a:r>
             <a:endParaRPr lang="en-IN" dirty="0"/>
           </a:p>
           <a:p>
             <a:r>
               <a:rPr lang="en-IN" dirty="0"/>
-              <a:t>What will happen if we try to run it? </a:t>
-            </a:r>
-            <a:r>
-              <a:rPr lang="en-IN" b="1" dirty="0" err="1"/>
-              <a:t>uv</a:t>
-            </a:r>
-            <a:r>
-              <a:rPr lang="en-IN" b="1" dirty="0"/>
-              <a:t> run weather.py*</a:t>
+              <a:t>Run: 6_2_airbnb_mcp_client.py</a:t>
             </a:r>
           </a:p>
           <a:p>
             <a:r>
               <a:rPr lang="en-IN" dirty="0"/>
-              <a:t>Nothing, since no client has called it</a:t>
-            </a:r>
-          </a:p>
-          <a:p>
+              <a:t>This would install </a:t>
+            </a:r>
+            <a:r>
+              <a:rPr lang="en-IN" dirty="0" err="1"/>
+              <a:t>AirBnB</a:t>
+            </a:r>
             <a:r>
               <a:rPr lang="en-IN" dirty="0"/>
-              <a:t>Try </a:t>
-            </a:r>
-            <a:r>
-              <a:rPr lang="en-IN" b="1" dirty="0" err="1"/>
-              <a:t>mcp</a:t>
-            </a:r>
-            <a:r>
-              <a:rPr lang="en-IN" b="1" dirty="0"/>
-              <a:t>  dev  weather.py</a:t>
-            </a:r>
-            <a:r>
-              <a:rPr lang="en-IN" dirty="0"/>
-              <a:t> (CLI tool to run MCP server in dev mode)</a:t>
-            </a:r>
-          </a:p>
-          <a:p>
-            <a:r>
-              <a:rPr lang="en-IN" dirty="0"/>
-              <a:t>It should give a browser link/open a browser</a:t>
-            </a:r>
-          </a:p>
-          <a:p>
-            <a:r>
-              <a:rPr lang="en-IN" dirty="0"/>
-              <a:t>Click Connect – It will connect to our weather MCP server</a:t>
-            </a:r>
-          </a:p>
-          <a:p>
-            <a:r>
-              <a:rPr lang="en-IN" dirty="0"/>
-              <a:t>Click Tools -&gt; List Tools – It should show us the </a:t>
-            </a:r>
-            <a:r>
-              <a:rPr lang="en-IN" dirty="0" err="1"/>
-              <a:t>get_weather</a:t>
-            </a:r>
-            <a:r>
-              <a:rPr lang="en-IN" dirty="0"/>
-              <a:t> tool</a:t>
-            </a:r>
-          </a:p>
-          <a:p>
-            <a:r>
-              <a:rPr lang="en-IN" dirty="0"/>
-              <a:t>Click on </a:t>
-            </a:r>
-            <a:r>
-              <a:rPr lang="en-IN" dirty="0" err="1"/>
-              <a:t>get_weather</a:t>
-            </a:r>
-            <a:r>
-              <a:rPr lang="en-IN" dirty="0"/>
-              <a:t> -&gt; Location: Some city name -&gt; Run – We should see Success and the hardcoded reply</a:t>
-            </a:r>
-          </a:p>
-          <a:p>
-            <a:endParaRPr lang="en-IN" dirty="0"/>
-          </a:p>
-          <a:p>
+              <a:t> MCP server and call it through our client</a:t>
+            </a:r>
             <a:endParaRPr lang="en-GB" dirty="0"/>
           </a:p>
         </p:txBody>
@@ -5469,7 +5502,7 @@
     </p:spTree>
     <p:extLst>
       <p:ext uri="{BB962C8B-B14F-4D97-AF65-F5344CB8AC3E}">
-        <p14:creationId xmlns:p14="http://schemas.microsoft.com/office/powerpoint/2010/main" val="2941724503"/>
+        <p14:creationId xmlns:p14="http://schemas.microsoft.com/office/powerpoint/2010/main" val="1560567775"/>
       </p:ext>
     </p:extLst>
   </p:cSld>
@@ -5501,7 +5534,7 @@
           <p:cNvPr id="2" name="Title 1">
             <a:extLst>
               <a:ext uri="{FF2B5EF4-FFF2-40B4-BE49-F238E27FC236}">
-                <a16:creationId xmlns:a16="http://schemas.microsoft.com/office/drawing/2014/main" id="{618A8E1E-5B1D-8934-C405-80AEFC3FB4AA}"/>
+                <a16:creationId xmlns:a16="http://schemas.microsoft.com/office/drawing/2014/main" id="{EA201F4D-C77A-942C-3960-6E3DE9FF5A1E}"/>
               </a:ext>
             </a:extLst>
           </p:cNvPr>
@@ -5519,7 +5552,7 @@
           <a:p>
             <a:r>
               <a:rPr lang="en-IN" dirty="0"/>
-              <a:t>MCP Server Code - weather.py</a:t>
+              <a:t>Crypto Server and Client</a:t>
             </a:r>
             <a:endParaRPr lang="en-GB" dirty="0"/>
           </a:p>
@@ -5530,7 +5563,7 @@
           <p:cNvPr id="3" name="Content Placeholder 2">
             <a:extLst>
               <a:ext uri="{FF2B5EF4-FFF2-40B4-BE49-F238E27FC236}">
-                <a16:creationId xmlns:a16="http://schemas.microsoft.com/office/drawing/2014/main" id="{0BCD3A11-ADE0-5540-22E7-3790E58B606D}"/>
+                <a16:creationId xmlns:a16="http://schemas.microsoft.com/office/drawing/2014/main" id="{72C0A516-B949-2CB1-607C-46171B0FE8DF}"/>
               </a:ext>
             </a:extLst>
           </p:cNvPr>
@@ -5544,253 +5577,99 @@
         <p:spPr/>
         <p:txBody>
           <a:bodyPr>
-            <a:normAutofit fontScale="40000" lnSpcReduction="20000"/>
+            <a:normAutofit fontScale="92500" lnSpcReduction="20000"/>
           </a:bodyPr>
           <a:lstStyle/>
           <a:p>
             <a:r>
-              <a:rPr lang="en-US" dirty="0">
-                <a:latin typeface="Cascadia Code" panose="020B0609020000020004" pitchFamily="49" charset="0"/>
-                <a:cs typeface="Cascadia Code" panose="020B0609020000020004" pitchFamily="49" charset="0"/>
+              <a:rPr lang="en-IN" dirty="0"/>
+              <a:t>Open a browser and type </a:t>
+            </a:r>
+            <a:r>
+              <a:rPr lang="en-IN" dirty="0">
+                <a:hlinkClick r:id="rId2"/>
               </a:rPr>
-              <a:t>from </a:t>
-            </a:r>
-            <a:r>
-              <a:rPr lang="en-US" dirty="0" err="1">
-                <a:latin typeface="Cascadia Code" panose="020B0609020000020004" pitchFamily="49" charset="0"/>
-                <a:cs typeface="Cascadia Code" panose="020B0609020000020004" pitchFamily="49" charset="0"/>
-              </a:rPr>
-              <a:t>mcp.server.fastmcp</a:t>
-            </a:r>
-            <a:r>
-              <a:rPr lang="en-US" dirty="0">
-                <a:latin typeface="Cascadia Code" panose="020B0609020000020004" pitchFamily="49" charset="0"/>
-                <a:cs typeface="Cascadia Code" panose="020B0609020000020004" pitchFamily="49" charset="0"/>
-              </a:rPr>
-              <a:t> import </a:t>
-            </a:r>
-            <a:r>
-              <a:rPr lang="en-US" dirty="0" err="1">
-                <a:latin typeface="Cascadia Code" panose="020B0609020000020004" pitchFamily="49" charset="0"/>
-                <a:cs typeface="Cascadia Code" panose="020B0609020000020004" pitchFamily="49" charset="0"/>
-              </a:rPr>
-              <a:t>FastMCP</a:t>
-            </a:r>
-            <a:endParaRPr lang="en-US" dirty="0">
-              <a:latin typeface="Cascadia Code" panose="020B0609020000020004" pitchFamily="49" charset="0"/>
-              <a:cs typeface="Cascadia Code" panose="020B0609020000020004" pitchFamily="49" charset="0"/>
-            </a:endParaRPr>
-          </a:p>
-          <a:p>
-            <a:br>
-              <a:rPr lang="en-US" dirty="0">
-                <a:latin typeface="Cascadia Code" panose="020B0609020000020004" pitchFamily="49" charset="0"/>
-                <a:cs typeface="Cascadia Code" panose="020B0609020000020004" pitchFamily="49" charset="0"/>
-              </a:rPr>
-            </a:br>
-            <a:endParaRPr lang="en-US" dirty="0">
-              <a:latin typeface="Cascadia Code" panose="020B0609020000020004" pitchFamily="49" charset="0"/>
-              <a:cs typeface="Cascadia Code" panose="020B0609020000020004" pitchFamily="49" charset="0"/>
-            </a:endParaRPr>
-          </a:p>
-          <a:p>
-            <a:r>
-              <a:rPr lang="en-US" dirty="0" err="1">
-                <a:latin typeface="Cascadia Code" panose="020B0609020000020004" pitchFamily="49" charset="0"/>
-                <a:cs typeface="Cascadia Code" panose="020B0609020000020004" pitchFamily="49" charset="0"/>
-              </a:rPr>
+              <a:t>https://api.coingecko.com/api/v3/simple/price?ids=bitcoin&amp;vs_currencies=inr</a:t>
+            </a:r>
+            <a:endParaRPr lang="en-IN" dirty="0"/>
+          </a:p>
+          <a:p>
+            <a:pPr lvl="1"/>
+            <a:r>
+              <a:rPr lang="en-IN" dirty="0"/>
+              <a:t>It should give the bitcoin price in INR</a:t>
+            </a:r>
+          </a:p>
+          <a:p>
+            <a:r>
+              <a:rPr lang="en-IN" dirty="0"/>
+              <a:t>We will call this API from our MCP server</a:t>
+            </a:r>
+          </a:p>
+          <a:p>
+            <a:r>
+              <a:rPr lang="en-GB" dirty="0"/>
+              <a:t>PS C:\code\agenticai\6_mcp&gt; </a:t>
+            </a:r>
+            <a:r>
+              <a:rPr lang="en-GB" b="1" dirty="0" err="1"/>
               <a:t>mcp</a:t>
             </a:r>
             <a:r>
-              <a:rPr lang="en-US" dirty="0">
-                <a:latin typeface="Cascadia Code" panose="020B0609020000020004" pitchFamily="49" charset="0"/>
-                <a:cs typeface="Cascadia Code" panose="020B0609020000020004" pitchFamily="49" charset="0"/>
-              </a:rPr>
-              <a:t> = </a:t>
-            </a:r>
-            <a:r>
-              <a:rPr lang="en-US" dirty="0" err="1">
-                <a:latin typeface="Cascadia Code" panose="020B0609020000020004" pitchFamily="49" charset="0"/>
-                <a:cs typeface="Cascadia Code" panose="020B0609020000020004" pitchFamily="49" charset="0"/>
-              </a:rPr>
-              <a:t>FastMCP</a:t>
-            </a:r>
-            <a:r>
-              <a:rPr lang="en-US" dirty="0">
-                <a:latin typeface="Cascadia Code" panose="020B0609020000020004" pitchFamily="49" charset="0"/>
-                <a:cs typeface="Cascadia Code" panose="020B0609020000020004" pitchFamily="49" charset="0"/>
-              </a:rPr>
-              <a:t>("Weather")</a:t>
-            </a:r>
-          </a:p>
-          <a:p>
-            <a:br>
-              <a:rPr lang="en-US" dirty="0">
-                <a:latin typeface="Cascadia Code" panose="020B0609020000020004" pitchFamily="49" charset="0"/>
-                <a:cs typeface="Cascadia Code" panose="020B0609020000020004" pitchFamily="49" charset="0"/>
-              </a:rPr>
-            </a:br>
-            <a:endParaRPr lang="en-US" dirty="0">
-              <a:latin typeface="Cascadia Code" panose="020B0609020000020004" pitchFamily="49" charset="0"/>
-              <a:cs typeface="Cascadia Code" panose="020B0609020000020004" pitchFamily="49" charset="0"/>
-            </a:endParaRPr>
-          </a:p>
-          <a:p>
-            <a:r>
-              <a:rPr lang="en-US" dirty="0">
-                <a:latin typeface="Cascadia Code" panose="020B0609020000020004" pitchFamily="49" charset="0"/>
-                <a:cs typeface="Cascadia Code" panose="020B0609020000020004" pitchFamily="49" charset="0"/>
-              </a:rPr>
-              <a:t>@mcp.tool()</a:t>
-            </a:r>
-          </a:p>
-          <a:p>
-            <a:r>
-              <a:rPr lang="en-US" dirty="0">
-                <a:latin typeface="Cascadia Code" panose="020B0609020000020004" pitchFamily="49" charset="0"/>
-                <a:cs typeface="Cascadia Code" panose="020B0609020000020004" pitchFamily="49" charset="0"/>
-              </a:rPr>
-              <a:t>def </a:t>
-            </a:r>
-            <a:r>
-              <a:rPr lang="en-US" dirty="0" err="1">
-                <a:latin typeface="Cascadia Code" panose="020B0609020000020004" pitchFamily="49" charset="0"/>
-                <a:cs typeface="Cascadia Code" panose="020B0609020000020004" pitchFamily="49" charset="0"/>
-              </a:rPr>
-              <a:t>get_weather</a:t>
-            </a:r>
-            <a:r>
-              <a:rPr lang="en-US" dirty="0">
-                <a:latin typeface="Cascadia Code" panose="020B0609020000020004" pitchFamily="49" charset="0"/>
-                <a:cs typeface="Cascadia Code" panose="020B0609020000020004" pitchFamily="49" charset="0"/>
-              </a:rPr>
-              <a:t>(location: str) -&gt; str:</a:t>
-            </a:r>
-          </a:p>
-          <a:p>
-            <a:r>
-              <a:rPr lang="en-US" dirty="0">
-                <a:latin typeface="Cascadia Code" panose="020B0609020000020004" pitchFamily="49" charset="0"/>
-                <a:cs typeface="Cascadia Code" panose="020B0609020000020004" pitchFamily="49" charset="0"/>
-              </a:rPr>
-              <a:t>    """</a:t>
-            </a:r>
-          </a:p>
-          <a:p>
-            <a:r>
-              <a:rPr lang="en-US" dirty="0">
-                <a:latin typeface="Cascadia Code" panose="020B0609020000020004" pitchFamily="49" charset="0"/>
-                <a:cs typeface="Cascadia Code" panose="020B0609020000020004" pitchFamily="49" charset="0"/>
-              </a:rPr>
-              <a:t>    Gets the weather given a location</a:t>
-            </a:r>
-          </a:p>
-          <a:p>
-            <a:r>
-              <a:rPr lang="en-US" dirty="0">
-                <a:latin typeface="Cascadia Code" panose="020B0609020000020004" pitchFamily="49" charset="0"/>
-                <a:cs typeface="Cascadia Code" panose="020B0609020000020004" pitchFamily="49" charset="0"/>
-              </a:rPr>
-              <a:t>    </a:t>
-            </a:r>
-            <a:r>
-              <a:rPr lang="en-US" dirty="0" err="1">
-                <a:latin typeface="Cascadia Code" panose="020B0609020000020004" pitchFamily="49" charset="0"/>
-                <a:cs typeface="Cascadia Code" panose="020B0609020000020004" pitchFamily="49" charset="0"/>
-              </a:rPr>
-              <a:t>Args</a:t>
-            </a:r>
-            <a:r>
-              <a:rPr lang="en-US" dirty="0">
-                <a:latin typeface="Cascadia Code" panose="020B0609020000020004" pitchFamily="49" charset="0"/>
-                <a:cs typeface="Cascadia Code" panose="020B0609020000020004" pitchFamily="49" charset="0"/>
-              </a:rPr>
-              <a:t>:</a:t>
-            </a:r>
-          </a:p>
-          <a:p>
-            <a:r>
-              <a:rPr lang="en-US" dirty="0">
-                <a:latin typeface="Cascadia Code" panose="020B0609020000020004" pitchFamily="49" charset="0"/>
-                <a:cs typeface="Cascadia Code" panose="020B0609020000020004" pitchFamily="49" charset="0"/>
-              </a:rPr>
-              <a:t>        location: location, can be city, country, state, etc.</a:t>
-            </a:r>
-          </a:p>
-          <a:p>
-            <a:r>
-              <a:rPr lang="en-US" dirty="0">
-                <a:latin typeface="Cascadia Code" panose="020B0609020000020004" pitchFamily="49" charset="0"/>
-                <a:cs typeface="Cascadia Code" panose="020B0609020000020004" pitchFamily="49" charset="0"/>
-              </a:rPr>
-              <a:t>    """</a:t>
-            </a:r>
-          </a:p>
-          <a:p>
-            <a:r>
-              <a:rPr lang="en-US" dirty="0">
-                <a:latin typeface="Cascadia Code" panose="020B0609020000020004" pitchFamily="49" charset="0"/>
-                <a:cs typeface="Cascadia Code" panose="020B0609020000020004" pitchFamily="49" charset="0"/>
-              </a:rPr>
-              <a:t>    return "The weather is hot and dry"</a:t>
-            </a:r>
-          </a:p>
-          <a:p>
-            <a:br>
-              <a:rPr lang="en-US" dirty="0">
-                <a:latin typeface="Cascadia Code" panose="020B0609020000020004" pitchFamily="49" charset="0"/>
-                <a:cs typeface="Cascadia Code" panose="020B0609020000020004" pitchFamily="49" charset="0"/>
-              </a:rPr>
-            </a:br>
-            <a:endParaRPr lang="en-US" dirty="0">
-              <a:latin typeface="Cascadia Code" panose="020B0609020000020004" pitchFamily="49" charset="0"/>
-              <a:cs typeface="Cascadia Code" panose="020B0609020000020004" pitchFamily="49" charset="0"/>
-            </a:endParaRPr>
-          </a:p>
-          <a:p>
-            <a:r>
-              <a:rPr lang="en-US" dirty="0">
-                <a:latin typeface="Cascadia Code" panose="020B0609020000020004" pitchFamily="49" charset="0"/>
-                <a:cs typeface="Cascadia Code" panose="020B0609020000020004" pitchFamily="49" charset="0"/>
-              </a:rPr>
-              <a:t>if __name__ == "__main__":</a:t>
-            </a:r>
-          </a:p>
-          <a:p>
-            <a:r>
-              <a:rPr lang="en-US" dirty="0">
-                <a:latin typeface="Cascadia Code" panose="020B0609020000020004" pitchFamily="49" charset="0"/>
-                <a:cs typeface="Cascadia Code" panose="020B0609020000020004" pitchFamily="49" charset="0"/>
-              </a:rPr>
-              <a:t>    </a:t>
-            </a:r>
-            <a:r>
-              <a:rPr lang="en-US" dirty="0" err="1">
-                <a:latin typeface="Cascadia Code" panose="020B0609020000020004" pitchFamily="49" charset="0"/>
-                <a:cs typeface="Cascadia Code" panose="020B0609020000020004" pitchFamily="49" charset="0"/>
-              </a:rPr>
-              <a:t>mcp.run</a:t>
-            </a:r>
-            <a:r>
-              <a:rPr lang="en-US" dirty="0">
-                <a:latin typeface="Cascadia Code" panose="020B0609020000020004" pitchFamily="49" charset="0"/>
-                <a:cs typeface="Cascadia Code" panose="020B0609020000020004" pitchFamily="49" charset="0"/>
-              </a:rPr>
-              <a:t>()</a:t>
-            </a:r>
-          </a:p>
-          <a:p>
-            <a:endParaRPr lang="en-GB" dirty="0">
-              <a:latin typeface="Cascadia Code" panose="020B0609020000020004" pitchFamily="49" charset="0"/>
-              <a:cs typeface="Cascadia Code" panose="020B0609020000020004" pitchFamily="49" charset="0"/>
-            </a:endParaRPr>
+              <a:rPr lang="en-GB" b="1" dirty="0"/>
+              <a:t> dev 6_3_crypto_mcp_server.py</a:t>
+            </a:r>
+          </a:p>
+          <a:p>
+            <a:r>
+              <a:rPr lang="en-GB" dirty="0"/>
+              <a:t>Test in the browser</a:t>
+            </a:r>
+          </a:p>
+          <a:p>
+            <a:r>
+              <a:rPr lang="en-GB" dirty="0"/>
+              <a:t>C:\code\agenticai\6_mcp&gt; </a:t>
+            </a:r>
+            <a:r>
+              <a:rPr lang="en-GB" b="1" dirty="0" err="1"/>
+              <a:t>mcp</a:t>
+            </a:r>
+            <a:r>
+              <a:rPr lang="en-GB" b="1" dirty="0"/>
+              <a:t> install crypto.py</a:t>
+            </a:r>
+          </a:p>
+          <a:p>
+            <a:r>
+              <a:rPr lang="en-GB" dirty="0"/>
+              <a:t>Open Claude and type ‘What is the price of Ethereum?’</a:t>
+            </a:r>
+          </a:p>
+          <a:p>
+            <a:r>
+              <a:rPr lang="en-GB" dirty="0"/>
+              <a:t>Next ask: ‘Which is priced higher? Ethereum or Litecoin?’ – Will make two calls to the API</a:t>
+            </a:r>
+          </a:p>
+          <a:p>
+            <a:r>
+              <a:rPr lang="en-GB" dirty="0"/>
+              <a:t>Create MCP client to test Crypto server: 6_3_crypto_mcp_client.py</a:t>
+            </a:r>
+          </a:p>
+          <a:p>
+            <a:endParaRPr lang="en-GB" dirty="0"/>
+          </a:p>
+          <a:p>
+            <a:endParaRPr lang="en-GB" dirty="0"/>
           </a:p>
         </p:txBody>
       </p:sp>
     </p:spTree>
     <p:extLst>
       <p:ext uri="{BB962C8B-B14F-4D97-AF65-F5344CB8AC3E}">
-        <p14:creationId xmlns:p14="http://schemas.microsoft.com/office/powerpoint/2010/main" val="3551455874"/>
+        <p14:creationId xmlns:p14="http://schemas.microsoft.com/office/powerpoint/2010/main" val="3312771944"/>
       </p:ext>
     </p:extLst>
   </p:cSld>
@@ -5805,13 +5684,7 @@
   <p:cSld>
     <p:spTree>
       <p:nvGrpSpPr>
-        <p:cNvPr id="1" name="">
-          <a:extLst>
-            <a:ext uri="{FF2B5EF4-FFF2-40B4-BE49-F238E27FC236}">
-              <a16:creationId xmlns:a16="http://schemas.microsoft.com/office/drawing/2014/main" id="{B92BF895-7DAB-9338-A16B-41FD1949AFBC}"/>
-            </a:ext>
-          </a:extLst>
-        </p:cNvPr>
+        <p:cNvPr id="1" name=""/>
         <p:cNvGrpSpPr/>
         <p:nvPr/>
       </p:nvGrpSpPr>
@@ -5828,7 +5701,7 @@
           <p:cNvPr id="2" name="Title 1">
             <a:extLst>
               <a:ext uri="{FF2B5EF4-FFF2-40B4-BE49-F238E27FC236}">
-                <a16:creationId xmlns:a16="http://schemas.microsoft.com/office/drawing/2014/main" id="{4CC7B5B2-4CF3-2E1C-D043-90762ED5DD1E}"/>
+                <a16:creationId xmlns:a16="http://schemas.microsoft.com/office/drawing/2014/main" id="{7051B265-9E9D-7688-D5D8-3401A9BE9EE3}"/>
               </a:ext>
             </a:extLst>
           </p:cNvPr>
@@ -5846,7 +5719,7 @@
           <a:p>
             <a:r>
               <a:rPr lang="en-IN" dirty="0"/>
-              <a:t>Adding Our Weather MCP Server to Claude</a:t>
+              <a:t>MCP and Agents</a:t>
             </a:r>
             <a:endParaRPr lang="en-GB" dirty="0"/>
           </a:p>
@@ -5857,7 +5730,7 @@
           <p:cNvPr id="3" name="Content Placeholder 2">
             <a:extLst>
               <a:ext uri="{FF2B5EF4-FFF2-40B4-BE49-F238E27FC236}">
-                <a16:creationId xmlns:a16="http://schemas.microsoft.com/office/drawing/2014/main" id="{CC21BFB5-363E-252E-665D-F46E88E235DD}"/>
+                <a16:creationId xmlns:a16="http://schemas.microsoft.com/office/drawing/2014/main" id="{9DD33FF9-0C84-4ACE-5F79-5A864474891E}"/>
               </a:ext>
             </a:extLst>
           </p:cNvPr>
@@ -5870,419 +5743,43 @@
         </p:nvSpPr>
         <p:spPr/>
         <p:txBody>
-          <a:bodyPr>
-            <a:normAutofit fontScale="25000" lnSpcReduction="20000"/>
-          </a:bodyPr>
+          <a:bodyPr/>
           <a:lstStyle/>
           <a:p>
             <a:r>
               <a:rPr lang="en-IN" dirty="0"/>
-              <a:t>Claude Desktop: Top left -&gt; File -&gt; Settings -&gt; Developer -&gt; Edit Config</a:t>
-            </a:r>
+              <a:t>Call Crypto MCP server using OpenAI Agents API: 6_4_crypto_agent_openai_agents_api.py</a:t>
+            </a:r>
+          </a:p>
+          <a:p>
+            <a:endParaRPr lang="en-IN" dirty="0"/>
           </a:p>
           <a:p>
             <a:r>
               <a:rPr lang="en-IN" dirty="0"/>
-              <a:t>Open the file in Notepad and edit as follows:</a:t>
-            </a:r>
-          </a:p>
-          <a:p>
+              <a:t>Then call it using </a:t>
+            </a:r>
+            <a:r>
+              <a:rPr lang="en-IN" dirty="0" err="1"/>
+              <a:t>LangGraph</a:t>
+            </a:r>
             <a:r>
               <a:rPr lang="en-IN" dirty="0"/>
-              <a:t>{</a:t>
-            </a:r>
-          </a:p>
-          <a:p>
-            <a:r>
-              <a:rPr lang="en-IN" dirty="0"/>
-              <a:t>   "</a:t>
-            </a:r>
-            <a:r>
-              <a:rPr lang="en-IN" dirty="0" err="1"/>
-              <a:t>mcpServers</a:t>
-            </a:r>
-            <a:r>
-              <a:rPr lang="en-IN" dirty="0"/>
-              <a:t>":{</a:t>
-            </a:r>
-          </a:p>
-          <a:p>
-            <a:r>
-              <a:rPr lang="en-IN" dirty="0"/>
-              <a:t>      "</a:t>
-            </a:r>
-            <a:r>
-              <a:rPr lang="en-IN" dirty="0" err="1"/>
-              <a:t>airbnb</a:t>
-            </a:r>
-            <a:r>
-              <a:rPr lang="en-IN" dirty="0"/>
-              <a:t>":{</a:t>
-            </a:r>
-          </a:p>
-          <a:p>
-            <a:r>
-              <a:rPr lang="en-IN" dirty="0"/>
-              <a:t>         "command":"</a:t>
-            </a:r>
-            <a:r>
-              <a:rPr lang="en-IN" dirty="0" err="1"/>
-              <a:t>npx</a:t>
-            </a:r>
-            <a:r>
-              <a:rPr lang="en-IN" dirty="0"/>
-              <a:t>",</a:t>
-            </a:r>
-          </a:p>
-          <a:p>
-            <a:r>
-              <a:rPr lang="en-IN" dirty="0"/>
-              <a:t>         "</a:t>
-            </a:r>
-            <a:r>
-              <a:rPr lang="en-IN" dirty="0" err="1"/>
-              <a:t>args</a:t>
-            </a:r>
-            <a:r>
-              <a:rPr lang="en-IN" dirty="0"/>
-              <a:t>":[</a:t>
-            </a:r>
-          </a:p>
-          <a:p>
-            <a:r>
-              <a:rPr lang="en-IN" dirty="0"/>
-              <a:t>            "-y",</a:t>
-            </a:r>
-          </a:p>
-          <a:p>
-            <a:r>
-              <a:rPr lang="en-IN" dirty="0"/>
-              <a:t>            "@</a:t>
-            </a:r>
-            <a:r>
-              <a:rPr lang="en-IN" dirty="0" err="1"/>
-              <a:t>openbnb</a:t>
-            </a:r>
-            <a:r>
-              <a:rPr lang="en-IN" dirty="0"/>
-              <a:t>/</a:t>
-            </a:r>
-            <a:r>
-              <a:rPr lang="en-IN" dirty="0" err="1"/>
-              <a:t>mcp</a:t>
-            </a:r>
-            <a:r>
-              <a:rPr lang="en-IN" dirty="0"/>
-              <a:t>-server-</a:t>
-            </a:r>
-            <a:r>
-              <a:rPr lang="en-IN" dirty="0" err="1"/>
-              <a:t>airbnb</a:t>
-            </a:r>
-            <a:r>
-              <a:rPr lang="en-IN" dirty="0"/>
-              <a:t>",</a:t>
-            </a:r>
-          </a:p>
-          <a:p>
-            <a:r>
-              <a:rPr lang="en-IN" dirty="0"/>
-              <a:t>            "--ignore-robots-txt"</a:t>
-            </a:r>
-          </a:p>
-          <a:p>
-            <a:r>
-              <a:rPr lang="en-IN" dirty="0"/>
-              <a:t>         ]</a:t>
-            </a:r>
-          </a:p>
-          <a:p>
-            <a:r>
-              <a:rPr lang="en-IN" dirty="0"/>
-              <a:t>      },</a:t>
-            </a:r>
-          </a:p>
-          <a:p>
-            <a:r>
-              <a:rPr lang="en-IN" dirty="0"/>
-              <a:t>      "weather":{</a:t>
-            </a:r>
-          </a:p>
-          <a:p>
-            <a:r>
-              <a:rPr lang="en-IN" dirty="0"/>
-              <a:t>         "command":"</a:t>
-            </a:r>
-            <a:r>
-              <a:rPr lang="en-IN" dirty="0" err="1"/>
-              <a:t>uv</a:t>
-            </a:r>
-            <a:r>
-              <a:rPr lang="en-IN" dirty="0"/>
-              <a:t>",</a:t>
-            </a:r>
-          </a:p>
-          <a:p>
-            <a:r>
-              <a:rPr lang="en-IN" dirty="0"/>
-              <a:t>         "</a:t>
-            </a:r>
-            <a:r>
-              <a:rPr lang="en-IN" dirty="0" err="1"/>
-              <a:t>args</a:t>
-            </a:r>
-            <a:r>
-              <a:rPr lang="en-IN" dirty="0"/>
-              <a:t>":[</a:t>
-            </a:r>
-          </a:p>
-          <a:p>
-            <a:r>
-              <a:rPr lang="en-IN" dirty="0"/>
-              <a:t>            "--directory",</a:t>
-            </a:r>
-          </a:p>
-          <a:p>
-            <a:r>
-              <a:rPr lang="en-IN" dirty="0"/>
-              <a:t>            "C:\\code\\agenticai\\6_mcp\\helloworld",</a:t>
-            </a:r>
-          </a:p>
-          <a:p>
-            <a:r>
-              <a:rPr lang="en-IN" dirty="0"/>
-              <a:t>            "run",</a:t>
-            </a:r>
-          </a:p>
-          <a:p>
-            <a:r>
-              <a:rPr lang="en-IN" dirty="0"/>
-              <a:t>            "weather.py"</a:t>
-            </a:r>
-          </a:p>
-          <a:p>
-            <a:r>
-              <a:rPr lang="en-IN" dirty="0"/>
-              <a:t>         ]</a:t>
-            </a:r>
-          </a:p>
-          <a:p>
-            <a:r>
-              <a:rPr lang="en-IN" dirty="0"/>
-              <a:t>      }</a:t>
-            </a:r>
-          </a:p>
-          <a:p>
-            <a:r>
-              <a:rPr lang="en-IN" dirty="0"/>
-              <a:t>   }</a:t>
-            </a:r>
-          </a:p>
-          <a:p>
-            <a:r>
-              <a:rPr lang="en-IN" dirty="0"/>
-              <a:t>}</a:t>
-            </a:r>
+              <a:t>: 6_4_crypto_agent_langgraph_api.py</a:t>
+            </a:r>
+          </a:p>
+          <a:p>
+            <a:endParaRPr lang="en-IN" dirty="0"/>
           </a:p>
           <a:p>
             <a:endParaRPr lang="en-GB" dirty="0"/>
-          </a:p>
-        </p:txBody>
-      </p:sp>
-      <p:sp>
-        <p:nvSpPr>
-          <p:cNvPr id="4" name="TextBox 3">
-            <a:extLst>
-              <a:ext uri="{FF2B5EF4-FFF2-40B4-BE49-F238E27FC236}">
-                <a16:creationId xmlns:a16="http://schemas.microsoft.com/office/drawing/2014/main" id="{F7AC85F2-5E56-DEF4-3974-2FA061690FCC}"/>
-              </a:ext>
-            </a:extLst>
-          </p:cNvPr>
-          <p:cNvSpPr txBox="1"/>
-          <p:nvPr/>
-        </p:nvSpPr>
-        <p:spPr>
-          <a:xfrm>
-            <a:off x="4592941" y="1825625"/>
-            <a:ext cx="5081551" cy="2308324"/>
-          </a:xfrm>
-          <a:prstGeom prst="rect">
-            <a:avLst/>
-          </a:prstGeom>
-          <a:solidFill>
-            <a:schemeClr val="bg2"/>
-          </a:solidFill>
-        </p:spPr>
-        <p:txBody>
-          <a:bodyPr wrap="square" rtlCol="0">
-            <a:spAutoFit/>
-          </a:bodyPr>
-          <a:lstStyle/>
-          <a:p>
-            <a:r>
-              <a:rPr lang="en-IN" dirty="0"/>
-              <a:t>Close Claude Desktop and restart</a:t>
-            </a:r>
-          </a:p>
-          <a:p>
-            <a:endParaRPr lang="en-IN" dirty="0"/>
-          </a:p>
-          <a:p>
-            <a:r>
-              <a:rPr lang="en-IN" dirty="0"/>
-              <a:t>Check in tools: We should see Weather server</a:t>
-            </a:r>
-          </a:p>
-          <a:p>
-            <a:endParaRPr lang="en-IN" dirty="0"/>
-          </a:p>
-          <a:p>
-            <a:r>
-              <a:rPr lang="en-IN" dirty="0"/>
-              <a:t>Ask a question: </a:t>
-            </a:r>
-            <a:r>
-              <a:rPr lang="en-IN" i="1" dirty="0"/>
-              <a:t>How is the weather in Pune today?</a:t>
-            </a:r>
-            <a:endParaRPr lang="en-IN" dirty="0"/>
-          </a:p>
-          <a:p>
-            <a:endParaRPr lang="en-IN" dirty="0"/>
-          </a:p>
-          <a:p>
-            <a:r>
-              <a:rPr lang="en-IN" dirty="0"/>
-              <a:t>It should find our weather server and ask us if we want to use it</a:t>
-            </a:r>
-            <a:endParaRPr lang="en-GB" dirty="0"/>
-          </a:p>
-        </p:txBody>
-      </p:sp>
-      <p:sp>
-        <p:nvSpPr>
-          <p:cNvPr id="5" name="TextBox 4">
-            <a:extLst>
-              <a:ext uri="{FF2B5EF4-FFF2-40B4-BE49-F238E27FC236}">
-                <a16:creationId xmlns:a16="http://schemas.microsoft.com/office/drawing/2014/main" id="{4CDEEE68-4B38-5E9F-83CF-9D0AA32F891D}"/>
-              </a:ext>
-            </a:extLst>
-          </p:cNvPr>
-          <p:cNvSpPr txBox="1"/>
-          <p:nvPr/>
-        </p:nvSpPr>
-        <p:spPr>
-          <a:xfrm>
-            <a:off x="4690663" y="4771457"/>
-            <a:ext cx="5081551" cy="1754326"/>
-          </a:xfrm>
-          <a:prstGeom prst="rect">
-            <a:avLst/>
-          </a:prstGeom>
-          <a:solidFill>
-            <a:schemeClr val="accent4">
-              <a:lumMod val="40000"/>
-              <a:lumOff val="60000"/>
-            </a:schemeClr>
-          </a:solidFill>
-        </p:spPr>
-        <p:txBody>
-          <a:bodyPr wrap="square" rtlCol="0">
-            <a:spAutoFit/>
-          </a:bodyPr>
-          <a:lstStyle/>
-          <a:p>
-            <a:r>
-              <a:rPr lang="en-IN" dirty="0"/>
-              <a:t>Simpler method to do the same thing …</a:t>
-            </a:r>
-          </a:p>
-          <a:p>
-            <a:endParaRPr lang="en-IN" dirty="0"/>
-          </a:p>
-          <a:p>
-            <a:r>
-              <a:rPr lang="en-IN" dirty="0"/>
-              <a:t>In VS Code terminal, type: </a:t>
-            </a:r>
-            <a:r>
-              <a:rPr lang="en-IN" b="1" dirty="0" err="1"/>
-              <a:t>mcp</a:t>
-            </a:r>
-            <a:r>
-              <a:rPr lang="en-IN" b="1" dirty="0"/>
-              <a:t> install weather.py</a:t>
-            </a:r>
-            <a:endParaRPr lang="en-IN" dirty="0"/>
-          </a:p>
-          <a:p>
-            <a:endParaRPr lang="en-IN" dirty="0"/>
-          </a:p>
-          <a:p>
-            <a:r>
-              <a:rPr lang="en-IN" dirty="0"/>
-              <a:t>It will install the weather server in Claude Desktop and modify </a:t>
-            </a:r>
-            <a:r>
-              <a:rPr lang="en-IN" dirty="0" err="1"/>
-              <a:t>claude_desktop-config.json</a:t>
-            </a:r>
-            <a:r>
-              <a:rPr lang="en-IN" dirty="0"/>
-              <a:t> file</a:t>
-            </a:r>
-            <a:endParaRPr lang="en-GB" dirty="0"/>
-          </a:p>
-        </p:txBody>
-      </p:sp>
-      <p:sp>
-        <p:nvSpPr>
-          <p:cNvPr id="7" name="Arrow: Right 6">
-            <a:extLst>
-              <a:ext uri="{FF2B5EF4-FFF2-40B4-BE49-F238E27FC236}">
-                <a16:creationId xmlns:a16="http://schemas.microsoft.com/office/drawing/2014/main" id="{3CFF5EAF-5EAF-0B4E-5786-70C89213D954}"/>
-              </a:ext>
-            </a:extLst>
-          </p:cNvPr>
-          <p:cNvSpPr/>
-          <p:nvPr/>
-        </p:nvSpPr>
-        <p:spPr>
-          <a:xfrm>
-            <a:off x="3678539" y="2436073"/>
-            <a:ext cx="732916" cy="355988"/>
-          </a:xfrm>
-          <a:prstGeom prst="rightArrow">
-            <a:avLst/>
-          </a:prstGeom>
-        </p:spPr>
-        <p:style>
-          <a:lnRef idx="1">
-            <a:schemeClr val="accent2"/>
-          </a:lnRef>
-          <a:fillRef idx="3">
-            <a:schemeClr val="accent2"/>
-          </a:fillRef>
-          <a:effectRef idx="2">
-            <a:schemeClr val="accent2"/>
-          </a:effectRef>
-          <a:fontRef idx="minor">
-            <a:schemeClr val="lt1"/>
-          </a:fontRef>
-        </p:style>
-        <p:txBody>
-          <a:bodyPr rtlCol="0" anchor="ctr"/>
-          <a:lstStyle/>
-          <a:p>
-            <a:pPr algn="ctr"/>
-            <a:endParaRPr lang="en-GB"/>
           </a:p>
         </p:txBody>
       </p:sp>
     </p:spTree>
     <p:extLst>
       <p:ext uri="{BB962C8B-B14F-4D97-AF65-F5344CB8AC3E}">
-        <p14:creationId xmlns:p14="http://schemas.microsoft.com/office/powerpoint/2010/main" val="3338916337"/>
+        <p14:creationId xmlns:p14="http://schemas.microsoft.com/office/powerpoint/2010/main" val="275091155"/>
       </p:ext>
     </p:extLst>
   </p:cSld>
@@ -6314,7 +5811,7 @@
           <p:cNvPr id="2" name="Title 1">
             <a:extLst>
               <a:ext uri="{FF2B5EF4-FFF2-40B4-BE49-F238E27FC236}">
-                <a16:creationId xmlns:a16="http://schemas.microsoft.com/office/drawing/2014/main" id="{71981D05-B87A-17DD-6A96-31EBE006E361}"/>
+                <a16:creationId xmlns:a16="http://schemas.microsoft.com/office/drawing/2014/main" id="{6541AFBC-8E1C-832B-A007-B2F797F3E3C9}"/>
               </a:ext>
             </a:extLst>
           </p:cNvPr>
@@ -6332,7 +5829,7 @@
           <a:p>
             <a:r>
               <a:rPr lang="en-IN" dirty="0"/>
-              <a:t>MCP Client</a:t>
+              <a:t>Calling Multiple MCP Servers Through Agentic AI</a:t>
             </a:r>
             <a:endParaRPr lang="en-GB" dirty="0"/>
           </a:p>
@@ -6343,7 +5840,7 @@
           <p:cNvPr id="3" name="Content Placeholder 2">
             <a:extLst>
               <a:ext uri="{FF2B5EF4-FFF2-40B4-BE49-F238E27FC236}">
-                <a16:creationId xmlns:a16="http://schemas.microsoft.com/office/drawing/2014/main" id="{02C693F9-51A3-578C-ABA1-F0BEB4FAAC62}"/>
+                <a16:creationId xmlns:a16="http://schemas.microsoft.com/office/drawing/2014/main" id="{01B5DA17-E329-62B0-2711-86B35FF4F717}"/>
               </a:ext>
             </a:extLst>
           </p:cNvPr>
@@ -6356,759 +5853,57 @@
         </p:nvSpPr>
         <p:spPr/>
         <p:txBody>
-          <a:bodyPr>
-            <a:normAutofit fontScale="85000" lnSpcReduction="20000"/>
-          </a:bodyPr>
+          <a:bodyPr/>
           <a:lstStyle/>
           <a:p>
             <a:r>
               <a:rPr lang="en-IN" dirty="0"/>
-              <a:t>Create a new directory C:\code\agenticai\6_mcp\client</a:t>
+              <a:t>Create a second MCP server for converting one currency into another and inspect: </a:t>
+            </a:r>
+            <a:r>
+              <a:rPr lang="en-IN" b="1" dirty="0" err="1"/>
+              <a:t>mcp</a:t>
+            </a:r>
+            <a:r>
+              <a:rPr lang="en-IN" b="1" dirty="0"/>
+              <a:t> dev 6_5_forex_mcp_server.py</a:t>
             </a:r>
           </a:p>
           <a:p>
             <a:r>
               <a:rPr lang="en-IN" dirty="0"/>
-              <a:t>Deactivate virtual environment: </a:t>
-            </a:r>
-            <a:r>
-              <a:rPr lang="en-US" dirty="0"/>
-              <a:t>(</a:t>
-            </a:r>
-            <a:r>
-              <a:rPr lang="en-US" dirty="0" err="1"/>
-              <a:t>helloworld</a:t>
-            </a:r>
-            <a:r>
-              <a:rPr lang="en-US" dirty="0"/>
-              <a:t>) PS C:\code\agenticai\6_mcp\helloworld&gt; deactivate</a:t>
-            </a:r>
-          </a:p>
-          <a:p>
-            <a:r>
-              <a:rPr lang="fr-FR" dirty="0"/>
-              <a:t>PS C:\code\agenticai\6_mcp&gt; cd ..\client</a:t>
-            </a:r>
-          </a:p>
-          <a:p>
-            <a:r>
-              <a:rPr lang="fr-FR" dirty="0"/>
-              <a:t>PS C:\code\agenticai\6_mcp\client&gt; </a:t>
-            </a:r>
-            <a:r>
-              <a:rPr lang="fr-FR" dirty="0" err="1"/>
-              <a:t>uv</a:t>
-            </a:r>
-            <a:r>
-              <a:rPr lang="fr-FR" dirty="0"/>
-              <a:t> </a:t>
-            </a:r>
-            <a:r>
-              <a:rPr lang="fr-FR" dirty="0" err="1"/>
-              <a:t>venv</a:t>
-            </a:r>
-            <a:endParaRPr lang="en-IN" dirty="0"/>
-          </a:p>
-          <a:p>
-            <a:r>
-              <a:rPr lang="fr-FR" dirty="0"/>
-              <a:t>PS C:\code\agenticai\6_mcp\client&gt; </a:t>
-            </a:r>
-            <a:r>
-              <a:rPr lang="fr-FR" dirty="0" err="1"/>
-              <a:t>uv</a:t>
-            </a:r>
-            <a:r>
-              <a:rPr lang="fr-FR" dirty="0"/>
-              <a:t> init</a:t>
-            </a:r>
-          </a:p>
-          <a:p>
-            <a:r>
-              <a:rPr lang="fr-FR" dirty="0"/>
-              <a:t>PS C:\code\agenticai\6_mcp\client&gt;  .\.</a:t>
-            </a:r>
-            <a:r>
-              <a:rPr lang="fr-FR" dirty="0" err="1"/>
-              <a:t>venv</a:t>
-            </a:r>
-            <a:r>
-              <a:rPr lang="fr-FR" dirty="0"/>
-              <a:t>\Scripts\</a:t>
-            </a:r>
-            <a:r>
-              <a:rPr lang="fr-FR" dirty="0" err="1"/>
-              <a:t>activate</a:t>
-            </a:r>
-            <a:endParaRPr lang="fr-FR" dirty="0"/>
-          </a:p>
-          <a:p>
-            <a:r>
-              <a:rPr lang="fr-FR" dirty="0"/>
-              <a:t>(client) PS C:\code\agenticai\6_mcp\client &gt;  </a:t>
-            </a:r>
-            <a:r>
-              <a:rPr lang="fr-FR" dirty="0" err="1"/>
-              <a:t>uv</a:t>
-            </a:r>
-            <a:r>
-              <a:rPr lang="fr-FR" dirty="0"/>
-              <a:t> </a:t>
-            </a:r>
-            <a:r>
-              <a:rPr lang="fr-FR" dirty="0" err="1"/>
-              <a:t>add</a:t>
-            </a:r>
-            <a:r>
-              <a:rPr lang="fr-FR" dirty="0"/>
-              <a:t> </a:t>
-            </a:r>
-            <a:r>
-              <a:rPr lang="fr-FR" dirty="0" err="1"/>
+              <a:t>Install it: </a:t>
+            </a:r>
+            <a:r>
+              <a:rPr lang="en-IN" b="1" dirty="0" err="1"/>
               <a:t>mcp</a:t>
             </a:r>
             <a:r>
-              <a:rPr lang="fr-FR" dirty="0"/>
-              <a:t>[cli]</a:t>
-            </a:r>
-          </a:p>
-          <a:p>
-            <a:r>
-              <a:rPr lang="fr-FR" dirty="0"/>
-              <a:t>Copy weather.py server file in the </a:t>
-            </a:r>
+              <a:rPr lang="en-IN" b="1" dirty="0"/>
+              <a:t> install 6_5_forex_mcp_server.py</a:t>
+            </a:r>
+          </a:p>
+          <a:p>
             <a:r>
               <a:rPr lang="en-IN" dirty="0"/>
-              <a:t>C:\code\agenticai\6_mcp\client directory</a:t>
-            </a:r>
-          </a:p>
-          <a:p>
+              <a:t>Modify the earlier </a:t>
+            </a:r>
+            <a:r>
+              <a:rPr lang="en-IN" dirty="0" err="1"/>
+              <a:t>LangGraph</a:t>
+            </a:r>
             <a:r>
               <a:rPr lang="en-IN" dirty="0"/>
-              <a:t>Create client.py* in C:\code\agenticai\6_mcp\client directory</a:t>
-            </a:r>
-          </a:p>
-          <a:p>
-            <a:r>
-              <a:rPr lang="en-IN" dirty="0"/>
-              <a:t>Run: </a:t>
-            </a:r>
-            <a:r>
-              <a:rPr lang="fr-FR" dirty="0"/>
-              <a:t>(client) PS C:\code\agenticai\6_mcp\client</a:t>
-            </a:r>
-            <a:r>
-              <a:rPr lang="en-IN" dirty="0"/>
-              <a:t>&gt; </a:t>
-            </a:r>
-            <a:r>
-              <a:rPr lang="en-IN" dirty="0" err="1"/>
-              <a:t>uv</a:t>
-            </a:r>
-            <a:r>
-              <a:rPr lang="en-IN" dirty="0"/>
-              <a:t> run client.py</a:t>
-            </a:r>
-          </a:p>
-          <a:p>
-            <a:endParaRPr lang="en-IN" dirty="0"/>
-          </a:p>
-          <a:p>
-            <a:endParaRPr lang="en-IN" dirty="0"/>
+              <a:t> workflow to add a second node: (1) node-1 will get the crypto price in USD, (2) this second node will convert USD value to INR</a:t>
+            </a:r>
+            <a:endParaRPr lang="en-GB" dirty="0"/>
           </a:p>
         </p:txBody>
       </p:sp>
     </p:spTree>
     <p:extLst>
       <p:ext uri="{BB962C8B-B14F-4D97-AF65-F5344CB8AC3E}">
-        <p14:creationId xmlns:p14="http://schemas.microsoft.com/office/powerpoint/2010/main" val="1590568137"/>
-      </p:ext>
-    </p:extLst>
-  </p:cSld>
-  <p:clrMapOvr>
-    <a:masterClrMapping/>
-  </p:clrMapOvr>
-</p:sld>
-</file>
-
-<file path=ppt/slides/slide18.xml><?xml version="1.0" encoding="utf-8"?>
-<p:sld xmlns:a="http://schemas.openxmlformats.org/drawingml/2006/main" xmlns:r="http://schemas.openxmlformats.org/officeDocument/2006/relationships" xmlns:p="http://schemas.openxmlformats.org/presentationml/2006/main">
-  <p:cSld>
-    <p:spTree>
-      <p:nvGrpSpPr>
-        <p:cNvPr id="1" name="">
-          <a:extLst>
-            <a:ext uri="{FF2B5EF4-FFF2-40B4-BE49-F238E27FC236}">
-              <a16:creationId xmlns:a16="http://schemas.microsoft.com/office/drawing/2014/main" id="{24FBA9F0-9619-5739-F34A-DFA031028A6C}"/>
-            </a:ext>
-          </a:extLst>
-        </p:cNvPr>
-        <p:cNvGrpSpPr/>
-        <p:nvPr/>
-      </p:nvGrpSpPr>
-      <p:grpSpPr>
-        <a:xfrm>
-          <a:off x="0" y="0"/>
-          <a:ext cx="0" cy="0"/>
-          <a:chOff x="0" y="0"/>
-          <a:chExt cx="0" cy="0"/>
-        </a:xfrm>
-      </p:grpSpPr>
-      <p:sp>
-        <p:nvSpPr>
-          <p:cNvPr id="2" name="Title 1">
-            <a:extLst>
-              <a:ext uri="{FF2B5EF4-FFF2-40B4-BE49-F238E27FC236}">
-                <a16:creationId xmlns:a16="http://schemas.microsoft.com/office/drawing/2014/main" id="{2C3E7934-536D-B50B-F4A7-117410223289}"/>
-              </a:ext>
-            </a:extLst>
-          </p:cNvPr>
-          <p:cNvSpPr>
-            <a:spLocks noGrp="1"/>
-          </p:cNvSpPr>
-          <p:nvPr>
-            <p:ph type="title"/>
-          </p:nvPr>
-        </p:nvSpPr>
-        <p:spPr/>
-        <p:txBody>
-          <a:bodyPr/>
-          <a:lstStyle/>
-          <a:p>
-            <a:r>
-              <a:rPr lang="en-IN" dirty="0"/>
-              <a:t>client.py</a:t>
-            </a:r>
-            <a:endParaRPr lang="en-GB" dirty="0"/>
-          </a:p>
-        </p:txBody>
-      </p:sp>
-      <p:sp>
-        <p:nvSpPr>
-          <p:cNvPr id="3" name="Content Placeholder 2">
-            <a:extLst>
-              <a:ext uri="{FF2B5EF4-FFF2-40B4-BE49-F238E27FC236}">
-                <a16:creationId xmlns:a16="http://schemas.microsoft.com/office/drawing/2014/main" id="{5C1CF4BC-DDED-762A-1362-4407CF084E9A}"/>
-              </a:ext>
-            </a:extLst>
-          </p:cNvPr>
-          <p:cNvSpPr>
-            <a:spLocks noGrp="1"/>
-          </p:cNvSpPr>
-          <p:nvPr>
-            <p:ph idx="1"/>
-          </p:nvPr>
-        </p:nvSpPr>
-        <p:spPr/>
-        <p:txBody>
-          <a:bodyPr>
-            <a:normAutofit/>
-          </a:bodyPr>
-          <a:lstStyle/>
-          <a:p>
-            <a:r>
-              <a:rPr lang="en-GB" sz="2000" dirty="0">
-                <a:latin typeface="Cascadia Code" panose="020B0609020000020004" pitchFamily="49" charset="0"/>
-                <a:cs typeface="Cascadia Code" panose="020B0609020000020004" pitchFamily="49" charset="0"/>
-              </a:rPr>
-              <a:t>from </a:t>
-            </a:r>
-            <a:r>
-              <a:rPr lang="en-GB" sz="2000" dirty="0" err="1">
-                <a:latin typeface="Cascadia Code" panose="020B0609020000020004" pitchFamily="49" charset="0"/>
-                <a:cs typeface="Cascadia Code" panose="020B0609020000020004" pitchFamily="49" charset="0"/>
-              </a:rPr>
-              <a:t>mcp</a:t>
-            </a:r>
-            <a:r>
-              <a:rPr lang="en-GB" sz="2000" dirty="0">
-                <a:latin typeface="Cascadia Code" panose="020B0609020000020004" pitchFamily="49" charset="0"/>
-                <a:cs typeface="Cascadia Code" panose="020B0609020000020004" pitchFamily="49" charset="0"/>
-              </a:rPr>
-              <a:t> import </a:t>
-            </a:r>
-            <a:r>
-              <a:rPr lang="en-GB" sz="2000" dirty="0" err="1">
-                <a:latin typeface="Cascadia Code" panose="020B0609020000020004" pitchFamily="49" charset="0"/>
-                <a:cs typeface="Cascadia Code" panose="020B0609020000020004" pitchFamily="49" charset="0"/>
-              </a:rPr>
-              <a:t>ClientSession</a:t>
-            </a:r>
-            <a:r>
-              <a:rPr lang="en-GB" sz="2000" dirty="0">
-                <a:latin typeface="Cascadia Code" panose="020B0609020000020004" pitchFamily="49" charset="0"/>
-                <a:cs typeface="Cascadia Code" panose="020B0609020000020004" pitchFamily="49" charset="0"/>
-              </a:rPr>
-              <a:t>, </a:t>
-            </a:r>
-            <a:r>
-              <a:rPr lang="en-GB" sz="2000" dirty="0" err="1">
-                <a:latin typeface="Cascadia Code" panose="020B0609020000020004" pitchFamily="49" charset="0"/>
-                <a:cs typeface="Cascadia Code" panose="020B0609020000020004" pitchFamily="49" charset="0"/>
-              </a:rPr>
-              <a:t>StdioServerParameters</a:t>
-            </a:r>
-            <a:r>
-              <a:rPr lang="en-GB" sz="2000" dirty="0">
-                <a:latin typeface="Cascadia Code" panose="020B0609020000020004" pitchFamily="49" charset="0"/>
-                <a:cs typeface="Cascadia Code" panose="020B0609020000020004" pitchFamily="49" charset="0"/>
-              </a:rPr>
-              <a:t>, types</a:t>
-            </a:r>
-          </a:p>
-          <a:p>
-            <a:r>
-              <a:rPr lang="en-GB" sz="2000" dirty="0">
-                <a:latin typeface="Cascadia Code" panose="020B0609020000020004" pitchFamily="49" charset="0"/>
-                <a:cs typeface="Cascadia Code" panose="020B0609020000020004" pitchFamily="49" charset="0"/>
-              </a:rPr>
-              <a:t>from </a:t>
-            </a:r>
-            <a:r>
-              <a:rPr lang="en-GB" sz="2000" dirty="0" err="1">
-                <a:latin typeface="Cascadia Code" panose="020B0609020000020004" pitchFamily="49" charset="0"/>
-                <a:cs typeface="Cascadia Code" panose="020B0609020000020004" pitchFamily="49" charset="0"/>
-              </a:rPr>
-              <a:t>mcp.client.stdio</a:t>
-            </a:r>
-            <a:r>
-              <a:rPr lang="en-GB" sz="2000" dirty="0">
-                <a:latin typeface="Cascadia Code" panose="020B0609020000020004" pitchFamily="49" charset="0"/>
-                <a:cs typeface="Cascadia Code" panose="020B0609020000020004" pitchFamily="49" charset="0"/>
-              </a:rPr>
-              <a:t> import </a:t>
-            </a:r>
-            <a:r>
-              <a:rPr lang="en-GB" sz="2000" dirty="0" err="1">
-                <a:latin typeface="Cascadia Code" panose="020B0609020000020004" pitchFamily="49" charset="0"/>
-                <a:cs typeface="Cascadia Code" panose="020B0609020000020004" pitchFamily="49" charset="0"/>
-              </a:rPr>
-              <a:t>stdio_client</a:t>
-            </a:r>
-            <a:endParaRPr lang="en-GB" sz="2000" dirty="0">
-              <a:latin typeface="Cascadia Code" panose="020B0609020000020004" pitchFamily="49" charset="0"/>
-              <a:cs typeface="Cascadia Code" panose="020B0609020000020004" pitchFamily="49" charset="0"/>
-            </a:endParaRPr>
-          </a:p>
-          <a:p>
-            <a:r>
-              <a:rPr lang="en-GB" sz="2000" dirty="0">
-                <a:latin typeface="Cascadia Code" panose="020B0609020000020004" pitchFamily="49" charset="0"/>
-                <a:cs typeface="Cascadia Code" panose="020B0609020000020004" pitchFamily="49" charset="0"/>
-              </a:rPr>
-              <a:t>import </a:t>
-            </a:r>
-            <a:r>
-              <a:rPr lang="en-GB" sz="2000" dirty="0" err="1">
-                <a:latin typeface="Cascadia Code" panose="020B0609020000020004" pitchFamily="49" charset="0"/>
-                <a:cs typeface="Cascadia Code" panose="020B0609020000020004" pitchFamily="49" charset="0"/>
-              </a:rPr>
-              <a:t>asyncio</a:t>
-            </a:r>
-            <a:endParaRPr lang="en-GB" sz="2000" dirty="0">
-              <a:latin typeface="Cascadia Code" panose="020B0609020000020004" pitchFamily="49" charset="0"/>
-              <a:cs typeface="Cascadia Code" panose="020B0609020000020004" pitchFamily="49" charset="0"/>
-            </a:endParaRPr>
-          </a:p>
-          <a:p>
-            <a:r>
-              <a:rPr lang="en-GB" sz="2000" dirty="0">
-                <a:latin typeface="Cascadia Code" panose="020B0609020000020004" pitchFamily="49" charset="0"/>
-                <a:cs typeface="Cascadia Code" panose="020B0609020000020004" pitchFamily="49" charset="0"/>
-              </a:rPr>
-              <a:t>import traceback</a:t>
-            </a:r>
-          </a:p>
-          <a:p>
-            <a:br>
-              <a:rPr lang="en-GB" sz="2000" dirty="0">
-                <a:latin typeface="Cascadia Code" panose="020B0609020000020004" pitchFamily="49" charset="0"/>
-                <a:cs typeface="Cascadia Code" panose="020B0609020000020004" pitchFamily="49" charset="0"/>
-              </a:rPr>
-            </a:br>
-            <a:endParaRPr lang="en-GB" sz="2000" dirty="0">
-              <a:latin typeface="Cascadia Code" panose="020B0609020000020004" pitchFamily="49" charset="0"/>
-              <a:cs typeface="Cascadia Code" panose="020B0609020000020004" pitchFamily="49" charset="0"/>
-            </a:endParaRPr>
-          </a:p>
-          <a:p>
-            <a:r>
-              <a:rPr lang="en-GB" sz="2000" dirty="0" err="1">
-                <a:latin typeface="Cascadia Code" panose="020B0609020000020004" pitchFamily="49" charset="0"/>
-                <a:cs typeface="Cascadia Code" panose="020B0609020000020004" pitchFamily="49" charset="0"/>
-              </a:rPr>
-              <a:t>server_params</a:t>
-            </a:r>
-            <a:r>
-              <a:rPr lang="en-GB" sz="2000" dirty="0">
-                <a:latin typeface="Cascadia Code" panose="020B0609020000020004" pitchFamily="49" charset="0"/>
-                <a:cs typeface="Cascadia Code" panose="020B0609020000020004" pitchFamily="49" charset="0"/>
-              </a:rPr>
-              <a:t> = </a:t>
-            </a:r>
-            <a:r>
-              <a:rPr lang="en-GB" sz="2000" dirty="0" err="1">
-                <a:latin typeface="Cascadia Code" panose="020B0609020000020004" pitchFamily="49" charset="0"/>
-                <a:cs typeface="Cascadia Code" panose="020B0609020000020004" pitchFamily="49" charset="0"/>
-              </a:rPr>
-              <a:t>StdioServerParameters</a:t>
-            </a:r>
-            <a:r>
-              <a:rPr lang="en-GB" sz="2000" dirty="0">
-                <a:latin typeface="Cascadia Code" panose="020B0609020000020004" pitchFamily="49" charset="0"/>
-                <a:cs typeface="Cascadia Code" panose="020B0609020000020004" pitchFamily="49" charset="0"/>
-              </a:rPr>
-              <a:t>(</a:t>
-            </a:r>
-          </a:p>
-          <a:p>
-            <a:r>
-              <a:rPr lang="en-GB" sz="2000" dirty="0">
-                <a:latin typeface="Cascadia Code" panose="020B0609020000020004" pitchFamily="49" charset="0"/>
-                <a:cs typeface="Cascadia Code" panose="020B0609020000020004" pitchFamily="49" charset="0"/>
-              </a:rPr>
-              <a:t>    command="</a:t>
-            </a:r>
-            <a:r>
-              <a:rPr lang="en-GB" sz="2000" dirty="0" err="1">
-                <a:latin typeface="Cascadia Code" panose="020B0609020000020004" pitchFamily="49" charset="0"/>
-                <a:cs typeface="Cascadia Code" panose="020B0609020000020004" pitchFamily="49" charset="0"/>
-              </a:rPr>
-              <a:t>uv</a:t>
-            </a:r>
-            <a:r>
-              <a:rPr lang="en-GB" sz="2000" dirty="0">
-                <a:latin typeface="Cascadia Code" panose="020B0609020000020004" pitchFamily="49" charset="0"/>
-                <a:cs typeface="Cascadia Code" panose="020B0609020000020004" pitchFamily="49" charset="0"/>
-              </a:rPr>
-              <a:t>",</a:t>
-            </a:r>
-          </a:p>
-          <a:p>
-            <a:r>
-              <a:rPr lang="en-GB" sz="2000" dirty="0">
-                <a:latin typeface="Cascadia Code" panose="020B0609020000020004" pitchFamily="49" charset="0"/>
-                <a:cs typeface="Cascadia Code" panose="020B0609020000020004" pitchFamily="49" charset="0"/>
-              </a:rPr>
-              <a:t>    </a:t>
-            </a:r>
-            <a:r>
-              <a:rPr lang="en-GB" sz="2000" dirty="0" err="1">
-                <a:latin typeface="Cascadia Code" panose="020B0609020000020004" pitchFamily="49" charset="0"/>
-                <a:cs typeface="Cascadia Code" panose="020B0609020000020004" pitchFamily="49" charset="0"/>
-              </a:rPr>
-              <a:t>args</a:t>
-            </a:r>
-            <a:r>
-              <a:rPr lang="en-GB" sz="2000" dirty="0">
-                <a:latin typeface="Cascadia Code" panose="020B0609020000020004" pitchFamily="49" charset="0"/>
-                <a:cs typeface="Cascadia Code" panose="020B0609020000020004" pitchFamily="49" charset="0"/>
-              </a:rPr>
-              <a:t>=["run", "weather.py"],</a:t>
-            </a:r>
-          </a:p>
-          <a:p>
-            <a:r>
-              <a:rPr lang="en-GB" sz="2000" dirty="0">
-                <a:latin typeface="Cascadia Code" panose="020B0609020000020004" pitchFamily="49" charset="0"/>
-                <a:cs typeface="Cascadia Code" panose="020B0609020000020004" pitchFamily="49" charset="0"/>
-              </a:rPr>
-              <a:t>)</a:t>
-            </a:r>
-          </a:p>
-        </p:txBody>
-      </p:sp>
-    </p:spTree>
-    <p:extLst>
-      <p:ext uri="{BB962C8B-B14F-4D97-AF65-F5344CB8AC3E}">
-        <p14:creationId xmlns:p14="http://schemas.microsoft.com/office/powerpoint/2010/main" val="687420246"/>
-      </p:ext>
-    </p:extLst>
-  </p:cSld>
-  <p:clrMapOvr>
-    <a:masterClrMapping/>
-  </p:clrMapOvr>
-</p:sld>
-</file>
-
-<file path=ppt/slides/slide19.xml><?xml version="1.0" encoding="utf-8"?>
-<p:sld xmlns:a="http://schemas.openxmlformats.org/drawingml/2006/main" xmlns:r="http://schemas.openxmlformats.org/officeDocument/2006/relationships" xmlns:p="http://schemas.openxmlformats.org/presentationml/2006/main">
-  <p:cSld>
-    <p:spTree>
-      <p:nvGrpSpPr>
-        <p:cNvPr id="1" name=""/>
-        <p:cNvGrpSpPr/>
-        <p:nvPr/>
-      </p:nvGrpSpPr>
-      <p:grpSpPr>
-        <a:xfrm>
-          <a:off x="0" y="0"/>
-          <a:ext cx="0" cy="0"/>
-          <a:chOff x="0" y="0"/>
-          <a:chExt cx="0" cy="0"/>
-        </a:xfrm>
-      </p:grpSpPr>
-      <p:sp>
-        <p:nvSpPr>
-          <p:cNvPr id="2" name="Title 1">
-            <a:extLst>
-              <a:ext uri="{FF2B5EF4-FFF2-40B4-BE49-F238E27FC236}">
-                <a16:creationId xmlns:a16="http://schemas.microsoft.com/office/drawing/2014/main" id="{F1DC9548-6CCF-ABA9-0BEE-C49F03FC64B6}"/>
-              </a:ext>
-            </a:extLst>
-          </p:cNvPr>
-          <p:cNvSpPr>
-            <a:spLocks noGrp="1"/>
-          </p:cNvSpPr>
-          <p:nvPr>
-            <p:ph type="title"/>
-          </p:nvPr>
-        </p:nvSpPr>
-        <p:spPr/>
-        <p:txBody>
-          <a:bodyPr/>
-          <a:lstStyle/>
-          <a:p>
-            <a:r>
-              <a:rPr lang="en-IN" dirty="0"/>
-              <a:t>Changing Our MCP Client to Call </a:t>
-            </a:r>
-            <a:r>
-              <a:rPr lang="en-IN" dirty="0" err="1"/>
-              <a:t>AirBnB</a:t>
-            </a:r>
-            <a:r>
-              <a:rPr lang="en-IN" dirty="0"/>
-              <a:t> MCP Server</a:t>
-            </a:r>
-            <a:endParaRPr lang="en-GB" dirty="0"/>
-          </a:p>
-        </p:txBody>
-      </p:sp>
-      <p:sp>
-        <p:nvSpPr>
-          <p:cNvPr id="3" name="Content Placeholder 2">
-            <a:extLst>
-              <a:ext uri="{FF2B5EF4-FFF2-40B4-BE49-F238E27FC236}">
-                <a16:creationId xmlns:a16="http://schemas.microsoft.com/office/drawing/2014/main" id="{7421281B-482A-EBF4-B58B-E6D46F7CC0DD}"/>
-              </a:ext>
-            </a:extLst>
-          </p:cNvPr>
-          <p:cNvSpPr>
-            <a:spLocks noGrp="1"/>
-          </p:cNvSpPr>
-          <p:nvPr>
-            <p:ph idx="1"/>
-          </p:nvPr>
-        </p:nvSpPr>
-        <p:spPr/>
-        <p:txBody>
-          <a:bodyPr>
-            <a:normAutofit/>
-          </a:bodyPr>
-          <a:lstStyle/>
-          <a:p>
-            <a:r>
-              <a:rPr lang="en-IN" dirty="0"/>
-              <a:t>Go to </a:t>
-            </a:r>
-            <a:r>
-              <a:rPr lang="en-IN" dirty="0">
-                <a:hlinkClick r:id="rId2"/>
-              </a:rPr>
-              <a:t>https://github.com/openbnb-org/mcp-server-airbnb</a:t>
-            </a:r>
-            <a:endParaRPr lang="en-IN" dirty="0"/>
-          </a:p>
-          <a:p>
-            <a:r>
-              <a:rPr lang="en-IN" dirty="0"/>
-              <a:t>Look at </a:t>
-            </a:r>
-            <a:r>
-              <a:rPr lang="en-IN" dirty="0" err="1"/>
-              <a:t>mcp.json</a:t>
-            </a:r>
-            <a:endParaRPr lang="en-IN" dirty="0"/>
-          </a:p>
-          <a:p>
-            <a:r>
-              <a:rPr lang="en-IN" dirty="0"/>
-              <a:t>Change our client.py to have this:</a:t>
-            </a:r>
-          </a:p>
-          <a:p>
-            <a:r>
-              <a:rPr lang="en-GB" sz="1800" dirty="0" err="1">
-                <a:latin typeface="Cascadia Code" panose="020B0609020000020004" pitchFamily="49" charset="0"/>
-                <a:cs typeface="Cascadia Code" panose="020B0609020000020004" pitchFamily="49" charset="0"/>
-              </a:rPr>
-              <a:t>server_params</a:t>
-            </a:r>
-            <a:r>
-              <a:rPr lang="en-GB" sz="1800" dirty="0">
-                <a:latin typeface="Cascadia Code" panose="020B0609020000020004" pitchFamily="49" charset="0"/>
-                <a:cs typeface="Cascadia Code" panose="020B0609020000020004" pitchFamily="49" charset="0"/>
-              </a:rPr>
-              <a:t> = </a:t>
-            </a:r>
-            <a:r>
-              <a:rPr lang="en-GB" sz="1800" dirty="0" err="1">
-                <a:latin typeface="Cascadia Code" panose="020B0609020000020004" pitchFamily="49" charset="0"/>
-                <a:cs typeface="Cascadia Code" panose="020B0609020000020004" pitchFamily="49" charset="0"/>
-              </a:rPr>
-              <a:t>StdioServerParameters</a:t>
-            </a:r>
-            <a:r>
-              <a:rPr lang="en-GB" sz="1800" dirty="0">
-                <a:latin typeface="Cascadia Code" panose="020B0609020000020004" pitchFamily="49" charset="0"/>
-                <a:cs typeface="Cascadia Code" panose="020B0609020000020004" pitchFamily="49" charset="0"/>
-              </a:rPr>
-              <a:t>(</a:t>
-            </a:r>
-          </a:p>
-          <a:p>
-            <a:r>
-              <a:rPr lang="en-GB" sz="1800" dirty="0">
-                <a:latin typeface="Cascadia Code" panose="020B0609020000020004" pitchFamily="49" charset="0"/>
-                <a:cs typeface="Cascadia Code" panose="020B0609020000020004" pitchFamily="49" charset="0"/>
-              </a:rPr>
-              <a:t>    command="</a:t>
-            </a:r>
-            <a:r>
-              <a:rPr lang="en-GB" sz="1800" dirty="0" err="1">
-                <a:latin typeface="Cascadia Code" panose="020B0609020000020004" pitchFamily="49" charset="0"/>
-                <a:cs typeface="Cascadia Code" panose="020B0609020000020004" pitchFamily="49" charset="0"/>
-              </a:rPr>
-              <a:t>npx</a:t>
-            </a:r>
-            <a:r>
-              <a:rPr lang="en-GB" sz="1800" dirty="0">
-                <a:latin typeface="Cascadia Code" panose="020B0609020000020004" pitchFamily="49" charset="0"/>
-                <a:cs typeface="Cascadia Code" panose="020B0609020000020004" pitchFamily="49" charset="0"/>
-              </a:rPr>
-              <a:t>",</a:t>
-            </a:r>
-          </a:p>
-          <a:p>
-            <a:r>
-              <a:rPr lang="en-GB" sz="1800" dirty="0">
-                <a:latin typeface="Cascadia Code" panose="020B0609020000020004" pitchFamily="49" charset="0"/>
-                <a:cs typeface="Cascadia Code" panose="020B0609020000020004" pitchFamily="49" charset="0"/>
-              </a:rPr>
-              <a:t>    </a:t>
-            </a:r>
-            <a:r>
-              <a:rPr lang="en-GB" sz="1800" dirty="0" err="1">
-                <a:latin typeface="Cascadia Code" panose="020B0609020000020004" pitchFamily="49" charset="0"/>
-                <a:cs typeface="Cascadia Code" panose="020B0609020000020004" pitchFamily="49" charset="0"/>
-              </a:rPr>
-              <a:t>args</a:t>
-            </a:r>
-            <a:r>
-              <a:rPr lang="en-GB" sz="1800" dirty="0">
-                <a:latin typeface="Cascadia Code" panose="020B0609020000020004" pitchFamily="49" charset="0"/>
-                <a:cs typeface="Cascadia Code" panose="020B0609020000020004" pitchFamily="49" charset="0"/>
-              </a:rPr>
-              <a:t>=["-y", "@</a:t>
-            </a:r>
-            <a:r>
-              <a:rPr lang="en-GB" sz="1800" dirty="0" err="1">
-                <a:latin typeface="Cascadia Code" panose="020B0609020000020004" pitchFamily="49" charset="0"/>
-                <a:cs typeface="Cascadia Code" panose="020B0609020000020004" pitchFamily="49" charset="0"/>
-              </a:rPr>
-              <a:t>openbnb</a:t>
-            </a:r>
-            <a:r>
-              <a:rPr lang="en-GB" sz="1800" dirty="0">
-                <a:latin typeface="Cascadia Code" panose="020B0609020000020004" pitchFamily="49" charset="0"/>
-                <a:cs typeface="Cascadia Code" panose="020B0609020000020004" pitchFamily="49" charset="0"/>
-              </a:rPr>
-              <a:t>/</a:t>
-            </a:r>
-            <a:r>
-              <a:rPr lang="en-GB" sz="1800" dirty="0" err="1">
-                <a:latin typeface="Cascadia Code" panose="020B0609020000020004" pitchFamily="49" charset="0"/>
-                <a:cs typeface="Cascadia Code" panose="020B0609020000020004" pitchFamily="49" charset="0"/>
-              </a:rPr>
-              <a:t>mcp</a:t>
-            </a:r>
-            <a:r>
-              <a:rPr lang="en-GB" sz="1800" dirty="0">
-                <a:latin typeface="Cascadia Code" panose="020B0609020000020004" pitchFamily="49" charset="0"/>
-                <a:cs typeface="Cascadia Code" panose="020B0609020000020004" pitchFamily="49" charset="0"/>
-              </a:rPr>
-              <a:t>-server-</a:t>
-            </a:r>
-            <a:r>
-              <a:rPr lang="en-GB" sz="1800" dirty="0" err="1">
-                <a:latin typeface="Cascadia Code" panose="020B0609020000020004" pitchFamily="49" charset="0"/>
-                <a:cs typeface="Cascadia Code" panose="020B0609020000020004" pitchFamily="49" charset="0"/>
-              </a:rPr>
-              <a:t>airbnb</a:t>
-            </a:r>
-            <a:r>
-              <a:rPr lang="en-GB" sz="1800" dirty="0">
-                <a:latin typeface="Cascadia Code" panose="020B0609020000020004" pitchFamily="49" charset="0"/>
-                <a:cs typeface="Cascadia Code" panose="020B0609020000020004" pitchFamily="49" charset="0"/>
-              </a:rPr>
-              <a:t>", "--ignore-robots-txt"],</a:t>
-            </a:r>
-          </a:p>
-          <a:p>
-            <a:r>
-              <a:rPr lang="en-GB" sz="1800" dirty="0">
-                <a:latin typeface="Cascadia Code" panose="020B0609020000020004" pitchFamily="49" charset="0"/>
-                <a:cs typeface="Cascadia Code" panose="020B0609020000020004" pitchFamily="49" charset="0"/>
-              </a:rPr>
-              <a:t>)</a:t>
-            </a:r>
-          </a:p>
-          <a:p>
-            <a:r>
-              <a:rPr lang="en-IN" dirty="0"/>
-              <a:t>Run: </a:t>
-            </a:r>
-            <a:r>
-              <a:rPr lang="fr-FR" dirty="0"/>
-              <a:t>(client) PS C:\code\agenticai\6_mcp\client</a:t>
-            </a:r>
-            <a:r>
-              <a:rPr lang="en-IN" dirty="0"/>
-              <a:t>&gt; </a:t>
-            </a:r>
-            <a:r>
-              <a:rPr lang="en-IN" dirty="0" err="1"/>
-              <a:t>uv</a:t>
-            </a:r>
-            <a:r>
-              <a:rPr lang="en-IN" dirty="0"/>
-              <a:t> run client.py</a:t>
-            </a:r>
-          </a:p>
-          <a:p>
-            <a:r>
-              <a:rPr lang="en-IN" dirty="0"/>
-              <a:t>This would install </a:t>
-            </a:r>
-            <a:r>
-              <a:rPr lang="en-IN" dirty="0" err="1"/>
-              <a:t>AirBnB</a:t>
-            </a:r>
-            <a:r>
-              <a:rPr lang="en-IN" dirty="0"/>
-              <a:t> MCP server and call it through our client</a:t>
-            </a:r>
-          </a:p>
-          <a:p>
-            <a:endParaRPr lang="en-GB" dirty="0"/>
-          </a:p>
-        </p:txBody>
-      </p:sp>
-    </p:spTree>
-    <p:extLst>
-      <p:ext uri="{BB962C8B-B14F-4D97-AF65-F5344CB8AC3E}">
-        <p14:creationId xmlns:p14="http://schemas.microsoft.com/office/powerpoint/2010/main" val="1610532498"/>
+        <p14:creationId xmlns:p14="http://schemas.microsoft.com/office/powerpoint/2010/main" val="3823104943"/>
       </p:ext>
     </p:extLst>
   </p:cSld>
@@ -7465,3584 +6260,7 @@
     </p:spTree>
     <p:extLst>
       <p:ext uri="{BB962C8B-B14F-4D97-AF65-F5344CB8AC3E}">
-        <p14:creationId xmlns:p14="http://schemas.microsoft.com/office/powerpoint/2010/main" val="3209521296"/>
-      </p:ext>
-    </p:extLst>
-  </p:cSld>
-  <p:clrMapOvr>
-    <a:masterClrMapping/>
-  </p:clrMapOvr>
-</p:sld>
-</file>
-
-<file path=ppt/slides/slide20.xml><?xml version="1.0" encoding="utf-8"?>
-<p:sld xmlns:a="http://schemas.openxmlformats.org/drawingml/2006/main" xmlns:r="http://schemas.openxmlformats.org/officeDocument/2006/relationships" xmlns:p="http://schemas.openxmlformats.org/presentationml/2006/main">
-  <p:cSld>
-    <p:spTree>
-      <p:nvGrpSpPr>
-        <p:cNvPr id="1" name="">
-          <a:extLst>
-            <a:ext uri="{FF2B5EF4-FFF2-40B4-BE49-F238E27FC236}">
-              <a16:creationId xmlns:a16="http://schemas.microsoft.com/office/drawing/2014/main" id="{17AA7E49-7DB8-BFB1-1EE5-E121A8F468BB}"/>
-            </a:ext>
-          </a:extLst>
-        </p:cNvPr>
-        <p:cNvGrpSpPr/>
-        <p:nvPr/>
-      </p:nvGrpSpPr>
-      <p:grpSpPr>
-        <a:xfrm>
-          <a:off x="0" y="0"/>
-          <a:ext cx="0" cy="0"/>
-          <a:chOff x="0" y="0"/>
-          <a:chExt cx="0" cy="0"/>
-        </a:xfrm>
-      </p:grpSpPr>
-      <p:sp>
-        <p:nvSpPr>
-          <p:cNvPr id="2" name="Title 1">
-            <a:extLst>
-              <a:ext uri="{FF2B5EF4-FFF2-40B4-BE49-F238E27FC236}">
-                <a16:creationId xmlns:a16="http://schemas.microsoft.com/office/drawing/2014/main" id="{781A6A39-AC00-1DF3-484D-F14890ACCE38}"/>
-              </a:ext>
-            </a:extLst>
-          </p:cNvPr>
-          <p:cNvSpPr>
-            <a:spLocks noGrp="1"/>
-          </p:cNvSpPr>
-          <p:nvPr>
-            <p:ph type="title"/>
-          </p:nvPr>
-        </p:nvSpPr>
-        <p:spPr/>
-        <p:txBody>
-          <a:bodyPr/>
-          <a:lstStyle/>
-          <a:p>
-            <a:r>
-              <a:rPr lang="en-IN" dirty="0"/>
-              <a:t>Calling an </a:t>
-            </a:r>
-            <a:r>
-              <a:rPr lang="en-IN" dirty="0" err="1"/>
-              <a:t>AirBnB</a:t>
-            </a:r>
-            <a:r>
-              <a:rPr lang="en-IN" dirty="0"/>
-              <a:t> Tool From Our Client</a:t>
-            </a:r>
-            <a:endParaRPr lang="en-GB" dirty="0"/>
-          </a:p>
-        </p:txBody>
-      </p:sp>
-      <p:sp>
-        <p:nvSpPr>
-          <p:cNvPr id="3" name="Content Placeholder 2">
-            <a:extLst>
-              <a:ext uri="{FF2B5EF4-FFF2-40B4-BE49-F238E27FC236}">
-                <a16:creationId xmlns:a16="http://schemas.microsoft.com/office/drawing/2014/main" id="{A3750C46-0ED2-F641-4276-3AD65756B7AF}"/>
-              </a:ext>
-            </a:extLst>
-          </p:cNvPr>
-          <p:cNvSpPr>
-            <a:spLocks noGrp="1"/>
-          </p:cNvSpPr>
-          <p:nvPr>
-            <p:ph idx="1"/>
-          </p:nvPr>
-        </p:nvSpPr>
-        <p:spPr/>
-        <p:txBody>
-          <a:bodyPr>
-            <a:normAutofit/>
-          </a:bodyPr>
-          <a:lstStyle/>
-          <a:p>
-            <a:r>
-              <a:rPr lang="en-IN" dirty="0"/>
-              <a:t>Change the call from </a:t>
-            </a:r>
-            <a:r>
-              <a:rPr lang="en-IN" dirty="0" err="1"/>
-              <a:t>get_weather</a:t>
-            </a:r>
-            <a:r>
-              <a:rPr lang="en-IN" dirty="0"/>
-              <a:t> to </a:t>
-            </a:r>
-            <a:r>
-              <a:rPr lang="en-IN" dirty="0" err="1"/>
-              <a:t>airbnb_search</a:t>
-            </a:r>
-            <a:endParaRPr lang="en-IN" dirty="0"/>
-          </a:p>
-          <a:p>
-            <a:r>
-              <a:rPr lang="en-IN" dirty="0"/>
-              <a:t>No need to change arguments, because </a:t>
-            </a:r>
-            <a:r>
-              <a:rPr lang="en-IN" dirty="0" err="1"/>
-              <a:t>AirBnB</a:t>
-            </a:r>
-            <a:r>
-              <a:rPr lang="en-IN" dirty="0"/>
-              <a:t> MCP server has the same argument (See https://github.com/openbnb-org/mcp-server-airbnb)</a:t>
-            </a:r>
-          </a:p>
-          <a:p>
-            <a:endParaRPr lang="en-US" sz="1600" dirty="0">
-              <a:latin typeface="Cascadia Code" panose="020B0609020000020004" pitchFamily="49" charset="0"/>
-              <a:cs typeface="Cascadia Code" panose="020B0609020000020004" pitchFamily="49" charset="0"/>
-            </a:endParaRPr>
-          </a:p>
-          <a:p>
-            <a:pPr marL="0" indent="0">
-              <a:buNone/>
-            </a:pPr>
-            <a:r>
-              <a:rPr lang="en-US" sz="1600" dirty="0">
-                <a:latin typeface="Cascadia Code" panose="020B0609020000020004" pitchFamily="49" charset="0"/>
-                <a:cs typeface="Cascadia Code" panose="020B0609020000020004" pitchFamily="49" charset="0"/>
-              </a:rPr>
-              <a:t>print("Calling tool...")</a:t>
-            </a:r>
-          </a:p>
-          <a:p>
-            <a:pPr marL="0" indent="0">
-              <a:buNone/>
-            </a:pPr>
-            <a:r>
-              <a:rPr lang="en-US" sz="1600" dirty="0">
-                <a:latin typeface="Cascadia Code" panose="020B0609020000020004" pitchFamily="49" charset="0"/>
-                <a:cs typeface="Cascadia Code" panose="020B0609020000020004" pitchFamily="49" charset="0"/>
-              </a:rPr>
-              <a:t>result = await </a:t>
-            </a:r>
-            <a:r>
-              <a:rPr lang="en-US" sz="1600" dirty="0" err="1">
-                <a:latin typeface="Cascadia Code" panose="020B0609020000020004" pitchFamily="49" charset="0"/>
-                <a:cs typeface="Cascadia Code" panose="020B0609020000020004" pitchFamily="49" charset="0"/>
-              </a:rPr>
-              <a:t>session.call_tool</a:t>
-            </a:r>
-            <a:r>
-              <a:rPr lang="en-US" sz="1600" dirty="0">
-                <a:latin typeface="Cascadia Code" panose="020B0609020000020004" pitchFamily="49" charset="0"/>
-                <a:cs typeface="Cascadia Code" panose="020B0609020000020004" pitchFamily="49" charset="0"/>
-              </a:rPr>
-              <a:t>("</a:t>
-            </a:r>
-            <a:r>
-              <a:rPr lang="en-US" sz="1600" b="1" dirty="0" err="1">
-                <a:solidFill>
-                  <a:srgbClr val="FF0000"/>
-                </a:solidFill>
-                <a:latin typeface="Cascadia Code" panose="020B0609020000020004" pitchFamily="49" charset="0"/>
-                <a:cs typeface="Cascadia Code" panose="020B0609020000020004" pitchFamily="49" charset="0"/>
-              </a:rPr>
-              <a:t>airbnb_search</a:t>
-            </a:r>
-            <a:r>
-              <a:rPr lang="en-US" sz="1600" dirty="0">
-                <a:latin typeface="Cascadia Code" panose="020B0609020000020004" pitchFamily="49" charset="0"/>
-                <a:cs typeface="Cascadia Code" panose="020B0609020000020004" pitchFamily="49" charset="0"/>
-              </a:rPr>
-              <a:t>", arguments={"location": "Mumbai"})</a:t>
-            </a:r>
-          </a:p>
-          <a:p>
-            <a:pPr marL="0" indent="0">
-              <a:buNone/>
-            </a:pPr>
-            <a:r>
-              <a:rPr lang="en-US" sz="1600" dirty="0">
-                <a:latin typeface="Cascadia Code" panose="020B0609020000020004" pitchFamily="49" charset="0"/>
-                <a:cs typeface="Cascadia Code" panose="020B0609020000020004" pitchFamily="49" charset="0"/>
-              </a:rPr>
-              <a:t>print("Tool result:", result)</a:t>
-            </a:r>
-            <a:endParaRPr lang="en-US" dirty="0">
-              <a:latin typeface="Cascadia Code" panose="020B0609020000020004" pitchFamily="49" charset="0"/>
-              <a:cs typeface="Cascadia Code" panose="020B0609020000020004" pitchFamily="49" charset="0"/>
-            </a:endParaRPr>
-          </a:p>
-          <a:p>
-            <a:endParaRPr lang="en-GB" dirty="0"/>
-          </a:p>
-          <a:p>
-            <a:r>
-              <a:rPr lang="en-IN" dirty="0"/>
-              <a:t>Run: </a:t>
-            </a:r>
-            <a:r>
-              <a:rPr lang="fr-FR" dirty="0"/>
-              <a:t>(client) PS C:\code\agenticai\6_mcp\client</a:t>
-            </a:r>
-            <a:r>
-              <a:rPr lang="en-IN" dirty="0"/>
-              <a:t>&gt; </a:t>
-            </a:r>
-            <a:r>
-              <a:rPr lang="en-IN" dirty="0" err="1"/>
-              <a:t>uv</a:t>
-            </a:r>
-            <a:r>
-              <a:rPr lang="en-IN" dirty="0"/>
-              <a:t> run client.py</a:t>
-            </a:r>
-            <a:endParaRPr lang="en-GB" dirty="0"/>
-          </a:p>
-        </p:txBody>
-      </p:sp>
-    </p:spTree>
-    <p:extLst>
-      <p:ext uri="{BB962C8B-B14F-4D97-AF65-F5344CB8AC3E}">
-        <p14:creationId xmlns:p14="http://schemas.microsoft.com/office/powerpoint/2010/main" val="2089411429"/>
-      </p:ext>
-    </p:extLst>
-  </p:cSld>
-  <p:clrMapOvr>
-    <a:masterClrMapping/>
-  </p:clrMapOvr>
-</p:sld>
-</file>
-
-<file path=ppt/slides/slide21.xml><?xml version="1.0" encoding="utf-8"?>
-<p:sld xmlns:a="http://schemas.openxmlformats.org/drawingml/2006/main" xmlns:r="http://schemas.openxmlformats.org/officeDocument/2006/relationships" xmlns:p="http://schemas.openxmlformats.org/presentationml/2006/main">
-  <p:cSld>
-    <p:spTree>
-      <p:nvGrpSpPr>
-        <p:cNvPr id="1" name=""/>
-        <p:cNvGrpSpPr/>
-        <p:nvPr/>
-      </p:nvGrpSpPr>
-      <p:grpSpPr>
-        <a:xfrm>
-          <a:off x="0" y="0"/>
-          <a:ext cx="0" cy="0"/>
-          <a:chOff x="0" y="0"/>
-          <a:chExt cx="0" cy="0"/>
-        </a:xfrm>
-      </p:grpSpPr>
-      <p:sp>
-        <p:nvSpPr>
-          <p:cNvPr id="2" name="Title 1">
-            <a:extLst>
-              <a:ext uri="{FF2B5EF4-FFF2-40B4-BE49-F238E27FC236}">
-                <a16:creationId xmlns:a16="http://schemas.microsoft.com/office/drawing/2014/main" id="{D524866A-7F04-A4BF-82A4-01D0A8863967}"/>
-              </a:ext>
-            </a:extLst>
-          </p:cNvPr>
-          <p:cNvSpPr>
-            <a:spLocks noGrp="1"/>
-          </p:cNvSpPr>
-          <p:nvPr>
-            <p:ph type="title"/>
-          </p:nvPr>
-        </p:nvSpPr>
-        <p:spPr/>
-        <p:txBody>
-          <a:bodyPr/>
-          <a:lstStyle/>
-          <a:p>
-            <a:r>
-              <a:rPr lang="en-IN" dirty="0"/>
-              <a:t>Accessing Local Files Using MCP</a:t>
-            </a:r>
-            <a:endParaRPr lang="en-GB" dirty="0"/>
-          </a:p>
-        </p:txBody>
-      </p:sp>
-      <p:sp>
-        <p:nvSpPr>
-          <p:cNvPr id="3" name="Content Placeholder 2">
-            <a:extLst>
-              <a:ext uri="{FF2B5EF4-FFF2-40B4-BE49-F238E27FC236}">
-                <a16:creationId xmlns:a16="http://schemas.microsoft.com/office/drawing/2014/main" id="{D11F0AB8-A1EE-092F-FFC6-F6D00EC8EA43}"/>
-              </a:ext>
-            </a:extLst>
-          </p:cNvPr>
-          <p:cNvSpPr>
-            <a:spLocks noGrp="1"/>
-          </p:cNvSpPr>
-          <p:nvPr>
-            <p:ph idx="1"/>
-          </p:nvPr>
-        </p:nvSpPr>
-        <p:spPr/>
-        <p:txBody>
-          <a:bodyPr>
-            <a:normAutofit fontScale="92500" lnSpcReduction="10000"/>
-          </a:bodyPr>
-          <a:lstStyle/>
-          <a:p>
-            <a:r>
-              <a:rPr lang="en-IN" dirty="0"/>
-              <a:t>Create a new directory C:\code\agenticai\6_mcp\mcp_local_file</a:t>
-            </a:r>
-          </a:p>
-          <a:p>
-            <a:r>
-              <a:rPr lang="en-IN" dirty="0"/>
-              <a:t>Deactivate virtual environment: </a:t>
-            </a:r>
-            <a:r>
-              <a:rPr lang="en-US" dirty="0"/>
-              <a:t>(client) PS C:\code\agenticai\6_mcp\client&gt; deactivate</a:t>
-            </a:r>
-          </a:p>
-          <a:p>
-            <a:r>
-              <a:rPr lang="fr-FR" dirty="0"/>
-              <a:t>PS C:\code\agenticai\6_mcp&gt; cd ..\</a:t>
-            </a:r>
-            <a:r>
-              <a:rPr lang="fr-FR" dirty="0" err="1"/>
-              <a:t>mcp_local_file</a:t>
-            </a:r>
-            <a:endParaRPr lang="fr-FR" dirty="0"/>
-          </a:p>
-          <a:p>
-            <a:r>
-              <a:rPr lang="fr-FR" dirty="0"/>
-              <a:t>PS C:\code\agenticai\6_mcp\mcp_local_file &gt; </a:t>
-            </a:r>
-            <a:r>
-              <a:rPr lang="fr-FR" dirty="0" err="1"/>
-              <a:t>uv</a:t>
-            </a:r>
-            <a:r>
-              <a:rPr lang="fr-FR" dirty="0"/>
-              <a:t> </a:t>
-            </a:r>
-            <a:r>
-              <a:rPr lang="fr-FR" dirty="0" err="1"/>
-              <a:t>venv</a:t>
-            </a:r>
-            <a:endParaRPr lang="en-IN" dirty="0"/>
-          </a:p>
-          <a:p>
-            <a:r>
-              <a:rPr lang="fr-FR" dirty="0"/>
-              <a:t>PS C:\code\agenticai\6_mcp\mcp_local_file &gt; </a:t>
-            </a:r>
-            <a:r>
-              <a:rPr lang="fr-FR" dirty="0" err="1"/>
-              <a:t>uv</a:t>
-            </a:r>
-            <a:r>
-              <a:rPr lang="fr-FR" dirty="0"/>
-              <a:t> init</a:t>
-            </a:r>
-          </a:p>
-          <a:p>
-            <a:r>
-              <a:rPr lang="fr-FR" dirty="0"/>
-              <a:t>PS C:\code\agenticai\6_mcp\mcp_local_file &gt;  .\.</a:t>
-            </a:r>
-            <a:r>
-              <a:rPr lang="fr-FR" dirty="0" err="1"/>
-              <a:t>venv</a:t>
-            </a:r>
-            <a:r>
-              <a:rPr lang="fr-FR" dirty="0"/>
-              <a:t>\Scripts\</a:t>
-            </a:r>
-            <a:r>
-              <a:rPr lang="fr-FR" dirty="0" err="1"/>
-              <a:t>activate</a:t>
-            </a:r>
-            <a:endParaRPr lang="fr-FR" dirty="0"/>
-          </a:p>
-          <a:p>
-            <a:r>
-              <a:rPr lang="fr-FR" dirty="0"/>
-              <a:t>(</a:t>
-            </a:r>
-            <a:r>
-              <a:rPr lang="fr-FR" dirty="0" err="1"/>
-              <a:t>mcp_local_file</a:t>
-            </a:r>
-            <a:r>
-              <a:rPr lang="fr-FR" dirty="0"/>
-              <a:t>) PS C:\code\agenticai\6_mcp\mcp_local_file&gt;  </a:t>
-            </a:r>
-            <a:r>
-              <a:rPr lang="fr-FR" dirty="0" err="1"/>
-              <a:t>uv</a:t>
-            </a:r>
-            <a:r>
-              <a:rPr lang="fr-FR" dirty="0"/>
-              <a:t> </a:t>
-            </a:r>
-            <a:r>
-              <a:rPr lang="fr-FR" dirty="0" err="1"/>
-              <a:t>add</a:t>
-            </a:r>
-            <a:r>
-              <a:rPr lang="fr-FR" dirty="0"/>
-              <a:t> </a:t>
-            </a:r>
-            <a:r>
-              <a:rPr lang="fr-FR" dirty="0" err="1"/>
-              <a:t>mcp</a:t>
-            </a:r>
-            <a:r>
-              <a:rPr lang="fr-FR" dirty="0"/>
-              <a:t>[cli]</a:t>
-            </a:r>
-          </a:p>
-          <a:p>
-            <a:r>
-              <a:rPr lang="fr-FR" dirty="0" err="1"/>
-              <a:t>Create</a:t>
-            </a:r>
-            <a:r>
-              <a:rPr lang="fr-FR" dirty="0"/>
-              <a:t> *local.py and *notes.txt in the </a:t>
-            </a:r>
-            <a:r>
-              <a:rPr lang="fr-FR" dirty="0" err="1"/>
-              <a:t>mcp_local_file</a:t>
-            </a:r>
-            <a:r>
-              <a:rPr lang="fr-FR" dirty="0"/>
-              <a:t> directory</a:t>
-            </a:r>
-          </a:p>
-          <a:p>
-            <a:endParaRPr lang="en-GB" dirty="0"/>
-          </a:p>
-        </p:txBody>
-      </p:sp>
-    </p:spTree>
-    <p:extLst>
-      <p:ext uri="{BB962C8B-B14F-4D97-AF65-F5344CB8AC3E}">
-        <p14:creationId xmlns:p14="http://schemas.microsoft.com/office/powerpoint/2010/main" val="4074828378"/>
-      </p:ext>
-    </p:extLst>
-  </p:cSld>
-  <p:clrMapOvr>
-    <a:masterClrMapping/>
-  </p:clrMapOvr>
-</p:sld>
-</file>
-
-<file path=ppt/slides/slide22.xml><?xml version="1.0" encoding="utf-8"?>
-<p:sld xmlns:a="http://schemas.openxmlformats.org/drawingml/2006/main" xmlns:r="http://schemas.openxmlformats.org/officeDocument/2006/relationships" xmlns:p="http://schemas.openxmlformats.org/presentationml/2006/main">
-  <p:cSld>
-    <p:spTree>
-      <p:nvGrpSpPr>
-        <p:cNvPr id="1" name=""/>
-        <p:cNvGrpSpPr/>
-        <p:nvPr/>
-      </p:nvGrpSpPr>
-      <p:grpSpPr>
-        <a:xfrm>
-          <a:off x="0" y="0"/>
-          <a:ext cx="0" cy="0"/>
-          <a:chOff x="0" y="0"/>
-          <a:chExt cx="0" cy="0"/>
-        </a:xfrm>
-      </p:grpSpPr>
-      <p:sp>
-        <p:nvSpPr>
-          <p:cNvPr id="2" name="Title 1">
-            <a:extLst>
-              <a:ext uri="{FF2B5EF4-FFF2-40B4-BE49-F238E27FC236}">
-                <a16:creationId xmlns:a16="http://schemas.microsoft.com/office/drawing/2014/main" id="{7A78C5E9-A959-B911-4CB5-130EA03EB3B8}"/>
-              </a:ext>
-            </a:extLst>
-          </p:cNvPr>
-          <p:cNvSpPr>
-            <a:spLocks noGrp="1"/>
-          </p:cNvSpPr>
-          <p:nvPr>
-            <p:ph type="title"/>
-          </p:nvPr>
-        </p:nvSpPr>
-        <p:spPr/>
-        <p:txBody>
-          <a:bodyPr/>
-          <a:lstStyle/>
-          <a:p>
-            <a:r>
-              <a:rPr lang="en-IN" dirty="0"/>
-              <a:t>local.py</a:t>
-            </a:r>
-            <a:endParaRPr lang="en-GB" dirty="0"/>
-          </a:p>
-        </p:txBody>
-      </p:sp>
-      <p:sp>
-        <p:nvSpPr>
-          <p:cNvPr id="3" name="Content Placeholder 2">
-            <a:extLst>
-              <a:ext uri="{FF2B5EF4-FFF2-40B4-BE49-F238E27FC236}">
-                <a16:creationId xmlns:a16="http://schemas.microsoft.com/office/drawing/2014/main" id="{219BD1EE-34FD-39F2-0A7E-83C23900169A}"/>
-              </a:ext>
-            </a:extLst>
-          </p:cNvPr>
-          <p:cNvSpPr>
-            <a:spLocks noGrp="1"/>
-          </p:cNvSpPr>
-          <p:nvPr>
-            <p:ph idx="1"/>
-          </p:nvPr>
-        </p:nvSpPr>
-        <p:spPr/>
-        <p:txBody>
-          <a:bodyPr>
-            <a:normAutofit fontScale="25000" lnSpcReduction="20000"/>
-          </a:bodyPr>
-          <a:lstStyle/>
-          <a:p>
-            <a:r>
-              <a:rPr lang="en-GB" dirty="0">
-                <a:latin typeface="Cascadia Code" panose="020B0609020000020004" pitchFamily="49" charset="0"/>
-                <a:cs typeface="Cascadia Code" panose="020B0609020000020004" pitchFamily="49" charset="0"/>
-              </a:rPr>
-              <a:t>from </a:t>
-            </a:r>
-            <a:r>
-              <a:rPr lang="en-GB" dirty="0" err="1">
-                <a:latin typeface="Cascadia Code" panose="020B0609020000020004" pitchFamily="49" charset="0"/>
-                <a:cs typeface="Cascadia Code" panose="020B0609020000020004" pitchFamily="49" charset="0"/>
-              </a:rPr>
-              <a:t>mcp.server.fastmcp</a:t>
-            </a:r>
-            <a:r>
-              <a:rPr lang="en-GB" dirty="0">
-                <a:latin typeface="Cascadia Code" panose="020B0609020000020004" pitchFamily="49" charset="0"/>
-                <a:cs typeface="Cascadia Code" panose="020B0609020000020004" pitchFamily="49" charset="0"/>
-              </a:rPr>
-              <a:t> import </a:t>
-            </a:r>
-            <a:r>
-              <a:rPr lang="en-GB" dirty="0" err="1">
-                <a:latin typeface="Cascadia Code" panose="020B0609020000020004" pitchFamily="49" charset="0"/>
-                <a:cs typeface="Cascadia Code" panose="020B0609020000020004" pitchFamily="49" charset="0"/>
-              </a:rPr>
-              <a:t>FastMCP</a:t>
-            </a:r>
-            <a:endParaRPr lang="en-GB" dirty="0">
-              <a:latin typeface="Cascadia Code" panose="020B0609020000020004" pitchFamily="49" charset="0"/>
-              <a:cs typeface="Cascadia Code" panose="020B0609020000020004" pitchFamily="49" charset="0"/>
-            </a:endParaRPr>
-          </a:p>
-          <a:p>
-            <a:br>
-              <a:rPr lang="en-GB" dirty="0">
-                <a:latin typeface="Cascadia Code" panose="020B0609020000020004" pitchFamily="49" charset="0"/>
-                <a:cs typeface="Cascadia Code" panose="020B0609020000020004" pitchFamily="49" charset="0"/>
-              </a:rPr>
-            </a:br>
-            <a:endParaRPr lang="en-GB" dirty="0">
-              <a:latin typeface="Cascadia Code" panose="020B0609020000020004" pitchFamily="49" charset="0"/>
-              <a:cs typeface="Cascadia Code" panose="020B0609020000020004" pitchFamily="49" charset="0"/>
-            </a:endParaRPr>
-          </a:p>
-          <a:p>
-            <a:r>
-              <a:rPr lang="en-GB" dirty="0" err="1">
-                <a:latin typeface="Cascadia Code" panose="020B0609020000020004" pitchFamily="49" charset="0"/>
-                <a:cs typeface="Cascadia Code" panose="020B0609020000020004" pitchFamily="49" charset="0"/>
-              </a:rPr>
-              <a:t>mcp</a:t>
-            </a:r>
-            <a:r>
-              <a:rPr lang="en-GB" dirty="0">
-                <a:latin typeface="Cascadia Code" panose="020B0609020000020004" pitchFamily="49" charset="0"/>
-                <a:cs typeface="Cascadia Code" panose="020B0609020000020004" pitchFamily="49" charset="0"/>
-              </a:rPr>
-              <a:t> = </a:t>
-            </a:r>
-            <a:r>
-              <a:rPr lang="en-GB" dirty="0" err="1">
-                <a:latin typeface="Cascadia Code" panose="020B0609020000020004" pitchFamily="49" charset="0"/>
-                <a:cs typeface="Cascadia Code" panose="020B0609020000020004" pitchFamily="49" charset="0"/>
-              </a:rPr>
-              <a:t>FastMCP</a:t>
-            </a:r>
-            <a:r>
-              <a:rPr lang="en-GB" dirty="0">
-                <a:latin typeface="Cascadia Code" panose="020B0609020000020004" pitchFamily="49" charset="0"/>
-                <a:cs typeface="Cascadia Code" panose="020B0609020000020004" pitchFamily="49" charset="0"/>
-              </a:rPr>
-              <a:t>("</a:t>
-            </a:r>
-            <a:r>
-              <a:rPr lang="en-GB" dirty="0" err="1">
-                <a:latin typeface="Cascadia Code" panose="020B0609020000020004" pitchFamily="49" charset="0"/>
-                <a:cs typeface="Cascadia Code" panose="020B0609020000020004" pitchFamily="49" charset="0"/>
-              </a:rPr>
-              <a:t>LocalNotes</a:t>
-            </a:r>
-            <a:r>
-              <a:rPr lang="en-GB" dirty="0">
-                <a:latin typeface="Cascadia Code" panose="020B0609020000020004" pitchFamily="49" charset="0"/>
-                <a:cs typeface="Cascadia Code" panose="020B0609020000020004" pitchFamily="49" charset="0"/>
-              </a:rPr>
-              <a:t>")</a:t>
-            </a:r>
-          </a:p>
-          <a:p>
-            <a:br>
-              <a:rPr lang="en-GB" dirty="0">
-                <a:latin typeface="Cascadia Code" panose="020B0609020000020004" pitchFamily="49" charset="0"/>
-                <a:cs typeface="Cascadia Code" panose="020B0609020000020004" pitchFamily="49" charset="0"/>
-              </a:rPr>
-            </a:br>
-            <a:endParaRPr lang="en-GB" dirty="0">
-              <a:latin typeface="Cascadia Code" panose="020B0609020000020004" pitchFamily="49" charset="0"/>
-              <a:cs typeface="Cascadia Code" panose="020B0609020000020004" pitchFamily="49" charset="0"/>
-            </a:endParaRPr>
-          </a:p>
-          <a:p>
-            <a:r>
-              <a:rPr lang="en-GB" dirty="0">
-                <a:latin typeface="Cascadia Code" panose="020B0609020000020004" pitchFamily="49" charset="0"/>
-                <a:cs typeface="Cascadia Code" panose="020B0609020000020004" pitchFamily="49" charset="0"/>
-              </a:rPr>
-              <a:t>@mcp.tool()</a:t>
-            </a:r>
-          </a:p>
-          <a:p>
-            <a:r>
-              <a:rPr lang="en-GB" dirty="0">
-                <a:latin typeface="Cascadia Code" panose="020B0609020000020004" pitchFamily="49" charset="0"/>
-                <a:cs typeface="Cascadia Code" panose="020B0609020000020004" pitchFamily="49" charset="0"/>
-              </a:rPr>
-              <a:t>def </a:t>
-            </a:r>
-            <a:r>
-              <a:rPr lang="en-GB" dirty="0" err="1">
-                <a:latin typeface="Cascadia Code" panose="020B0609020000020004" pitchFamily="49" charset="0"/>
-                <a:cs typeface="Cascadia Code" panose="020B0609020000020004" pitchFamily="49" charset="0"/>
-              </a:rPr>
-              <a:t>add_note_to_file</a:t>
-            </a:r>
-            <a:r>
-              <a:rPr lang="en-GB" dirty="0">
-                <a:latin typeface="Cascadia Code" panose="020B0609020000020004" pitchFamily="49" charset="0"/>
-                <a:cs typeface="Cascadia Code" panose="020B0609020000020004" pitchFamily="49" charset="0"/>
-              </a:rPr>
-              <a:t>(content: str) -&gt; str:</a:t>
-            </a:r>
-          </a:p>
-          <a:p>
-            <a:r>
-              <a:rPr lang="en-GB" dirty="0">
-                <a:latin typeface="Cascadia Code" panose="020B0609020000020004" pitchFamily="49" charset="0"/>
-                <a:cs typeface="Cascadia Code" panose="020B0609020000020004" pitchFamily="49" charset="0"/>
-              </a:rPr>
-              <a:t>    """</a:t>
-            </a:r>
-          </a:p>
-          <a:p>
-            <a:r>
-              <a:rPr lang="en-GB" dirty="0">
-                <a:latin typeface="Cascadia Code" panose="020B0609020000020004" pitchFamily="49" charset="0"/>
-                <a:cs typeface="Cascadia Code" panose="020B0609020000020004" pitchFamily="49" charset="0"/>
-              </a:rPr>
-              <a:t>    Appends the given content to the user's local notes.</a:t>
-            </a:r>
-          </a:p>
-          <a:p>
-            <a:r>
-              <a:rPr lang="en-GB" dirty="0">
-                <a:latin typeface="Cascadia Code" panose="020B0609020000020004" pitchFamily="49" charset="0"/>
-                <a:cs typeface="Cascadia Code" panose="020B0609020000020004" pitchFamily="49" charset="0"/>
-              </a:rPr>
-              <a:t>    </a:t>
-            </a:r>
-            <a:r>
-              <a:rPr lang="en-GB" dirty="0" err="1">
-                <a:latin typeface="Cascadia Code" panose="020B0609020000020004" pitchFamily="49" charset="0"/>
-                <a:cs typeface="Cascadia Code" panose="020B0609020000020004" pitchFamily="49" charset="0"/>
-              </a:rPr>
-              <a:t>Args</a:t>
-            </a:r>
-            <a:r>
-              <a:rPr lang="en-GB" dirty="0">
-                <a:latin typeface="Cascadia Code" panose="020B0609020000020004" pitchFamily="49" charset="0"/>
-                <a:cs typeface="Cascadia Code" panose="020B0609020000020004" pitchFamily="49" charset="0"/>
-              </a:rPr>
-              <a:t>:</a:t>
-            </a:r>
-          </a:p>
-          <a:p>
-            <a:r>
-              <a:rPr lang="en-GB" dirty="0">
-                <a:latin typeface="Cascadia Code" panose="020B0609020000020004" pitchFamily="49" charset="0"/>
-                <a:cs typeface="Cascadia Code" panose="020B0609020000020004" pitchFamily="49" charset="0"/>
-              </a:rPr>
-              <a:t>        content: The text content to append.</a:t>
-            </a:r>
-          </a:p>
-          <a:p>
-            <a:r>
-              <a:rPr lang="en-GB" dirty="0">
-                <a:latin typeface="Cascadia Code" panose="020B0609020000020004" pitchFamily="49" charset="0"/>
-                <a:cs typeface="Cascadia Code" panose="020B0609020000020004" pitchFamily="49" charset="0"/>
-              </a:rPr>
-              <a:t>    """</a:t>
-            </a:r>
-          </a:p>
-          <a:p>
-            <a:br>
-              <a:rPr lang="en-GB" dirty="0">
-                <a:latin typeface="Cascadia Code" panose="020B0609020000020004" pitchFamily="49" charset="0"/>
-                <a:cs typeface="Cascadia Code" panose="020B0609020000020004" pitchFamily="49" charset="0"/>
-              </a:rPr>
-            </a:br>
-            <a:endParaRPr lang="en-GB" dirty="0">
-              <a:latin typeface="Cascadia Code" panose="020B0609020000020004" pitchFamily="49" charset="0"/>
-              <a:cs typeface="Cascadia Code" panose="020B0609020000020004" pitchFamily="49" charset="0"/>
-            </a:endParaRPr>
-          </a:p>
-          <a:p>
-            <a:r>
-              <a:rPr lang="en-GB" dirty="0">
-                <a:latin typeface="Cascadia Code" panose="020B0609020000020004" pitchFamily="49" charset="0"/>
-                <a:cs typeface="Cascadia Code" panose="020B0609020000020004" pitchFamily="49" charset="0"/>
-              </a:rPr>
-              <a:t>    filename = 'notes.txt'</a:t>
-            </a:r>
-          </a:p>
-          <a:p>
-            <a:br>
-              <a:rPr lang="en-GB" dirty="0">
-                <a:latin typeface="Cascadia Code" panose="020B0609020000020004" pitchFamily="49" charset="0"/>
-                <a:cs typeface="Cascadia Code" panose="020B0609020000020004" pitchFamily="49" charset="0"/>
-              </a:rPr>
-            </a:br>
-            <a:endParaRPr lang="en-GB" dirty="0">
-              <a:latin typeface="Cascadia Code" panose="020B0609020000020004" pitchFamily="49" charset="0"/>
-              <a:cs typeface="Cascadia Code" panose="020B0609020000020004" pitchFamily="49" charset="0"/>
-            </a:endParaRPr>
-          </a:p>
-          <a:p>
-            <a:r>
-              <a:rPr lang="en-GB" dirty="0">
-                <a:latin typeface="Cascadia Code" panose="020B0609020000020004" pitchFamily="49" charset="0"/>
-                <a:cs typeface="Cascadia Code" panose="020B0609020000020004" pitchFamily="49" charset="0"/>
-              </a:rPr>
-              <a:t>    try:</a:t>
-            </a:r>
-          </a:p>
-          <a:p>
-            <a:r>
-              <a:rPr lang="en-GB" dirty="0">
-                <a:latin typeface="Cascadia Code" panose="020B0609020000020004" pitchFamily="49" charset="0"/>
-                <a:cs typeface="Cascadia Code" panose="020B0609020000020004" pitchFamily="49" charset="0"/>
-              </a:rPr>
-              <a:t>        with open(filename, "a", encoding="utf-8") as f:</a:t>
-            </a:r>
-          </a:p>
-          <a:p>
-            <a:r>
-              <a:rPr lang="en-GB" dirty="0">
-                <a:latin typeface="Cascadia Code" panose="020B0609020000020004" pitchFamily="49" charset="0"/>
-                <a:cs typeface="Cascadia Code" panose="020B0609020000020004" pitchFamily="49" charset="0"/>
-              </a:rPr>
-              <a:t>            </a:t>
-            </a:r>
-            <a:r>
-              <a:rPr lang="en-GB" dirty="0" err="1">
-                <a:latin typeface="Cascadia Code" panose="020B0609020000020004" pitchFamily="49" charset="0"/>
-                <a:cs typeface="Cascadia Code" panose="020B0609020000020004" pitchFamily="49" charset="0"/>
-              </a:rPr>
-              <a:t>f.write</a:t>
-            </a:r>
-            <a:r>
-              <a:rPr lang="en-GB" dirty="0">
-                <a:latin typeface="Cascadia Code" panose="020B0609020000020004" pitchFamily="49" charset="0"/>
-                <a:cs typeface="Cascadia Code" panose="020B0609020000020004" pitchFamily="49" charset="0"/>
-              </a:rPr>
-              <a:t>(content + "\n")</a:t>
-            </a:r>
-          </a:p>
-          <a:p>
-            <a:r>
-              <a:rPr lang="en-GB" dirty="0">
-                <a:latin typeface="Cascadia Code" panose="020B0609020000020004" pitchFamily="49" charset="0"/>
-                <a:cs typeface="Cascadia Code" panose="020B0609020000020004" pitchFamily="49" charset="0"/>
-              </a:rPr>
-              <a:t>        return </a:t>
-            </a:r>
-            <a:r>
-              <a:rPr lang="en-GB" dirty="0" err="1">
-                <a:latin typeface="Cascadia Code" panose="020B0609020000020004" pitchFamily="49" charset="0"/>
-                <a:cs typeface="Cascadia Code" panose="020B0609020000020004" pitchFamily="49" charset="0"/>
-              </a:rPr>
-              <a:t>f"Content</a:t>
-            </a:r>
-            <a:r>
-              <a:rPr lang="en-GB" dirty="0">
-                <a:latin typeface="Cascadia Code" panose="020B0609020000020004" pitchFamily="49" charset="0"/>
-                <a:cs typeface="Cascadia Code" panose="020B0609020000020004" pitchFamily="49" charset="0"/>
-              </a:rPr>
-              <a:t> appended to {filename}."</a:t>
-            </a:r>
-          </a:p>
-          <a:p>
-            <a:r>
-              <a:rPr lang="en-GB" dirty="0">
-                <a:latin typeface="Cascadia Code" panose="020B0609020000020004" pitchFamily="49" charset="0"/>
-                <a:cs typeface="Cascadia Code" panose="020B0609020000020004" pitchFamily="49" charset="0"/>
-              </a:rPr>
-              <a:t>    except Exception as e:</a:t>
-            </a:r>
-          </a:p>
-          <a:p>
-            <a:r>
-              <a:rPr lang="en-GB" dirty="0">
-                <a:latin typeface="Cascadia Code" panose="020B0609020000020004" pitchFamily="49" charset="0"/>
-                <a:cs typeface="Cascadia Code" panose="020B0609020000020004" pitchFamily="49" charset="0"/>
-              </a:rPr>
-              <a:t>        return </a:t>
-            </a:r>
-            <a:r>
-              <a:rPr lang="en-GB" dirty="0" err="1">
-                <a:latin typeface="Cascadia Code" panose="020B0609020000020004" pitchFamily="49" charset="0"/>
-                <a:cs typeface="Cascadia Code" panose="020B0609020000020004" pitchFamily="49" charset="0"/>
-              </a:rPr>
-              <a:t>f"Error</a:t>
-            </a:r>
-            <a:r>
-              <a:rPr lang="en-GB" dirty="0">
-                <a:latin typeface="Cascadia Code" panose="020B0609020000020004" pitchFamily="49" charset="0"/>
-                <a:cs typeface="Cascadia Code" panose="020B0609020000020004" pitchFamily="49" charset="0"/>
-              </a:rPr>
-              <a:t> appending to file {filename}: {e}"</a:t>
-            </a:r>
-          </a:p>
-          <a:p>
-            <a:r>
-              <a:rPr lang="en-GB" dirty="0">
-                <a:latin typeface="Cascadia Code" panose="020B0609020000020004" pitchFamily="49" charset="0"/>
-                <a:cs typeface="Cascadia Code" panose="020B0609020000020004" pitchFamily="49" charset="0"/>
-              </a:rPr>
-              <a:t>    </a:t>
-            </a:r>
-          </a:p>
-          <a:p>
-            <a:br>
-              <a:rPr lang="en-GB" dirty="0">
-                <a:latin typeface="Cascadia Code" panose="020B0609020000020004" pitchFamily="49" charset="0"/>
-                <a:cs typeface="Cascadia Code" panose="020B0609020000020004" pitchFamily="49" charset="0"/>
-              </a:rPr>
-            </a:br>
-            <a:endParaRPr lang="en-GB" dirty="0">
-              <a:latin typeface="Cascadia Code" panose="020B0609020000020004" pitchFamily="49" charset="0"/>
-              <a:cs typeface="Cascadia Code" panose="020B0609020000020004" pitchFamily="49" charset="0"/>
-            </a:endParaRPr>
-          </a:p>
-          <a:p>
-            <a:r>
-              <a:rPr lang="en-GB" dirty="0">
-                <a:latin typeface="Cascadia Code" panose="020B0609020000020004" pitchFamily="49" charset="0"/>
-                <a:cs typeface="Cascadia Code" panose="020B0609020000020004" pitchFamily="49" charset="0"/>
-              </a:rPr>
-              <a:t>@mcp.tool()</a:t>
-            </a:r>
-          </a:p>
-          <a:p>
-            <a:r>
-              <a:rPr lang="en-GB" dirty="0">
-                <a:latin typeface="Cascadia Code" panose="020B0609020000020004" pitchFamily="49" charset="0"/>
-                <a:cs typeface="Cascadia Code" panose="020B0609020000020004" pitchFamily="49" charset="0"/>
-              </a:rPr>
-              <a:t>def </a:t>
-            </a:r>
-            <a:r>
-              <a:rPr lang="en-GB" dirty="0" err="1">
-                <a:latin typeface="Cascadia Code" panose="020B0609020000020004" pitchFamily="49" charset="0"/>
-                <a:cs typeface="Cascadia Code" panose="020B0609020000020004" pitchFamily="49" charset="0"/>
-              </a:rPr>
-              <a:t>read_notes</a:t>
-            </a:r>
-            <a:r>
-              <a:rPr lang="en-GB" dirty="0">
-                <a:latin typeface="Cascadia Code" panose="020B0609020000020004" pitchFamily="49" charset="0"/>
-                <a:cs typeface="Cascadia Code" panose="020B0609020000020004" pitchFamily="49" charset="0"/>
-              </a:rPr>
-              <a:t>() -&gt; str:</a:t>
-            </a:r>
-          </a:p>
-          <a:p>
-            <a:r>
-              <a:rPr lang="en-GB" dirty="0">
-                <a:latin typeface="Cascadia Code" panose="020B0609020000020004" pitchFamily="49" charset="0"/>
-                <a:cs typeface="Cascadia Code" panose="020B0609020000020004" pitchFamily="49" charset="0"/>
-              </a:rPr>
-              <a:t>    """</a:t>
-            </a:r>
-          </a:p>
-          <a:p>
-            <a:r>
-              <a:rPr lang="en-GB" dirty="0">
-                <a:latin typeface="Cascadia Code" panose="020B0609020000020004" pitchFamily="49" charset="0"/>
-                <a:cs typeface="Cascadia Code" panose="020B0609020000020004" pitchFamily="49" charset="0"/>
-              </a:rPr>
-              <a:t>    Reads and returns the contents of the user's local notes.</a:t>
-            </a:r>
-          </a:p>
-          <a:p>
-            <a:r>
-              <a:rPr lang="en-GB" dirty="0">
-                <a:latin typeface="Cascadia Code" panose="020B0609020000020004" pitchFamily="49" charset="0"/>
-                <a:cs typeface="Cascadia Code" panose="020B0609020000020004" pitchFamily="49" charset="0"/>
-              </a:rPr>
-              <a:t>    """</a:t>
-            </a:r>
-          </a:p>
-          <a:p>
-            <a:r>
-              <a:rPr lang="en-GB" dirty="0">
-                <a:latin typeface="Cascadia Code" panose="020B0609020000020004" pitchFamily="49" charset="0"/>
-                <a:cs typeface="Cascadia Code" panose="020B0609020000020004" pitchFamily="49" charset="0"/>
-              </a:rPr>
-              <a:t>    filename = 'notes.txt'</a:t>
-            </a:r>
-          </a:p>
-          <a:p>
-            <a:br>
-              <a:rPr lang="en-GB" dirty="0">
-                <a:latin typeface="Cascadia Code" panose="020B0609020000020004" pitchFamily="49" charset="0"/>
-                <a:cs typeface="Cascadia Code" panose="020B0609020000020004" pitchFamily="49" charset="0"/>
-              </a:rPr>
-            </a:br>
-            <a:endParaRPr lang="en-GB" dirty="0">
-              <a:latin typeface="Cascadia Code" panose="020B0609020000020004" pitchFamily="49" charset="0"/>
-              <a:cs typeface="Cascadia Code" panose="020B0609020000020004" pitchFamily="49" charset="0"/>
-            </a:endParaRPr>
-          </a:p>
-          <a:p>
-            <a:r>
-              <a:rPr lang="en-GB" dirty="0">
-                <a:latin typeface="Cascadia Code" panose="020B0609020000020004" pitchFamily="49" charset="0"/>
-                <a:cs typeface="Cascadia Code" panose="020B0609020000020004" pitchFamily="49" charset="0"/>
-              </a:rPr>
-              <a:t>    try:</a:t>
-            </a:r>
-          </a:p>
-          <a:p>
-            <a:r>
-              <a:rPr lang="en-GB" dirty="0">
-                <a:latin typeface="Cascadia Code" panose="020B0609020000020004" pitchFamily="49" charset="0"/>
-                <a:cs typeface="Cascadia Code" panose="020B0609020000020004" pitchFamily="49" charset="0"/>
-              </a:rPr>
-              <a:t>        with open(filename, "r", encoding="utf-8") as f:</a:t>
-            </a:r>
-          </a:p>
-          <a:p>
-            <a:r>
-              <a:rPr lang="en-GB" dirty="0">
-                <a:latin typeface="Cascadia Code" panose="020B0609020000020004" pitchFamily="49" charset="0"/>
-                <a:cs typeface="Cascadia Code" panose="020B0609020000020004" pitchFamily="49" charset="0"/>
-              </a:rPr>
-              <a:t>            notes = </a:t>
-            </a:r>
-            <a:r>
-              <a:rPr lang="en-GB" dirty="0" err="1">
-                <a:latin typeface="Cascadia Code" panose="020B0609020000020004" pitchFamily="49" charset="0"/>
-                <a:cs typeface="Cascadia Code" panose="020B0609020000020004" pitchFamily="49" charset="0"/>
-              </a:rPr>
-              <a:t>f.read</a:t>
-            </a:r>
-            <a:r>
-              <a:rPr lang="en-GB" dirty="0">
-                <a:latin typeface="Cascadia Code" panose="020B0609020000020004" pitchFamily="49" charset="0"/>
-                <a:cs typeface="Cascadia Code" panose="020B0609020000020004" pitchFamily="49" charset="0"/>
-              </a:rPr>
-              <a:t>()</a:t>
-            </a:r>
-          </a:p>
-          <a:p>
-            <a:r>
-              <a:rPr lang="en-GB" dirty="0">
-                <a:latin typeface="Cascadia Code" panose="020B0609020000020004" pitchFamily="49" charset="0"/>
-                <a:cs typeface="Cascadia Code" panose="020B0609020000020004" pitchFamily="49" charset="0"/>
-              </a:rPr>
-              <a:t>        return notes if notes else "No notes found."</a:t>
-            </a:r>
-          </a:p>
-          <a:p>
-            <a:r>
-              <a:rPr lang="en-GB" dirty="0">
-                <a:latin typeface="Cascadia Code" panose="020B0609020000020004" pitchFamily="49" charset="0"/>
-                <a:cs typeface="Cascadia Code" panose="020B0609020000020004" pitchFamily="49" charset="0"/>
-              </a:rPr>
-              <a:t>    except </a:t>
-            </a:r>
-            <a:r>
-              <a:rPr lang="en-GB" dirty="0" err="1">
-                <a:latin typeface="Cascadia Code" panose="020B0609020000020004" pitchFamily="49" charset="0"/>
-                <a:cs typeface="Cascadia Code" panose="020B0609020000020004" pitchFamily="49" charset="0"/>
-              </a:rPr>
-              <a:t>FileNotFoundError</a:t>
-            </a:r>
-            <a:r>
-              <a:rPr lang="en-GB" dirty="0">
-                <a:latin typeface="Cascadia Code" panose="020B0609020000020004" pitchFamily="49" charset="0"/>
-                <a:cs typeface="Cascadia Code" panose="020B0609020000020004" pitchFamily="49" charset="0"/>
-              </a:rPr>
-              <a:t>:</a:t>
-            </a:r>
-          </a:p>
-          <a:p>
-            <a:r>
-              <a:rPr lang="en-GB" dirty="0">
-                <a:latin typeface="Cascadia Code" panose="020B0609020000020004" pitchFamily="49" charset="0"/>
-                <a:cs typeface="Cascadia Code" panose="020B0609020000020004" pitchFamily="49" charset="0"/>
-              </a:rPr>
-              <a:t>        return "No notes file found."</a:t>
-            </a:r>
-          </a:p>
-          <a:p>
-            <a:r>
-              <a:rPr lang="en-GB" dirty="0">
-                <a:latin typeface="Cascadia Code" panose="020B0609020000020004" pitchFamily="49" charset="0"/>
-                <a:cs typeface="Cascadia Code" panose="020B0609020000020004" pitchFamily="49" charset="0"/>
-              </a:rPr>
-              <a:t>    except Exception as e:</a:t>
-            </a:r>
-          </a:p>
-          <a:p>
-            <a:r>
-              <a:rPr lang="en-GB" dirty="0">
-                <a:latin typeface="Cascadia Code" panose="020B0609020000020004" pitchFamily="49" charset="0"/>
-                <a:cs typeface="Cascadia Code" panose="020B0609020000020004" pitchFamily="49" charset="0"/>
-              </a:rPr>
-              <a:t>        return </a:t>
-            </a:r>
-            <a:r>
-              <a:rPr lang="en-GB" dirty="0" err="1">
-                <a:latin typeface="Cascadia Code" panose="020B0609020000020004" pitchFamily="49" charset="0"/>
-                <a:cs typeface="Cascadia Code" panose="020B0609020000020004" pitchFamily="49" charset="0"/>
-              </a:rPr>
-              <a:t>f"Error</a:t>
-            </a:r>
-            <a:r>
-              <a:rPr lang="en-GB" dirty="0">
-                <a:latin typeface="Cascadia Code" panose="020B0609020000020004" pitchFamily="49" charset="0"/>
-                <a:cs typeface="Cascadia Code" panose="020B0609020000020004" pitchFamily="49" charset="0"/>
-              </a:rPr>
-              <a:t> reading file {filename}: {e}"</a:t>
-            </a:r>
-          </a:p>
-          <a:p>
-            <a:r>
-              <a:rPr lang="en-GB" dirty="0">
-                <a:latin typeface="Cascadia Code" panose="020B0609020000020004" pitchFamily="49" charset="0"/>
-                <a:cs typeface="Cascadia Code" panose="020B0609020000020004" pitchFamily="49" charset="0"/>
-              </a:rPr>
-              <a:t>    </a:t>
-            </a:r>
-          </a:p>
-          <a:p>
-            <a:r>
-              <a:rPr lang="en-US" dirty="0">
-                <a:latin typeface="Cascadia Code" panose="020B0609020000020004" pitchFamily="49" charset="0"/>
-                <a:cs typeface="Cascadia Code" panose="020B0609020000020004" pitchFamily="49" charset="0"/>
-              </a:rPr>
-              <a:t>if __name__ == "__main__":</a:t>
-            </a:r>
-          </a:p>
-          <a:p>
-            <a:r>
-              <a:rPr lang="en-US" dirty="0">
-                <a:latin typeface="Cascadia Code" panose="020B0609020000020004" pitchFamily="49" charset="0"/>
-                <a:cs typeface="Cascadia Code" panose="020B0609020000020004" pitchFamily="49" charset="0"/>
-              </a:rPr>
-              <a:t>    </a:t>
-            </a:r>
-            <a:r>
-              <a:rPr lang="en-US" dirty="0" err="1">
-                <a:latin typeface="Cascadia Code" panose="020B0609020000020004" pitchFamily="49" charset="0"/>
-                <a:cs typeface="Cascadia Code" panose="020B0609020000020004" pitchFamily="49" charset="0"/>
-              </a:rPr>
-              <a:t>mcp.run</a:t>
-            </a:r>
-            <a:r>
-              <a:rPr lang="en-US" dirty="0">
-                <a:latin typeface="Cascadia Code" panose="020B0609020000020004" pitchFamily="49" charset="0"/>
-                <a:cs typeface="Cascadia Code" panose="020B0609020000020004" pitchFamily="49" charset="0"/>
-              </a:rPr>
-              <a:t>()</a:t>
-            </a:r>
-          </a:p>
-          <a:p>
-            <a:endParaRPr lang="en-GB" dirty="0"/>
-          </a:p>
-          <a:p>
-            <a:endParaRPr lang="en-GB" dirty="0"/>
-          </a:p>
-        </p:txBody>
-      </p:sp>
-    </p:spTree>
-    <p:extLst>
-      <p:ext uri="{BB962C8B-B14F-4D97-AF65-F5344CB8AC3E}">
-        <p14:creationId xmlns:p14="http://schemas.microsoft.com/office/powerpoint/2010/main" val="2112453089"/>
-      </p:ext>
-    </p:extLst>
-  </p:cSld>
-  <p:clrMapOvr>
-    <a:masterClrMapping/>
-  </p:clrMapOvr>
-</p:sld>
-</file>
-
-<file path=ppt/slides/slide23.xml><?xml version="1.0" encoding="utf-8"?>
-<p:sld xmlns:a="http://schemas.openxmlformats.org/drawingml/2006/main" xmlns:r="http://schemas.openxmlformats.org/officeDocument/2006/relationships" xmlns:p="http://schemas.openxmlformats.org/presentationml/2006/main">
-  <p:cSld>
-    <p:spTree>
-      <p:nvGrpSpPr>
-        <p:cNvPr id="1" name=""/>
-        <p:cNvGrpSpPr/>
-        <p:nvPr/>
-      </p:nvGrpSpPr>
-      <p:grpSpPr>
-        <a:xfrm>
-          <a:off x="0" y="0"/>
-          <a:ext cx="0" cy="0"/>
-          <a:chOff x="0" y="0"/>
-          <a:chExt cx="0" cy="0"/>
-        </a:xfrm>
-      </p:grpSpPr>
-      <p:sp>
-        <p:nvSpPr>
-          <p:cNvPr id="2" name="Title 1">
-            <a:extLst>
-              <a:ext uri="{FF2B5EF4-FFF2-40B4-BE49-F238E27FC236}">
-                <a16:creationId xmlns:a16="http://schemas.microsoft.com/office/drawing/2014/main" id="{519EF250-CA71-D55F-FC31-1C30CB649EDF}"/>
-              </a:ext>
-            </a:extLst>
-          </p:cNvPr>
-          <p:cNvSpPr>
-            <a:spLocks noGrp="1"/>
-          </p:cNvSpPr>
-          <p:nvPr>
-            <p:ph type="title"/>
-          </p:nvPr>
-        </p:nvSpPr>
-        <p:spPr/>
-        <p:txBody>
-          <a:bodyPr/>
-          <a:lstStyle/>
-          <a:p>
-            <a:r>
-              <a:rPr lang="en-IN" dirty="0"/>
-              <a:t>notes.txt</a:t>
-            </a:r>
-            <a:endParaRPr lang="en-GB" dirty="0"/>
-          </a:p>
-        </p:txBody>
-      </p:sp>
-      <p:sp>
-        <p:nvSpPr>
-          <p:cNvPr id="3" name="Content Placeholder 2">
-            <a:extLst>
-              <a:ext uri="{FF2B5EF4-FFF2-40B4-BE49-F238E27FC236}">
-                <a16:creationId xmlns:a16="http://schemas.microsoft.com/office/drawing/2014/main" id="{ACC9ADD3-530A-349C-C6C6-112D6E33605A}"/>
-              </a:ext>
-            </a:extLst>
-          </p:cNvPr>
-          <p:cNvSpPr>
-            <a:spLocks noGrp="1"/>
-          </p:cNvSpPr>
-          <p:nvPr>
-            <p:ph idx="1"/>
-          </p:nvPr>
-        </p:nvSpPr>
-        <p:spPr/>
-        <p:txBody>
-          <a:bodyPr/>
-          <a:lstStyle/>
-          <a:p>
-            <a:r>
-              <a:rPr lang="en-US" dirty="0"/>
-              <a:t>I really like learning new technologies.</a:t>
-            </a:r>
-          </a:p>
-          <a:p>
-            <a:r>
-              <a:rPr lang="en-US" dirty="0"/>
-              <a:t>My </a:t>
-            </a:r>
-            <a:r>
-              <a:rPr lang="en-US" dirty="0" err="1"/>
-              <a:t>favourite</a:t>
-            </a:r>
-            <a:r>
-              <a:rPr lang="en-US" dirty="0"/>
-              <a:t> technology author is Andrew Tanenbaum.</a:t>
-            </a:r>
-            <a:endParaRPr lang="en-GB" dirty="0"/>
-          </a:p>
-        </p:txBody>
-      </p:sp>
-    </p:spTree>
-    <p:extLst>
-      <p:ext uri="{BB962C8B-B14F-4D97-AF65-F5344CB8AC3E}">
-        <p14:creationId xmlns:p14="http://schemas.microsoft.com/office/powerpoint/2010/main" val="3110524715"/>
-      </p:ext>
-    </p:extLst>
-  </p:cSld>
-  <p:clrMapOvr>
-    <a:masterClrMapping/>
-  </p:clrMapOvr>
-</p:sld>
-</file>
-
-<file path=ppt/slides/slide24.xml><?xml version="1.0" encoding="utf-8"?>
-<p:sld xmlns:a="http://schemas.openxmlformats.org/drawingml/2006/main" xmlns:r="http://schemas.openxmlformats.org/officeDocument/2006/relationships" xmlns:p="http://schemas.openxmlformats.org/presentationml/2006/main">
-  <p:cSld>
-    <p:spTree>
-      <p:nvGrpSpPr>
-        <p:cNvPr id="1" name=""/>
-        <p:cNvGrpSpPr/>
-        <p:nvPr/>
-      </p:nvGrpSpPr>
-      <p:grpSpPr>
-        <a:xfrm>
-          <a:off x="0" y="0"/>
-          <a:ext cx="0" cy="0"/>
-          <a:chOff x="0" y="0"/>
-          <a:chExt cx="0" cy="0"/>
-        </a:xfrm>
-      </p:grpSpPr>
-      <p:sp>
-        <p:nvSpPr>
-          <p:cNvPr id="2" name="Title 1">
-            <a:extLst>
-              <a:ext uri="{FF2B5EF4-FFF2-40B4-BE49-F238E27FC236}">
-                <a16:creationId xmlns:a16="http://schemas.microsoft.com/office/drawing/2014/main" id="{7FED4ED2-B1BB-91C6-3F01-81F7C5E97015}"/>
-              </a:ext>
-            </a:extLst>
-          </p:cNvPr>
-          <p:cNvSpPr>
-            <a:spLocks noGrp="1"/>
-          </p:cNvSpPr>
-          <p:nvPr>
-            <p:ph type="title"/>
-          </p:nvPr>
-        </p:nvSpPr>
-        <p:spPr/>
-        <p:txBody>
-          <a:bodyPr/>
-          <a:lstStyle/>
-          <a:p>
-            <a:r>
-              <a:rPr lang="en-IN" dirty="0"/>
-              <a:t>Testing the Local File MCP Server</a:t>
-            </a:r>
-            <a:endParaRPr lang="en-GB" dirty="0"/>
-          </a:p>
-        </p:txBody>
-      </p:sp>
-      <p:sp>
-        <p:nvSpPr>
-          <p:cNvPr id="3" name="Content Placeholder 2">
-            <a:extLst>
-              <a:ext uri="{FF2B5EF4-FFF2-40B4-BE49-F238E27FC236}">
-                <a16:creationId xmlns:a16="http://schemas.microsoft.com/office/drawing/2014/main" id="{9A6040E9-5F02-7BCD-FF66-E143B5446519}"/>
-              </a:ext>
-            </a:extLst>
-          </p:cNvPr>
-          <p:cNvSpPr>
-            <a:spLocks noGrp="1"/>
-          </p:cNvSpPr>
-          <p:nvPr>
-            <p:ph idx="1"/>
-          </p:nvPr>
-        </p:nvSpPr>
-        <p:spPr/>
-        <p:txBody>
-          <a:bodyPr>
-            <a:normAutofit fontScale="85000" lnSpcReduction="10000"/>
-          </a:bodyPr>
-          <a:lstStyle/>
-          <a:p>
-            <a:r>
-              <a:rPr lang="pt-BR" dirty="0"/>
-              <a:t>(mcp_local_file) PS C:\code\agenticai\6_mcp\mcp_local_file&gt; </a:t>
-            </a:r>
-            <a:r>
-              <a:rPr lang="en-IN" dirty="0" err="1"/>
-              <a:t>mcp</a:t>
-            </a:r>
-            <a:r>
-              <a:rPr lang="en-IN" dirty="0"/>
-              <a:t> dev local.py</a:t>
-            </a:r>
-          </a:p>
-          <a:p>
-            <a:r>
-              <a:rPr lang="en-IN" dirty="0"/>
-              <a:t>In the browser, Connect</a:t>
-            </a:r>
-          </a:p>
-          <a:p>
-            <a:r>
-              <a:rPr lang="en-IN" dirty="0"/>
-              <a:t>Tools -&gt; List Tools -&gt; </a:t>
-            </a:r>
-            <a:r>
-              <a:rPr lang="en-IN" dirty="0" err="1"/>
-              <a:t>add_note_to_file</a:t>
-            </a:r>
-            <a:r>
-              <a:rPr lang="en-IN" dirty="0"/>
-              <a:t> -&gt; content -&gt; MCP is amazing! -&gt; Run Tool -&gt; Scroll down to see result</a:t>
-            </a:r>
-          </a:p>
-          <a:p>
-            <a:r>
-              <a:rPr lang="en-IN" dirty="0"/>
-              <a:t>Tools -&gt; List Tools -&gt; </a:t>
-            </a:r>
-            <a:r>
-              <a:rPr lang="en-IN" dirty="0" err="1"/>
-              <a:t>read_notes</a:t>
-            </a:r>
-            <a:r>
-              <a:rPr lang="en-IN" dirty="0"/>
-              <a:t> -&gt; Run Tool -&gt; Scroll down to see results</a:t>
-            </a:r>
-          </a:p>
-          <a:p>
-            <a:r>
-              <a:rPr lang="en-IN" dirty="0"/>
-              <a:t>If testing is fine, install the tool so that Claude Desktop can use it: </a:t>
-            </a:r>
-            <a:r>
-              <a:rPr lang="pt-BR" dirty="0"/>
-              <a:t>(mcp_local_file) PS C:\code\agenticai\6_mcp\mcp_local_file&gt; </a:t>
-            </a:r>
-            <a:r>
-              <a:rPr lang="en-IN" dirty="0" err="1"/>
-              <a:t>mcp</a:t>
-            </a:r>
-            <a:r>
-              <a:rPr lang="en-IN" dirty="0"/>
-              <a:t> install local.py</a:t>
-            </a:r>
-          </a:p>
-          <a:p>
-            <a:r>
-              <a:rPr lang="en-IN" dirty="0"/>
-              <a:t>Open Claude and say ‘Read my local notes and tell me who is my favourite author’</a:t>
-            </a:r>
-          </a:p>
-          <a:p>
-            <a:r>
-              <a:rPr lang="en-IN" dirty="0"/>
-              <a:t>Then say ‘Hi Claude, Who are the top 5 tennis players in the world?’</a:t>
-            </a:r>
-          </a:p>
-          <a:p>
-            <a:r>
-              <a:rPr lang="en-IN" dirty="0"/>
-              <a:t>Then say ‘Add this information to my notes’</a:t>
-            </a:r>
-          </a:p>
-          <a:p>
-            <a:endParaRPr lang="en-IN" dirty="0"/>
-          </a:p>
-          <a:p>
-            <a:endParaRPr lang="en-IN" dirty="0"/>
-          </a:p>
-          <a:p>
-            <a:endParaRPr lang="en-IN" dirty="0"/>
-          </a:p>
-          <a:p>
-            <a:endParaRPr lang="en-GB" dirty="0"/>
-          </a:p>
-        </p:txBody>
-      </p:sp>
-    </p:spTree>
-    <p:extLst>
-      <p:ext uri="{BB962C8B-B14F-4D97-AF65-F5344CB8AC3E}">
-        <p14:creationId xmlns:p14="http://schemas.microsoft.com/office/powerpoint/2010/main" val="2872235083"/>
-      </p:ext>
-    </p:extLst>
-  </p:cSld>
-  <p:clrMapOvr>
-    <a:masterClrMapping/>
-  </p:clrMapOvr>
-</p:sld>
-</file>
-
-<file path=ppt/slides/slide25.xml><?xml version="1.0" encoding="utf-8"?>
-<p:sld xmlns:a="http://schemas.openxmlformats.org/drawingml/2006/main" xmlns:r="http://schemas.openxmlformats.org/officeDocument/2006/relationships" xmlns:p="http://schemas.openxmlformats.org/presentationml/2006/main">
-  <p:cSld>
-    <p:spTree>
-      <p:nvGrpSpPr>
-        <p:cNvPr id="1" name=""/>
-        <p:cNvGrpSpPr/>
-        <p:nvPr/>
-      </p:nvGrpSpPr>
-      <p:grpSpPr>
-        <a:xfrm>
-          <a:off x="0" y="0"/>
-          <a:ext cx="0" cy="0"/>
-          <a:chOff x="0" y="0"/>
-          <a:chExt cx="0" cy="0"/>
-        </a:xfrm>
-      </p:grpSpPr>
-      <p:sp>
-        <p:nvSpPr>
-          <p:cNvPr id="2" name="Title 1">
-            <a:extLst>
-              <a:ext uri="{FF2B5EF4-FFF2-40B4-BE49-F238E27FC236}">
-                <a16:creationId xmlns:a16="http://schemas.microsoft.com/office/drawing/2014/main" id="{EA201F4D-C77A-942C-3960-6E3DE9FF5A1E}"/>
-              </a:ext>
-            </a:extLst>
-          </p:cNvPr>
-          <p:cNvSpPr>
-            <a:spLocks noGrp="1"/>
-          </p:cNvSpPr>
-          <p:nvPr>
-            <p:ph type="title"/>
-          </p:nvPr>
-        </p:nvSpPr>
-        <p:spPr/>
-        <p:txBody>
-          <a:bodyPr/>
-          <a:lstStyle/>
-          <a:p>
-            <a:r>
-              <a:rPr lang="en-IN" dirty="0"/>
-              <a:t>Using MCP Servers to Make API Calls</a:t>
-            </a:r>
-            <a:endParaRPr lang="en-GB" dirty="0"/>
-          </a:p>
-        </p:txBody>
-      </p:sp>
-      <p:sp>
-        <p:nvSpPr>
-          <p:cNvPr id="3" name="Content Placeholder 2">
-            <a:extLst>
-              <a:ext uri="{FF2B5EF4-FFF2-40B4-BE49-F238E27FC236}">
-                <a16:creationId xmlns:a16="http://schemas.microsoft.com/office/drawing/2014/main" id="{72C0A516-B949-2CB1-607C-46171B0FE8DF}"/>
-              </a:ext>
-            </a:extLst>
-          </p:cNvPr>
-          <p:cNvSpPr>
-            <a:spLocks noGrp="1"/>
-          </p:cNvSpPr>
-          <p:nvPr>
-            <p:ph idx="1"/>
-          </p:nvPr>
-        </p:nvSpPr>
-        <p:spPr/>
-        <p:txBody>
-          <a:bodyPr>
-            <a:normAutofit fontScale="55000" lnSpcReduction="20000"/>
-          </a:bodyPr>
-          <a:lstStyle/>
-          <a:p>
-            <a:r>
-              <a:rPr lang="en-IN" dirty="0"/>
-              <a:t>Open a browser and type </a:t>
-            </a:r>
-            <a:r>
-              <a:rPr lang="en-IN" dirty="0">
-                <a:hlinkClick r:id="rId2"/>
-              </a:rPr>
-              <a:t>https://api.coingecko.com/api/v3/simple/price?ids=bitcoin&amp;vs_currencies=inr</a:t>
-            </a:r>
-            <a:endParaRPr lang="en-IN" dirty="0"/>
-          </a:p>
-          <a:p>
-            <a:pPr lvl="1"/>
-            <a:r>
-              <a:rPr lang="en-IN" dirty="0"/>
-              <a:t>It should give the bitcoin price in INR</a:t>
-            </a:r>
-          </a:p>
-          <a:p>
-            <a:r>
-              <a:rPr lang="en-IN" dirty="0"/>
-              <a:t>We will call this API from our MCP server</a:t>
-            </a:r>
-          </a:p>
-          <a:p>
-            <a:r>
-              <a:rPr lang="en-IN" dirty="0"/>
-              <a:t>Create directory C:\code\agenticai\6_mcp\cryptoapi</a:t>
-            </a:r>
-          </a:p>
-          <a:p>
-            <a:r>
-              <a:rPr lang="en-GB" dirty="0"/>
-              <a:t>PS C:\code\agenticai\6_mcp\cryptoapi&gt; </a:t>
-            </a:r>
-            <a:r>
-              <a:rPr lang="en-GB" dirty="0" err="1"/>
-              <a:t>uv</a:t>
-            </a:r>
-            <a:r>
-              <a:rPr lang="en-GB" dirty="0"/>
-              <a:t> </a:t>
-            </a:r>
-            <a:r>
-              <a:rPr lang="en-GB" dirty="0" err="1"/>
-              <a:t>venv</a:t>
-            </a:r>
-            <a:endParaRPr lang="en-GB" dirty="0"/>
-          </a:p>
-          <a:p>
-            <a:r>
-              <a:rPr lang="en-GB" dirty="0"/>
-              <a:t>PS C:\code\agenticai\6_mcp\cryptoapi&gt; </a:t>
-            </a:r>
-            <a:r>
-              <a:rPr lang="en-GB" dirty="0" err="1"/>
-              <a:t>uv</a:t>
-            </a:r>
-            <a:r>
-              <a:rPr lang="en-GB" dirty="0"/>
-              <a:t> </a:t>
-            </a:r>
-            <a:r>
-              <a:rPr lang="en-GB" dirty="0" err="1"/>
-              <a:t>init</a:t>
-            </a:r>
-            <a:endParaRPr lang="en-GB" dirty="0"/>
-          </a:p>
-          <a:p>
-            <a:r>
-              <a:rPr lang="en-GB" dirty="0"/>
-              <a:t>PS C:\code\agenticai\6_mcp\cryptoapi&gt; .\.</a:t>
-            </a:r>
-            <a:r>
-              <a:rPr lang="en-GB" dirty="0" err="1"/>
-              <a:t>venv</a:t>
-            </a:r>
-            <a:r>
-              <a:rPr lang="en-GB" dirty="0"/>
-              <a:t>\Scripts\activate</a:t>
-            </a:r>
-          </a:p>
-          <a:p>
-            <a:r>
-              <a:rPr lang="en-GB" dirty="0"/>
-              <a:t>(</a:t>
-            </a:r>
-            <a:r>
-              <a:rPr lang="en-GB" dirty="0" err="1"/>
-              <a:t>cryptoapi</a:t>
-            </a:r>
-            <a:r>
-              <a:rPr lang="en-GB" dirty="0"/>
-              <a:t>) PS C:\code\agenticai\6_mcp\cryptoapi&gt; </a:t>
-            </a:r>
-            <a:r>
-              <a:rPr lang="en-GB" dirty="0" err="1"/>
-              <a:t>uv</a:t>
-            </a:r>
-            <a:r>
-              <a:rPr lang="en-GB" dirty="0"/>
-              <a:t> add </a:t>
-            </a:r>
-            <a:r>
-              <a:rPr lang="en-GB" dirty="0" err="1"/>
-              <a:t>mcp</a:t>
-            </a:r>
-            <a:r>
-              <a:rPr lang="en-GB" dirty="0"/>
-              <a:t>[cli]</a:t>
-            </a:r>
-          </a:p>
-          <a:p>
-            <a:r>
-              <a:rPr lang="en-GB" dirty="0"/>
-              <a:t>(</a:t>
-            </a:r>
-            <a:r>
-              <a:rPr lang="en-GB" dirty="0" err="1"/>
-              <a:t>cryptoapi</a:t>
-            </a:r>
-            <a:r>
-              <a:rPr lang="en-GB" dirty="0"/>
-              <a:t>) PS C:\code\agenticai\6_mcp\cryptoapi&gt; </a:t>
-            </a:r>
-            <a:r>
-              <a:rPr lang="en-GB" dirty="0" err="1"/>
-              <a:t>uv</a:t>
-            </a:r>
-            <a:r>
-              <a:rPr lang="en-GB" dirty="0"/>
-              <a:t> add requests</a:t>
-            </a:r>
-          </a:p>
-          <a:p>
-            <a:r>
-              <a:rPr lang="en-GB" dirty="0"/>
-              <a:t>(</a:t>
-            </a:r>
-            <a:r>
-              <a:rPr lang="en-GB" dirty="0" err="1"/>
-              <a:t>cryptoapi</a:t>
-            </a:r>
-            <a:r>
-              <a:rPr lang="en-GB" dirty="0"/>
-              <a:t>) PS C:\code\agenticai\6_mcp\cryptoapi&gt; </a:t>
-            </a:r>
-            <a:r>
-              <a:rPr lang="en-GB" dirty="0" err="1"/>
-              <a:t>mcp</a:t>
-            </a:r>
-            <a:r>
-              <a:rPr lang="en-GB" dirty="0"/>
-              <a:t> dev crypto</a:t>
-            </a:r>
-            <a:r>
-              <a:rPr lang="en-GB"/>
-              <a:t>.py*</a:t>
-            </a:r>
-            <a:endParaRPr lang="en-GB" dirty="0"/>
-          </a:p>
-          <a:p>
-            <a:r>
-              <a:rPr lang="en-GB" dirty="0"/>
-              <a:t>In the browser, enable the server, select Tools, click on </a:t>
-            </a:r>
-            <a:r>
-              <a:rPr lang="en-GB" dirty="0" err="1"/>
-              <a:t>get_cryptocurrency_price</a:t>
-            </a:r>
-            <a:r>
-              <a:rPr lang="en-GB" dirty="0"/>
-              <a:t> function, enter crypto parameter value as </a:t>
-            </a:r>
-            <a:r>
-              <a:rPr lang="en-GB" dirty="0" err="1"/>
-              <a:t>bitoin</a:t>
-            </a:r>
-            <a:r>
-              <a:rPr lang="en-GB" dirty="0"/>
-              <a:t> -&gt; Run tool -&gt; Scroll down to see status</a:t>
-            </a:r>
-          </a:p>
-          <a:p>
-            <a:r>
-              <a:rPr lang="en-GB" dirty="0"/>
-              <a:t>(</a:t>
-            </a:r>
-            <a:r>
-              <a:rPr lang="en-GB" dirty="0" err="1"/>
-              <a:t>cryptoapi</a:t>
-            </a:r>
-            <a:r>
-              <a:rPr lang="en-GB" dirty="0"/>
-              <a:t>) PS C:\code\agenticai\6_mcp\cryptoapi&gt; </a:t>
-            </a:r>
-            <a:r>
-              <a:rPr lang="en-GB" dirty="0" err="1"/>
-              <a:t>mcp</a:t>
-            </a:r>
-            <a:r>
-              <a:rPr lang="en-GB" dirty="0"/>
-              <a:t> install crypto.py</a:t>
-            </a:r>
-          </a:p>
-          <a:p>
-            <a:r>
-              <a:rPr lang="en-GB" dirty="0"/>
-              <a:t>Open Claude and type ‘What is the price of Ethereum?’</a:t>
-            </a:r>
-          </a:p>
-          <a:p>
-            <a:r>
-              <a:rPr lang="en-GB" dirty="0"/>
-              <a:t>Next ask: ‘Which is priced higher? Ethereum or Litecoin?’ – Will make two calls to the API</a:t>
-            </a:r>
-          </a:p>
-          <a:p>
-            <a:endParaRPr lang="en-GB" dirty="0"/>
-          </a:p>
-          <a:p>
-            <a:endParaRPr lang="en-GB" dirty="0"/>
-          </a:p>
-        </p:txBody>
-      </p:sp>
-    </p:spTree>
-    <p:extLst>
-      <p:ext uri="{BB962C8B-B14F-4D97-AF65-F5344CB8AC3E}">
-        <p14:creationId xmlns:p14="http://schemas.microsoft.com/office/powerpoint/2010/main" val="4025363360"/>
-      </p:ext>
-    </p:extLst>
-  </p:cSld>
-  <p:clrMapOvr>
-    <a:masterClrMapping/>
-  </p:clrMapOvr>
-</p:sld>
-</file>
-
-<file path=ppt/slides/slide26.xml><?xml version="1.0" encoding="utf-8"?>
-<p:sld xmlns:a="http://schemas.openxmlformats.org/drawingml/2006/main" xmlns:r="http://schemas.openxmlformats.org/officeDocument/2006/relationships" xmlns:p="http://schemas.openxmlformats.org/presentationml/2006/main">
-  <p:cSld>
-    <p:spTree>
-      <p:nvGrpSpPr>
-        <p:cNvPr id="1" name=""/>
-        <p:cNvGrpSpPr/>
-        <p:nvPr/>
-      </p:nvGrpSpPr>
-      <p:grpSpPr>
-        <a:xfrm>
-          <a:off x="0" y="0"/>
-          <a:ext cx="0" cy="0"/>
-          <a:chOff x="0" y="0"/>
-          <a:chExt cx="0" cy="0"/>
-        </a:xfrm>
-      </p:grpSpPr>
-      <p:sp>
-        <p:nvSpPr>
-          <p:cNvPr id="2" name="Title 1">
-            <a:extLst>
-              <a:ext uri="{FF2B5EF4-FFF2-40B4-BE49-F238E27FC236}">
-                <a16:creationId xmlns:a16="http://schemas.microsoft.com/office/drawing/2014/main" id="{22E55EFA-A268-AAB1-6526-94A70B8FB3CA}"/>
-              </a:ext>
-            </a:extLst>
-          </p:cNvPr>
-          <p:cNvSpPr>
-            <a:spLocks noGrp="1"/>
-          </p:cNvSpPr>
-          <p:nvPr>
-            <p:ph type="title"/>
-          </p:nvPr>
-        </p:nvSpPr>
-        <p:spPr/>
-        <p:txBody>
-          <a:bodyPr/>
-          <a:lstStyle/>
-          <a:p>
-            <a:r>
-              <a:rPr lang="en-IN" dirty="0"/>
-              <a:t>crypto.py</a:t>
-            </a:r>
-            <a:endParaRPr lang="en-GB" dirty="0"/>
-          </a:p>
-        </p:txBody>
-      </p:sp>
-      <p:sp>
-        <p:nvSpPr>
-          <p:cNvPr id="3" name="Content Placeholder 2">
-            <a:extLst>
-              <a:ext uri="{FF2B5EF4-FFF2-40B4-BE49-F238E27FC236}">
-                <a16:creationId xmlns:a16="http://schemas.microsoft.com/office/drawing/2014/main" id="{F535F5F1-EC90-F8D5-55A9-F57F9371F2B2}"/>
-              </a:ext>
-            </a:extLst>
-          </p:cNvPr>
-          <p:cNvSpPr>
-            <a:spLocks noGrp="1"/>
-          </p:cNvSpPr>
-          <p:nvPr>
-            <p:ph idx="1"/>
-          </p:nvPr>
-        </p:nvSpPr>
-        <p:spPr/>
-        <p:txBody>
-          <a:bodyPr>
-            <a:normAutofit fontScale="25000" lnSpcReduction="20000"/>
-          </a:bodyPr>
-          <a:lstStyle/>
-          <a:p>
-            <a:r>
-              <a:rPr lang="en-GB" dirty="0"/>
-              <a:t>from </a:t>
-            </a:r>
-            <a:r>
-              <a:rPr lang="en-GB" dirty="0" err="1"/>
-              <a:t>mcp.server.fastmcp</a:t>
-            </a:r>
-            <a:r>
-              <a:rPr lang="en-GB" dirty="0"/>
-              <a:t> import </a:t>
-            </a:r>
-            <a:r>
-              <a:rPr lang="en-GB" dirty="0" err="1"/>
-              <a:t>FastMCP</a:t>
-            </a:r>
-            <a:endParaRPr lang="en-GB" dirty="0"/>
-          </a:p>
-          <a:p>
-            <a:r>
-              <a:rPr lang="en-GB" dirty="0"/>
-              <a:t>import requests</a:t>
-            </a:r>
-          </a:p>
-          <a:p>
-            <a:br>
-              <a:rPr lang="en-GB" dirty="0"/>
-            </a:br>
-            <a:endParaRPr lang="en-GB" dirty="0"/>
-          </a:p>
-          <a:p>
-            <a:r>
-              <a:rPr lang="en-GB" dirty="0" err="1"/>
-              <a:t>mcp</a:t>
-            </a:r>
-            <a:r>
-              <a:rPr lang="en-GB" dirty="0"/>
-              <a:t> = </a:t>
-            </a:r>
-            <a:r>
-              <a:rPr lang="en-GB" dirty="0" err="1"/>
-              <a:t>FastMCP</a:t>
-            </a:r>
-            <a:r>
-              <a:rPr lang="en-GB" dirty="0"/>
-              <a:t>("Crypto")</a:t>
-            </a:r>
-          </a:p>
-          <a:p>
-            <a:br>
-              <a:rPr lang="en-GB" dirty="0"/>
-            </a:br>
-            <a:endParaRPr lang="en-GB" dirty="0"/>
-          </a:p>
-          <a:p>
-            <a:r>
-              <a:rPr lang="en-GB" dirty="0"/>
-              <a:t>@mcp.tool()</a:t>
-            </a:r>
-          </a:p>
-          <a:p>
-            <a:r>
-              <a:rPr lang="en-GB" dirty="0"/>
-              <a:t>def </a:t>
-            </a:r>
-            <a:r>
-              <a:rPr lang="en-GB" dirty="0" err="1"/>
-              <a:t>get_cryptocurrency_price</a:t>
-            </a:r>
-            <a:r>
-              <a:rPr lang="en-GB" dirty="0"/>
-              <a:t>(crypto: str) -&gt; str:</a:t>
-            </a:r>
-          </a:p>
-          <a:p>
-            <a:r>
-              <a:rPr lang="en-GB" dirty="0"/>
-              <a:t>    """</a:t>
-            </a:r>
-          </a:p>
-          <a:p>
-            <a:r>
-              <a:rPr lang="en-GB" dirty="0"/>
-              <a:t>    Gets the price of a cryptocurrency.</a:t>
-            </a:r>
-          </a:p>
-          <a:p>
-            <a:r>
-              <a:rPr lang="en-GB" dirty="0"/>
-              <a:t>    </a:t>
-            </a:r>
-            <a:r>
-              <a:rPr lang="en-GB" dirty="0" err="1"/>
-              <a:t>Args</a:t>
-            </a:r>
-            <a:r>
-              <a:rPr lang="en-GB" dirty="0"/>
-              <a:t>:</a:t>
-            </a:r>
-          </a:p>
-          <a:p>
-            <a:r>
-              <a:rPr lang="en-GB" dirty="0"/>
-              <a:t>        crypto: symbol of the cryptocurrency (e.g., 'bitcoin', '</a:t>
-            </a:r>
-            <a:r>
-              <a:rPr lang="en-GB" dirty="0" err="1"/>
-              <a:t>ethereum</a:t>
-            </a:r>
-            <a:r>
-              <a:rPr lang="en-GB" dirty="0"/>
-              <a:t>').</a:t>
-            </a:r>
-          </a:p>
-          <a:p>
-            <a:r>
-              <a:rPr lang="en-GB" dirty="0"/>
-              <a:t>    """</a:t>
-            </a:r>
-          </a:p>
-          <a:p>
-            <a:r>
-              <a:rPr lang="en-GB" dirty="0"/>
-              <a:t>    try:</a:t>
-            </a:r>
-          </a:p>
-          <a:p>
-            <a:r>
-              <a:rPr lang="en-GB" dirty="0"/>
-              <a:t>        # Use </a:t>
-            </a:r>
-            <a:r>
-              <a:rPr lang="en-GB" dirty="0" err="1"/>
-              <a:t>CoinGecko</a:t>
-            </a:r>
-            <a:r>
-              <a:rPr lang="en-GB" dirty="0"/>
-              <a:t> API to fetch current price in USD</a:t>
-            </a:r>
-          </a:p>
-          <a:p>
-            <a:r>
-              <a:rPr lang="en-GB" dirty="0"/>
-              <a:t>        </a:t>
-            </a:r>
-            <a:r>
-              <a:rPr lang="en-GB" dirty="0" err="1"/>
-              <a:t>url</a:t>
-            </a:r>
-            <a:r>
-              <a:rPr lang="en-GB" dirty="0"/>
-              <a:t> = </a:t>
-            </a:r>
-            <a:r>
-              <a:rPr lang="en-GB" dirty="0" err="1"/>
-              <a:t>f"https</a:t>
-            </a:r>
-            <a:r>
-              <a:rPr lang="en-GB" dirty="0"/>
-              <a:t>://api.coingecko.com/</a:t>
-            </a:r>
-            <a:r>
-              <a:rPr lang="en-GB" dirty="0" err="1"/>
-              <a:t>api</a:t>
-            </a:r>
-            <a:r>
-              <a:rPr lang="en-GB" dirty="0"/>
-              <a:t>/v3/simple/price"</a:t>
-            </a:r>
-          </a:p>
-          <a:p>
-            <a:r>
-              <a:rPr lang="en-GB" dirty="0"/>
-              <a:t>        params = {"ids": </a:t>
-            </a:r>
-            <a:r>
-              <a:rPr lang="en-GB" dirty="0" err="1"/>
-              <a:t>crypto.lower</a:t>
-            </a:r>
-            <a:r>
-              <a:rPr lang="en-GB" dirty="0"/>
-              <a:t>(), "</a:t>
-            </a:r>
-            <a:r>
-              <a:rPr lang="en-GB" dirty="0" err="1"/>
-              <a:t>vs_currencies</a:t>
-            </a:r>
-            <a:r>
-              <a:rPr lang="en-GB" dirty="0"/>
-              <a:t>": "</a:t>
-            </a:r>
-            <a:r>
-              <a:rPr lang="en-GB" dirty="0" err="1"/>
-              <a:t>inr</a:t>
-            </a:r>
-            <a:r>
-              <a:rPr lang="en-GB" dirty="0"/>
-              <a:t>"}</a:t>
-            </a:r>
-          </a:p>
-          <a:p>
-            <a:r>
-              <a:rPr lang="en-GB" dirty="0"/>
-              <a:t>        response = </a:t>
-            </a:r>
-            <a:r>
-              <a:rPr lang="en-GB" dirty="0" err="1"/>
-              <a:t>requests.get</a:t>
-            </a:r>
-            <a:r>
-              <a:rPr lang="en-GB" dirty="0"/>
-              <a:t>(</a:t>
-            </a:r>
-            <a:r>
-              <a:rPr lang="en-GB" dirty="0" err="1"/>
-              <a:t>url</a:t>
-            </a:r>
-            <a:r>
-              <a:rPr lang="en-GB" dirty="0"/>
-              <a:t>, params=params, timeout=10)</a:t>
-            </a:r>
-          </a:p>
-          <a:p>
-            <a:r>
-              <a:rPr lang="en-GB" dirty="0"/>
-              <a:t>        </a:t>
-            </a:r>
-            <a:r>
-              <a:rPr lang="en-GB" dirty="0" err="1"/>
-              <a:t>response.raise_for_status</a:t>
-            </a:r>
-            <a:r>
-              <a:rPr lang="en-GB" dirty="0"/>
-              <a:t>()</a:t>
-            </a:r>
-          </a:p>
-          <a:p>
-            <a:r>
-              <a:rPr lang="en-GB" dirty="0"/>
-              <a:t>        data = </a:t>
-            </a:r>
-            <a:r>
-              <a:rPr lang="en-GB" dirty="0" err="1"/>
-              <a:t>response.json</a:t>
-            </a:r>
-            <a:r>
-              <a:rPr lang="en-GB" dirty="0"/>
-              <a:t>()</a:t>
-            </a:r>
-          </a:p>
-          <a:p>
-            <a:r>
-              <a:rPr lang="en-GB" dirty="0"/>
-              <a:t>        price = </a:t>
-            </a:r>
-            <a:r>
-              <a:rPr lang="en-GB" dirty="0" err="1"/>
-              <a:t>data.get</a:t>
-            </a:r>
-            <a:r>
-              <a:rPr lang="en-GB" dirty="0"/>
-              <a:t>(</a:t>
-            </a:r>
-            <a:r>
-              <a:rPr lang="en-GB" dirty="0" err="1"/>
-              <a:t>crypto.lower</a:t>
-            </a:r>
-            <a:r>
-              <a:rPr lang="en-GB" dirty="0"/>
-              <a:t>(), {}).get("</a:t>
-            </a:r>
-            <a:r>
-              <a:rPr lang="en-GB" dirty="0" err="1"/>
-              <a:t>inr</a:t>
-            </a:r>
-            <a:r>
-              <a:rPr lang="en-GB" dirty="0"/>
-              <a:t>")</a:t>
-            </a:r>
-          </a:p>
-          <a:p>
-            <a:r>
-              <a:rPr lang="en-GB" dirty="0"/>
-              <a:t>        if price is not None:</a:t>
-            </a:r>
-          </a:p>
-          <a:p>
-            <a:r>
-              <a:rPr lang="en-GB" dirty="0"/>
-              <a:t>            return </a:t>
-            </a:r>
-            <a:r>
-              <a:rPr lang="en-GB" dirty="0" err="1"/>
-              <a:t>f"The</a:t>
-            </a:r>
-            <a:r>
-              <a:rPr lang="en-GB" dirty="0"/>
-              <a:t> price of {crypto} is Rs {price}."</a:t>
-            </a:r>
-          </a:p>
-          <a:p>
-            <a:r>
-              <a:rPr lang="en-GB" dirty="0"/>
-              <a:t>        else:</a:t>
-            </a:r>
-          </a:p>
-          <a:p>
-            <a:r>
-              <a:rPr lang="en-GB" dirty="0"/>
-              <a:t>            return </a:t>
-            </a:r>
-            <a:r>
-              <a:rPr lang="en-GB" dirty="0" err="1"/>
-              <a:t>f"Price</a:t>
-            </a:r>
-            <a:r>
-              <a:rPr lang="en-GB" dirty="0"/>
-              <a:t> for {crypto} not found."</a:t>
-            </a:r>
-          </a:p>
-          <a:p>
-            <a:r>
-              <a:rPr lang="en-GB" dirty="0"/>
-              <a:t>    except Exception as e:</a:t>
-            </a:r>
-          </a:p>
-          <a:p>
-            <a:r>
-              <a:rPr lang="en-GB" dirty="0"/>
-              <a:t>        return </a:t>
-            </a:r>
-            <a:r>
-              <a:rPr lang="en-GB" dirty="0" err="1"/>
-              <a:t>f"Error</a:t>
-            </a:r>
-            <a:r>
-              <a:rPr lang="en-GB" dirty="0"/>
-              <a:t> fetching price for {crypto}: {e}"</a:t>
-            </a:r>
-          </a:p>
-          <a:p>
-            <a:r>
-              <a:rPr lang="en-GB" dirty="0"/>
-              <a:t>    </a:t>
-            </a:r>
-          </a:p>
-          <a:p>
-            <a:r>
-              <a:rPr lang="en-GB" dirty="0"/>
-              <a:t>if __name__ == "__main__":</a:t>
-            </a:r>
-          </a:p>
-          <a:p>
-            <a:r>
-              <a:rPr lang="en-GB" dirty="0"/>
-              <a:t>    </a:t>
-            </a:r>
-            <a:r>
-              <a:rPr lang="en-GB" dirty="0" err="1"/>
-              <a:t>mcp.run</a:t>
-            </a:r>
-            <a:r>
-              <a:rPr lang="en-GB" dirty="0"/>
-              <a:t>()</a:t>
-            </a:r>
-          </a:p>
-          <a:p>
-            <a:endParaRPr lang="en-GB" dirty="0"/>
-          </a:p>
-        </p:txBody>
-      </p:sp>
-    </p:spTree>
-    <p:extLst>
-      <p:ext uri="{BB962C8B-B14F-4D97-AF65-F5344CB8AC3E}">
-        <p14:creationId xmlns:p14="http://schemas.microsoft.com/office/powerpoint/2010/main" val="1675816700"/>
-      </p:ext>
-    </p:extLst>
-  </p:cSld>
-  <p:clrMapOvr>
-    <a:masterClrMapping/>
-  </p:clrMapOvr>
-</p:sld>
-</file>
-
-<file path=ppt/slides/slide27.xml><?xml version="1.0" encoding="utf-8"?>
-<p:sld xmlns:a="http://schemas.openxmlformats.org/drawingml/2006/main" xmlns:r="http://schemas.openxmlformats.org/officeDocument/2006/relationships" xmlns:p="http://schemas.openxmlformats.org/presentationml/2006/main">
-  <p:cSld>
-    <p:spTree>
-      <p:nvGrpSpPr>
-        <p:cNvPr id="1" name=""/>
-        <p:cNvGrpSpPr/>
-        <p:nvPr/>
-      </p:nvGrpSpPr>
-      <p:grpSpPr>
-        <a:xfrm>
-          <a:off x="0" y="0"/>
-          <a:ext cx="0" cy="0"/>
-          <a:chOff x="0" y="0"/>
-          <a:chExt cx="0" cy="0"/>
-        </a:xfrm>
-      </p:grpSpPr>
-      <p:sp>
-        <p:nvSpPr>
-          <p:cNvPr id="2" name="Title 1">
-            <a:extLst>
-              <a:ext uri="{FF2B5EF4-FFF2-40B4-BE49-F238E27FC236}">
-                <a16:creationId xmlns:a16="http://schemas.microsoft.com/office/drawing/2014/main" id="{A3AA2CF8-44A6-7889-7A98-2CB4006E543B}"/>
-              </a:ext>
-            </a:extLst>
-          </p:cNvPr>
-          <p:cNvSpPr>
-            <a:spLocks noGrp="1"/>
-          </p:cNvSpPr>
-          <p:nvPr>
-            <p:ph type="title"/>
-          </p:nvPr>
-        </p:nvSpPr>
-        <p:spPr/>
-        <p:txBody>
-          <a:bodyPr>
-            <a:noAutofit/>
-          </a:bodyPr>
-          <a:lstStyle/>
-          <a:p>
-            <a:r>
-              <a:rPr lang="en-IN" sz="3600" dirty="0"/>
-              <a:t>Calling Our MCP Server Through an MCP Client (C:\code\</a:t>
-            </a:r>
-            <a:r>
-              <a:rPr lang="en-IN" sz="3600" dirty="0" err="1"/>
-              <a:t>agenticai</a:t>
-            </a:r>
-            <a:r>
-              <a:rPr lang="en-IN" sz="3600" dirty="0"/>
-              <a:t>\6_mcp\</a:t>
-            </a:r>
-            <a:r>
-              <a:rPr lang="en-IN" sz="3600" dirty="0" err="1"/>
-              <a:t>cryptoapi</a:t>
-            </a:r>
-            <a:r>
-              <a:rPr lang="en-IN" sz="3600" dirty="0"/>
-              <a:t>\cryptoclient.py)</a:t>
-            </a:r>
-            <a:endParaRPr lang="en-GB" sz="3600" dirty="0"/>
-          </a:p>
-        </p:txBody>
-      </p:sp>
-      <p:sp>
-        <p:nvSpPr>
-          <p:cNvPr id="3" name="Content Placeholder 2">
-            <a:extLst>
-              <a:ext uri="{FF2B5EF4-FFF2-40B4-BE49-F238E27FC236}">
-                <a16:creationId xmlns:a16="http://schemas.microsoft.com/office/drawing/2014/main" id="{219A719A-C50A-F40D-D3F9-3D39B86CFCD0}"/>
-              </a:ext>
-            </a:extLst>
-          </p:cNvPr>
-          <p:cNvSpPr>
-            <a:spLocks noGrp="1"/>
-          </p:cNvSpPr>
-          <p:nvPr>
-            <p:ph idx="1"/>
-          </p:nvPr>
-        </p:nvSpPr>
-        <p:spPr/>
-        <p:txBody>
-          <a:bodyPr>
-            <a:normAutofit fontScale="25000" lnSpcReduction="20000"/>
-          </a:bodyPr>
-          <a:lstStyle/>
-          <a:p>
-            <a:r>
-              <a:rPr lang="en-GB" dirty="0"/>
-              <a:t>"""</a:t>
-            </a:r>
-          </a:p>
-          <a:p>
-            <a:r>
-              <a:rPr lang="en-GB" dirty="0"/>
-              <a:t>Simple MCP Client for crypto.py server</a:t>
-            </a:r>
-          </a:p>
-          <a:p>
-            <a:r>
-              <a:rPr lang="en-GB" dirty="0"/>
-              <a:t>"""</a:t>
-            </a:r>
-          </a:p>
-          <a:p>
-            <a:br>
-              <a:rPr lang="en-GB" dirty="0"/>
-            </a:br>
-            <a:endParaRPr lang="en-GB" dirty="0"/>
-          </a:p>
-          <a:p>
-            <a:r>
-              <a:rPr lang="en-GB" dirty="0"/>
-              <a:t>import </a:t>
-            </a:r>
-            <a:r>
-              <a:rPr lang="en-GB" dirty="0" err="1"/>
-              <a:t>asyncio</a:t>
-            </a:r>
-            <a:endParaRPr lang="en-GB" dirty="0"/>
-          </a:p>
-          <a:p>
-            <a:r>
-              <a:rPr lang="en-GB" dirty="0"/>
-              <a:t>from </a:t>
-            </a:r>
-            <a:r>
-              <a:rPr lang="en-GB" dirty="0" err="1"/>
-              <a:t>mcp</a:t>
-            </a:r>
-            <a:r>
-              <a:rPr lang="en-GB" dirty="0"/>
-              <a:t> import </a:t>
-            </a:r>
-            <a:r>
-              <a:rPr lang="en-GB" dirty="0" err="1"/>
-              <a:t>ClientSession</a:t>
-            </a:r>
-            <a:r>
-              <a:rPr lang="en-GB" dirty="0"/>
-              <a:t>, </a:t>
-            </a:r>
-            <a:r>
-              <a:rPr lang="en-GB" dirty="0" err="1"/>
-              <a:t>StdioServerParameters</a:t>
-            </a:r>
-            <a:endParaRPr lang="en-GB" dirty="0"/>
-          </a:p>
-          <a:p>
-            <a:r>
-              <a:rPr lang="en-GB" dirty="0"/>
-              <a:t>from </a:t>
-            </a:r>
-            <a:r>
-              <a:rPr lang="en-GB" dirty="0" err="1"/>
-              <a:t>mcp.client.stdio</a:t>
-            </a:r>
-            <a:r>
-              <a:rPr lang="en-GB" dirty="0"/>
-              <a:t> import </a:t>
-            </a:r>
-            <a:r>
-              <a:rPr lang="en-GB" dirty="0" err="1"/>
-              <a:t>stdio_client</a:t>
-            </a:r>
-            <a:endParaRPr lang="en-GB" dirty="0"/>
-          </a:p>
-          <a:p>
-            <a:br>
-              <a:rPr lang="en-GB" dirty="0"/>
-            </a:br>
-            <a:br>
-              <a:rPr lang="en-GB" dirty="0"/>
-            </a:br>
-            <a:endParaRPr lang="en-GB" dirty="0"/>
-          </a:p>
-          <a:p>
-            <a:r>
-              <a:rPr lang="en-GB" dirty="0"/>
-              <a:t>async def </a:t>
-            </a:r>
-            <a:r>
-              <a:rPr lang="en-GB" dirty="0" err="1"/>
-              <a:t>get_crypto_price</a:t>
-            </a:r>
-            <a:r>
-              <a:rPr lang="en-GB" dirty="0"/>
-              <a:t>(</a:t>
-            </a:r>
-            <a:r>
-              <a:rPr lang="en-GB" dirty="0" err="1"/>
-              <a:t>crypto_symbol</a:t>
-            </a:r>
-            <a:r>
-              <a:rPr lang="en-GB" dirty="0"/>
-              <a:t>: str) -&gt; str:</a:t>
-            </a:r>
-          </a:p>
-          <a:p>
-            <a:r>
-              <a:rPr lang="en-GB" dirty="0"/>
-              <a:t>    """Get cryptocurrency price from the MCP server"""</a:t>
-            </a:r>
-          </a:p>
-          <a:p>
-            <a:r>
-              <a:rPr lang="en-GB" dirty="0"/>
-              <a:t>    </a:t>
-            </a:r>
-            <a:r>
-              <a:rPr lang="en-GB" dirty="0" err="1"/>
-              <a:t>server_params</a:t>
-            </a:r>
-            <a:r>
-              <a:rPr lang="en-GB" dirty="0"/>
-              <a:t> = </a:t>
-            </a:r>
-            <a:r>
-              <a:rPr lang="en-GB" dirty="0" err="1"/>
-              <a:t>StdioServerParameters</a:t>
-            </a:r>
-            <a:r>
-              <a:rPr lang="en-GB" dirty="0"/>
-              <a:t>(</a:t>
-            </a:r>
-          </a:p>
-          <a:p>
-            <a:r>
-              <a:rPr lang="en-GB" dirty="0"/>
-              <a:t>        command="python",</a:t>
-            </a:r>
-          </a:p>
-          <a:p>
-            <a:r>
-              <a:rPr lang="en-GB" dirty="0"/>
-              <a:t>        </a:t>
-            </a:r>
-            <a:r>
-              <a:rPr lang="en-GB" dirty="0" err="1"/>
-              <a:t>args</a:t>
-            </a:r>
-            <a:r>
-              <a:rPr lang="en-GB" dirty="0"/>
-              <a:t>=["./crypto.py"]  # Adjust path as needed</a:t>
-            </a:r>
-          </a:p>
-          <a:p>
-            <a:r>
-              <a:rPr lang="en-GB" dirty="0"/>
-              <a:t>    )</a:t>
-            </a:r>
-          </a:p>
-          <a:p>
-            <a:r>
-              <a:rPr lang="en-GB" dirty="0"/>
-              <a:t>    </a:t>
-            </a:r>
-          </a:p>
-          <a:p>
-            <a:r>
-              <a:rPr lang="en-GB" dirty="0"/>
-              <a:t>    # </a:t>
-            </a:r>
-            <a:r>
-              <a:rPr lang="en-GB" dirty="0" err="1"/>
-              <a:t>stdio_client</a:t>
-            </a:r>
-            <a:r>
-              <a:rPr lang="en-GB" dirty="0"/>
-              <a:t>() launches the MCP server</a:t>
-            </a:r>
-          </a:p>
-          <a:p>
-            <a:r>
-              <a:rPr lang="en-GB" dirty="0"/>
-              <a:t>    # </a:t>
-            </a:r>
-            <a:r>
-              <a:rPr lang="en-GB" dirty="0" err="1"/>
-              <a:t>clientsession</a:t>
-            </a:r>
-            <a:r>
-              <a:rPr lang="en-GB" dirty="0"/>
-              <a:t>() connects to the server</a:t>
-            </a:r>
-          </a:p>
-          <a:p>
-            <a:r>
-              <a:rPr lang="en-GB" dirty="0"/>
-              <a:t>    # Both use </a:t>
-            </a:r>
-            <a:r>
-              <a:rPr lang="en-GB" dirty="0" err="1"/>
-              <a:t>asyncio</a:t>
-            </a:r>
-            <a:r>
-              <a:rPr lang="en-GB" dirty="0"/>
-              <a:t> fora proper cleanup</a:t>
-            </a:r>
-          </a:p>
-          <a:p>
-            <a:r>
-              <a:rPr lang="en-GB" dirty="0"/>
-              <a:t>    async with </a:t>
-            </a:r>
-            <a:r>
-              <a:rPr lang="en-GB" dirty="0" err="1"/>
-              <a:t>stdio_client</a:t>
-            </a:r>
-            <a:r>
-              <a:rPr lang="en-GB" dirty="0"/>
-              <a:t>(</a:t>
-            </a:r>
-            <a:r>
-              <a:rPr lang="en-GB" dirty="0" err="1"/>
-              <a:t>server_params</a:t>
-            </a:r>
-            <a:r>
-              <a:rPr lang="en-GB" dirty="0"/>
-              <a:t>) as (</a:t>
-            </a:r>
-            <a:r>
-              <a:rPr lang="en-GB" dirty="0" err="1"/>
-              <a:t>read_stream</a:t>
-            </a:r>
-            <a:r>
-              <a:rPr lang="en-GB" dirty="0"/>
-              <a:t>, </a:t>
-            </a:r>
-            <a:r>
-              <a:rPr lang="en-GB" dirty="0" err="1"/>
-              <a:t>write_stream</a:t>
-            </a:r>
-            <a:r>
-              <a:rPr lang="en-GB" dirty="0"/>
-              <a:t>):</a:t>
-            </a:r>
-          </a:p>
-          <a:p>
-            <a:r>
-              <a:rPr lang="en-GB" dirty="0"/>
-              <a:t>        async with </a:t>
-            </a:r>
-            <a:r>
-              <a:rPr lang="en-GB" dirty="0" err="1"/>
-              <a:t>ClientSession</a:t>
-            </a:r>
-            <a:r>
-              <a:rPr lang="en-GB" dirty="0"/>
-              <a:t>(</a:t>
-            </a:r>
-            <a:r>
-              <a:rPr lang="en-GB" dirty="0" err="1"/>
-              <a:t>read_stream</a:t>
-            </a:r>
-            <a:r>
-              <a:rPr lang="en-GB" dirty="0"/>
-              <a:t>, </a:t>
-            </a:r>
-            <a:r>
-              <a:rPr lang="en-GB" dirty="0" err="1"/>
-              <a:t>write_stream</a:t>
-            </a:r>
-            <a:r>
-              <a:rPr lang="en-GB" dirty="0"/>
-              <a:t>) as session:</a:t>
-            </a:r>
-          </a:p>
-          <a:p>
-            <a:r>
-              <a:rPr lang="en-GB" dirty="0"/>
-              <a:t>            # MCP handshake - Client and server exchange capabilities</a:t>
-            </a:r>
-          </a:p>
-          <a:p>
-            <a:r>
-              <a:rPr lang="en-GB" dirty="0"/>
-              <a:t>            await </a:t>
-            </a:r>
-            <a:r>
-              <a:rPr lang="en-GB" dirty="0" err="1"/>
-              <a:t>session.initialize</a:t>
-            </a:r>
-            <a:r>
-              <a:rPr lang="en-GB" dirty="0"/>
-              <a:t>()</a:t>
-            </a:r>
-          </a:p>
-          <a:p>
-            <a:r>
-              <a:rPr lang="en-GB" dirty="0"/>
-              <a:t>            </a:t>
-            </a:r>
-          </a:p>
-          <a:p>
-            <a:r>
-              <a:rPr lang="en-GB" dirty="0"/>
-              <a:t>            # Actual tool call</a:t>
-            </a:r>
-          </a:p>
-          <a:p>
-            <a:r>
-              <a:rPr lang="en-GB" dirty="0"/>
-              <a:t>            result = await </a:t>
-            </a:r>
-            <a:r>
-              <a:rPr lang="en-GB" dirty="0" err="1"/>
-              <a:t>session.call_tool</a:t>
-            </a:r>
-            <a:r>
-              <a:rPr lang="en-GB" dirty="0"/>
-              <a:t>(</a:t>
-            </a:r>
-          </a:p>
-          <a:p>
-            <a:r>
-              <a:rPr lang="en-GB" dirty="0"/>
-              <a:t>                "</a:t>
-            </a:r>
-            <a:r>
-              <a:rPr lang="en-GB" dirty="0" err="1"/>
-              <a:t>get_cryptocurrency_price</a:t>
-            </a:r>
-            <a:r>
-              <a:rPr lang="en-GB" dirty="0"/>
-              <a:t>",</a:t>
-            </a:r>
-          </a:p>
-          <a:p>
-            <a:r>
-              <a:rPr lang="en-GB" dirty="0"/>
-              <a:t>                arguments={"crypto": </a:t>
-            </a:r>
-            <a:r>
-              <a:rPr lang="en-GB" dirty="0" err="1"/>
-              <a:t>crypto_symbol</a:t>
-            </a:r>
-            <a:r>
-              <a:rPr lang="en-GB" dirty="0"/>
-              <a:t>}</a:t>
-            </a:r>
-          </a:p>
-          <a:p>
-            <a:r>
-              <a:rPr lang="en-GB" dirty="0"/>
-              <a:t>            )</a:t>
-            </a:r>
-          </a:p>
-          <a:p>
-            <a:r>
-              <a:rPr lang="en-GB" dirty="0"/>
-              <a:t>            </a:t>
-            </a:r>
-          </a:p>
-          <a:p>
-            <a:r>
-              <a:rPr lang="en-GB" dirty="0"/>
-              <a:t>            # MCP returns have a content array</a:t>
-            </a:r>
-          </a:p>
-          <a:p>
-            <a:r>
-              <a:rPr lang="en-GB" dirty="0"/>
-              <a:t>            return </a:t>
-            </a:r>
-            <a:r>
-              <a:rPr lang="en-GB" dirty="0" err="1"/>
-              <a:t>result.content</a:t>
-            </a:r>
-            <a:r>
-              <a:rPr lang="en-GB" dirty="0"/>
-              <a:t>[0].text if </a:t>
-            </a:r>
-            <a:r>
-              <a:rPr lang="en-GB" dirty="0" err="1"/>
-              <a:t>result.content</a:t>
-            </a:r>
-            <a:r>
-              <a:rPr lang="en-GB" dirty="0"/>
-              <a:t> else "No response"</a:t>
-            </a:r>
-          </a:p>
-          <a:p>
-            <a:br>
-              <a:rPr lang="en-GB" dirty="0"/>
-            </a:br>
-            <a:br>
-              <a:rPr lang="en-GB" dirty="0"/>
-            </a:br>
-            <a:endParaRPr lang="en-GB" dirty="0"/>
-          </a:p>
-          <a:p>
-            <a:r>
-              <a:rPr lang="en-GB" dirty="0"/>
-              <a:t>async def main():</a:t>
-            </a:r>
-          </a:p>
-          <a:p>
-            <a:r>
-              <a:rPr lang="en-GB" dirty="0"/>
-              <a:t>    """Interactive crypto price checker"""</a:t>
-            </a:r>
-          </a:p>
-          <a:p>
-            <a:r>
-              <a:rPr lang="en-GB" dirty="0"/>
-              <a:t>    print("Crypto Price Checker (type 'quit' to exit)")</a:t>
-            </a:r>
-          </a:p>
-          <a:p>
-            <a:r>
-              <a:rPr lang="en-GB" dirty="0"/>
-              <a:t>    </a:t>
-            </a:r>
-          </a:p>
-          <a:p>
-            <a:r>
-              <a:rPr lang="en-GB" dirty="0"/>
-              <a:t>    # Main loop</a:t>
-            </a:r>
-          </a:p>
-          <a:p>
-            <a:r>
-              <a:rPr lang="en-GB" dirty="0"/>
-              <a:t>    while True:</a:t>
-            </a:r>
-          </a:p>
-          <a:p>
-            <a:r>
-              <a:rPr lang="en-GB" dirty="0"/>
-              <a:t>        crypto = input("\</a:t>
-            </a:r>
-            <a:r>
-              <a:rPr lang="en-GB" dirty="0" err="1"/>
-              <a:t>nEnter</a:t>
-            </a:r>
-            <a:r>
-              <a:rPr lang="en-GB" dirty="0"/>
-              <a:t> crypto symbol: ").strip()</a:t>
-            </a:r>
-          </a:p>
-          <a:p>
-            <a:r>
-              <a:rPr lang="en-GB" dirty="0"/>
-              <a:t>        </a:t>
-            </a:r>
-          </a:p>
-          <a:p>
-            <a:r>
-              <a:rPr lang="en-GB" dirty="0"/>
-              <a:t>        if </a:t>
-            </a:r>
-            <a:r>
-              <a:rPr lang="en-GB" dirty="0" err="1"/>
-              <a:t>crypto.lower</a:t>
-            </a:r>
-            <a:r>
-              <a:rPr lang="en-GB" dirty="0"/>
-              <a:t>() in ['quit', 'exit', 'q']:</a:t>
-            </a:r>
-          </a:p>
-          <a:p>
-            <a:r>
-              <a:rPr lang="en-GB" dirty="0"/>
-              <a:t>            break</a:t>
-            </a:r>
-          </a:p>
-          <a:p>
-            <a:r>
-              <a:rPr lang="en-GB" dirty="0"/>
-              <a:t>            </a:t>
-            </a:r>
-          </a:p>
-          <a:p>
-            <a:r>
-              <a:rPr lang="en-GB" dirty="0"/>
-              <a:t>        if crypto:</a:t>
-            </a:r>
-          </a:p>
-          <a:p>
-            <a:r>
-              <a:rPr lang="en-GB" dirty="0"/>
-              <a:t>            try:</a:t>
-            </a:r>
-          </a:p>
-          <a:p>
-            <a:r>
-              <a:rPr lang="en-GB" dirty="0"/>
-              <a:t>                price = await </a:t>
-            </a:r>
-            <a:r>
-              <a:rPr lang="en-GB" dirty="0" err="1"/>
-              <a:t>get_crypto_price</a:t>
-            </a:r>
-            <a:r>
-              <a:rPr lang="en-GB" dirty="0"/>
-              <a:t>(crypto)</a:t>
-            </a:r>
-          </a:p>
-          <a:p>
-            <a:r>
-              <a:rPr lang="en-GB" dirty="0"/>
-              <a:t>                print(price)</a:t>
-            </a:r>
-          </a:p>
-          <a:p>
-            <a:r>
-              <a:rPr lang="en-GB" dirty="0"/>
-              <a:t>            except Exception as e:</a:t>
-            </a:r>
-          </a:p>
-          <a:p>
-            <a:r>
-              <a:rPr lang="en-GB" dirty="0"/>
-              <a:t>                print(</a:t>
-            </a:r>
-            <a:r>
-              <a:rPr lang="en-GB" dirty="0" err="1"/>
-              <a:t>f"Error</a:t>
-            </a:r>
-            <a:r>
-              <a:rPr lang="en-GB" dirty="0"/>
-              <a:t>: {e}")</a:t>
-            </a:r>
-          </a:p>
-          <a:p>
-            <a:br>
-              <a:rPr lang="en-GB" dirty="0"/>
-            </a:br>
-            <a:br>
-              <a:rPr lang="en-GB" dirty="0"/>
-            </a:br>
-            <a:endParaRPr lang="en-GB" dirty="0"/>
-          </a:p>
-          <a:p>
-            <a:r>
-              <a:rPr lang="en-GB" dirty="0"/>
-              <a:t>if __name__ == "__main__":</a:t>
-            </a:r>
-          </a:p>
-          <a:p>
-            <a:r>
-              <a:rPr lang="en-GB" dirty="0"/>
-              <a:t>    </a:t>
-            </a:r>
-            <a:r>
-              <a:rPr lang="en-GB" dirty="0" err="1"/>
-              <a:t>asyncio.run</a:t>
-            </a:r>
-            <a:r>
-              <a:rPr lang="en-GB" dirty="0"/>
-              <a:t>(main())</a:t>
-            </a:r>
-          </a:p>
-        </p:txBody>
-      </p:sp>
-    </p:spTree>
-    <p:extLst>
-      <p:ext uri="{BB962C8B-B14F-4D97-AF65-F5344CB8AC3E}">
-        <p14:creationId xmlns:p14="http://schemas.microsoft.com/office/powerpoint/2010/main" val="1045020506"/>
-      </p:ext>
-    </p:extLst>
-  </p:cSld>
-  <p:clrMapOvr>
-    <a:masterClrMapping/>
-  </p:clrMapOvr>
-</p:sld>
-</file>
-
-<file path=ppt/slides/slide28.xml><?xml version="1.0" encoding="utf-8"?>
-<p:sld xmlns:a="http://schemas.openxmlformats.org/drawingml/2006/main" xmlns:r="http://schemas.openxmlformats.org/officeDocument/2006/relationships" xmlns:p="http://schemas.openxmlformats.org/presentationml/2006/main">
-  <p:cSld>
-    <p:spTree>
-      <p:nvGrpSpPr>
-        <p:cNvPr id="1" name=""/>
-        <p:cNvGrpSpPr/>
-        <p:nvPr/>
-      </p:nvGrpSpPr>
-      <p:grpSpPr>
-        <a:xfrm>
-          <a:off x="0" y="0"/>
-          <a:ext cx="0" cy="0"/>
-          <a:chOff x="0" y="0"/>
-          <a:chExt cx="0" cy="0"/>
-        </a:xfrm>
-      </p:grpSpPr>
-      <p:sp>
-        <p:nvSpPr>
-          <p:cNvPr id="2" name="Title 1">
-            <a:extLst>
-              <a:ext uri="{FF2B5EF4-FFF2-40B4-BE49-F238E27FC236}">
-                <a16:creationId xmlns:a16="http://schemas.microsoft.com/office/drawing/2014/main" id="{12FECCD6-9010-1457-8C96-F950B4FF608A}"/>
-              </a:ext>
-            </a:extLst>
-          </p:cNvPr>
-          <p:cNvSpPr>
-            <a:spLocks noGrp="1"/>
-          </p:cNvSpPr>
-          <p:nvPr>
-            <p:ph type="title"/>
-          </p:nvPr>
-        </p:nvSpPr>
-        <p:spPr/>
-        <p:txBody>
-          <a:bodyPr>
-            <a:noAutofit/>
-          </a:bodyPr>
-          <a:lstStyle/>
-          <a:p>
-            <a:r>
-              <a:rPr lang="en-IN" sz="3600" dirty="0"/>
-              <a:t>Using </a:t>
-            </a:r>
-            <a:r>
-              <a:rPr lang="en-IN" sz="3600"/>
-              <a:t>an AI Agent </a:t>
-            </a:r>
-            <a:r>
-              <a:rPr lang="en-IN" sz="3600" dirty="0"/>
-              <a:t>Instead of an MCP Client (C:\code\</a:t>
-            </a:r>
-            <a:r>
-              <a:rPr lang="en-IN" sz="3600" dirty="0" err="1"/>
-              <a:t>agenticai</a:t>
-            </a:r>
-            <a:r>
-              <a:rPr lang="en-IN" sz="3600" dirty="0"/>
-              <a:t>\6_mcp\</a:t>
-            </a:r>
-            <a:r>
-              <a:rPr lang="en-IN" sz="3600" dirty="0" err="1"/>
-              <a:t>cryptoapi</a:t>
-            </a:r>
-            <a:r>
-              <a:rPr lang="en-IN" sz="3600" dirty="0"/>
-              <a:t>\cryptoagent.py)</a:t>
-            </a:r>
-            <a:endParaRPr lang="en-GB" sz="3600" dirty="0"/>
-          </a:p>
-        </p:txBody>
-      </p:sp>
-      <p:sp>
-        <p:nvSpPr>
-          <p:cNvPr id="3" name="Content Placeholder 2">
-            <a:extLst>
-              <a:ext uri="{FF2B5EF4-FFF2-40B4-BE49-F238E27FC236}">
-                <a16:creationId xmlns:a16="http://schemas.microsoft.com/office/drawing/2014/main" id="{104DFA94-7813-0369-457F-0A458A5BF504}"/>
-              </a:ext>
-            </a:extLst>
-          </p:cNvPr>
-          <p:cNvSpPr>
-            <a:spLocks noGrp="1"/>
-          </p:cNvSpPr>
-          <p:nvPr>
-            <p:ph idx="1"/>
-          </p:nvPr>
-        </p:nvSpPr>
-        <p:spPr/>
-        <p:txBody>
-          <a:bodyPr>
-            <a:normAutofit fontScale="25000" lnSpcReduction="20000"/>
-          </a:bodyPr>
-          <a:lstStyle/>
-          <a:p>
-            <a:r>
-              <a:rPr lang="en-GB" dirty="0"/>
-              <a:t>import </a:t>
-            </a:r>
-            <a:r>
-              <a:rPr lang="en-GB" dirty="0" err="1"/>
-              <a:t>asyncio</a:t>
-            </a:r>
-            <a:endParaRPr lang="en-GB" dirty="0"/>
-          </a:p>
-          <a:p>
-            <a:r>
-              <a:rPr lang="en-GB" dirty="0"/>
-              <a:t>import </a:t>
-            </a:r>
-            <a:r>
-              <a:rPr lang="en-GB" dirty="0" err="1"/>
-              <a:t>json</a:t>
-            </a:r>
-            <a:endParaRPr lang="en-GB" dirty="0"/>
-          </a:p>
-          <a:p>
-            <a:r>
-              <a:rPr lang="en-GB" dirty="0"/>
-              <a:t>from </a:t>
-            </a:r>
-            <a:r>
-              <a:rPr lang="en-GB" dirty="0" err="1"/>
-              <a:t>dotenv</a:t>
-            </a:r>
-            <a:r>
-              <a:rPr lang="en-GB" dirty="0"/>
-              <a:t> import </a:t>
-            </a:r>
-            <a:r>
-              <a:rPr lang="en-GB" dirty="0" err="1"/>
-              <a:t>load_dotenv</a:t>
-            </a:r>
-            <a:endParaRPr lang="en-GB" dirty="0"/>
-          </a:p>
-          <a:p>
-            <a:r>
-              <a:rPr lang="en-GB" dirty="0"/>
-              <a:t>from </a:t>
-            </a:r>
-            <a:r>
-              <a:rPr lang="en-GB" dirty="0" err="1"/>
-              <a:t>mcp</a:t>
-            </a:r>
-            <a:r>
-              <a:rPr lang="en-GB" dirty="0"/>
-              <a:t> import </a:t>
-            </a:r>
-            <a:r>
-              <a:rPr lang="en-GB" dirty="0" err="1"/>
-              <a:t>ClientSession</a:t>
-            </a:r>
-            <a:r>
-              <a:rPr lang="en-GB" dirty="0"/>
-              <a:t>, </a:t>
-            </a:r>
-            <a:r>
-              <a:rPr lang="en-GB" dirty="0" err="1"/>
-              <a:t>StdioServerParameters</a:t>
-            </a:r>
-            <a:endParaRPr lang="en-GB" dirty="0"/>
-          </a:p>
-          <a:p>
-            <a:r>
-              <a:rPr lang="en-GB" dirty="0"/>
-              <a:t>from </a:t>
-            </a:r>
-            <a:r>
-              <a:rPr lang="en-GB" dirty="0" err="1"/>
-              <a:t>mcp.client.stdio</a:t>
-            </a:r>
-            <a:r>
-              <a:rPr lang="en-GB" dirty="0"/>
-              <a:t> import </a:t>
-            </a:r>
-            <a:r>
-              <a:rPr lang="en-GB" dirty="0" err="1"/>
-              <a:t>stdio_client</a:t>
-            </a:r>
-            <a:endParaRPr lang="en-GB" dirty="0"/>
-          </a:p>
-          <a:p>
-            <a:r>
-              <a:rPr lang="en-GB" dirty="0"/>
-              <a:t>from agents import Agent, Runner  # your existing agent framework</a:t>
-            </a:r>
-          </a:p>
-          <a:p>
-            <a:r>
-              <a:rPr lang="en-GB" dirty="0"/>
-              <a:t>import </a:t>
-            </a:r>
-            <a:r>
-              <a:rPr lang="en-GB" dirty="0" err="1"/>
-              <a:t>openai</a:t>
-            </a:r>
-            <a:endParaRPr lang="en-GB" dirty="0"/>
-          </a:p>
-          <a:p>
-            <a:br>
-              <a:rPr lang="en-GB" dirty="0"/>
-            </a:br>
-            <a:endParaRPr lang="en-GB" dirty="0"/>
-          </a:p>
-          <a:p>
-            <a:r>
-              <a:rPr lang="en-GB" dirty="0" err="1"/>
-              <a:t>load_dotenv</a:t>
-            </a:r>
-            <a:r>
-              <a:rPr lang="en-GB" dirty="0"/>
-              <a:t>(override=True)</a:t>
-            </a:r>
-          </a:p>
-          <a:p>
-            <a:br>
-              <a:rPr lang="en-GB" dirty="0"/>
-            </a:br>
-            <a:endParaRPr lang="en-GB" dirty="0"/>
-          </a:p>
-          <a:p>
-            <a:r>
-              <a:rPr lang="en-GB" dirty="0"/>
-              <a:t># ---------------- MCP Tool ---------------- #</a:t>
-            </a:r>
-          </a:p>
-          <a:p>
-            <a:r>
-              <a:rPr lang="en-GB" dirty="0"/>
-              <a:t>async def </a:t>
-            </a:r>
-            <a:r>
-              <a:rPr lang="en-GB" dirty="0" err="1"/>
-              <a:t>get_crypto_price</a:t>
-            </a:r>
-            <a:r>
-              <a:rPr lang="en-GB" dirty="0"/>
-              <a:t>(crypto: str) -&gt; str:</a:t>
-            </a:r>
-          </a:p>
-          <a:p>
-            <a:r>
-              <a:rPr lang="en-GB" dirty="0"/>
-              <a:t>    """Call MCP tool to get crypto price"""</a:t>
-            </a:r>
-          </a:p>
-          <a:p>
-            <a:r>
-              <a:rPr lang="en-GB" dirty="0"/>
-              <a:t>    </a:t>
-            </a:r>
-            <a:r>
-              <a:rPr lang="en-GB" dirty="0" err="1"/>
-              <a:t>server_params</a:t>
-            </a:r>
-            <a:r>
-              <a:rPr lang="en-GB" dirty="0"/>
-              <a:t> = </a:t>
-            </a:r>
-            <a:r>
-              <a:rPr lang="en-GB" dirty="0" err="1"/>
-              <a:t>StdioServerParameters</a:t>
-            </a:r>
-            <a:r>
-              <a:rPr lang="en-GB" dirty="0"/>
-              <a:t>(command="python", </a:t>
-            </a:r>
-            <a:r>
-              <a:rPr lang="en-GB" dirty="0" err="1"/>
-              <a:t>args</a:t>
-            </a:r>
-            <a:r>
-              <a:rPr lang="en-GB" dirty="0"/>
-              <a:t>=["./crypto.py"])</a:t>
-            </a:r>
-          </a:p>
-          <a:p>
-            <a:r>
-              <a:rPr lang="en-GB" dirty="0"/>
-              <a:t>    async with </a:t>
-            </a:r>
-            <a:r>
-              <a:rPr lang="en-GB" dirty="0" err="1"/>
-              <a:t>stdio_client</a:t>
-            </a:r>
-            <a:r>
-              <a:rPr lang="en-GB" dirty="0"/>
-              <a:t>(</a:t>
-            </a:r>
-            <a:r>
-              <a:rPr lang="en-GB" dirty="0" err="1"/>
-              <a:t>server_params</a:t>
-            </a:r>
-            <a:r>
-              <a:rPr lang="en-GB" dirty="0"/>
-              <a:t>) as (read, write):</a:t>
-            </a:r>
-          </a:p>
-          <a:p>
-            <a:r>
-              <a:rPr lang="en-GB" dirty="0"/>
-              <a:t>        async with </a:t>
-            </a:r>
-            <a:r>
-              <a:rPr lang="en-GB" dirty="0" err="1"/>
-              <a:t>ClientSession</a:t>
-            </a:r>
-            <a:r>
-              <a:rPr lang="en-GB" dirty="0"/>
-              <a:t>(read, write) as session:</a:t>
-            </a:r>
-          </a:p>
-          <a:p>
-            <a:r>
-              <a:rPr lang="en-GB" dirty="0"/>
-              <a:t>            await </a:t>
-            </a:r>
-            <a:r>
-              <a:rPr lang="en-GB" dirty="0" err="1"/>
-              <a:t>session.initialize</a:t>
-            </a:r>
-            <a:r>
-              <a:rPr lang="en-GB" dirty="0"/>
-              <a:t>()</a:t>
-            </a:r>
-          </a:p>
-          <a:p>
-            <a:r>
-              <a:rPr lang="en-GB" dirty="0"/>
-              <a:t>            result = await </a:t>
-            </a:r>
-            <a:r>
-              <a:rPr lang="en-GB" dirty="0" err="1"/>
-              <a:t>session.call_tool</a:t>
-            </a:r>
-            <a:r>
-              <a:rPr lang="en-GB" dirty="0"/>
-              <a:t>(</a:t>
-            </a:r>
-          </a:p>
-          <a:p>
-            <a:r>
-              <a:rPr lang="en-GB" dirty="0"/>
-              <a:t>                "</a:t>
-            </a:r>
-            <a:r>
-              <a:rPr lang="en-GB" dirty="0" err="1"/>
-              <a:t>get_cryptocurrency_price</a:t>
-            </a:r>
-            <a:r>
-              <a:rPr lang="en-GB" dirty="0"/>
-              <a:t>", {"crypto": crypto}</a:t>
-            </a:r>
-          </a:p>
-          <a:p>
-            <a:r>
-              <a:rPr lang="en-GB" dirty="0"/>
-              <a:t>            )</a:t>
-            </a:r>
-          </a:p>
-          <a:p>
-            <a:r>
-              <a:rPr lang="en-GB" dirty="0"/>
-              <a:t>            return </a:t>
-            </a:r>
-            <a:r>
-              <a:rPr lang="en-GB" dirty="0" err="1"/>
-              <a:t>result.content</a:t>
-            </a:r>
-            <a:r>
-              <a:rPr lang="en-GB" dirty="0"/>
-              <a:t>[0].text</a:t>
-            </a:r>
-          </a:p>
-          <a:p>
-            <a:br>
-              <a:rPr lang="en-GB" dirty="0"/>
-            </a:br>
-            <a:endParaRPr lang="en-GB" dirty="0"/>
-          </a:p>
-          <a:p>
-            <a:r>
-              <a:rPr lang="en-GB" dirty="0"/>
-              <a:t># ---------------- Crypto Agent ---------------- #</a:t>
-            </a:r>
-          </a:p>
-          <a:p>
-            <a:r>
-              <a:rPr lang="en-GB" dirty="0" err="1"/>
-              <a:t>crypto_agent</a:t>
-            </a:r>
-            <a:r>
-              <a:rPr lang="en-GB" dirty="0"/>
-              <a:t> = Agent(</a:t>
-            </a:r>
-          </a:p>
-          <a:p>
-            <a:r>
-              <a:rPr lang="en-GB" dirty="0"/>
-              <a:t>    name="</a:t>
-            </a:r>
-            <a:r>
-              <a:rPr lang="en-GB" dirty="0" err="1"/>
-              <a:t>Crypto_Price_Agent</a:t>
-            </a:r>
-            <a:r>
-              <a:rPr lang="en-GB" dirty="0"/>
-              <a:t>",</a:t>
-            </a:r>
-          </a:p>
-          <a:p>
-            <a:r>
-              <a:rPr lang="en-GB" dirty="0"/>
-              <a:t>    instructions="Use the MCP tool to fetch cryptocurrency prices when asked."</a:t>
-            </a:r>
-          </a:p>
-          <a:p>
-            <a:r>
-              <a:rPr lang="en-GB" dirty="0"/>
-              <a:t>)</a:t>
-            </a:r>
-          </a:p>
-          <a:p>
-            <a:br>
-              <a:rPr lang="en-GB" dirty="0"/>
-            </a:br>
-            <a:endParaRPr lang="en-GB" dirty="0"/>
-          </a:p>
-          <a:p>
-            <a:r>
-              <a:rPr lang="en-GB" dirty="0"/>
-              <a:t># ---------------- Main ---------------- #</a:t>
-            </a:r>
-          </a:p>
-          <a:p>
-            <a:r>
-              <a:rPr lang="en-GB" dirty="0"/>
-              <a:t>async def main():</a:t>
-            </a:r>
-          </a:p>
-          <a:p>
-            <a:r>
-              <a:rPr lang="en-GB" dirty="0"/>
-              <a:t>    # Example: get bitcoin price</a:t>
-            </a:r>
-          </a:p>
-          <a:p>
-            <a:r>
-              <a:rPr lang="en-GB" dirty="0"/>
-              <a:t>    task = </a:t>
-            </a:r>
-            <a:r>
-              <a:rPr lang="en-GB" dirty="0" err="1"/>
-              <a:t>Runner.run</a:t>
-            </a:r>
-            <a:r>
-              <a:rPr lang="en-GB" dirty="0"/>
-              <a:t>(</a:t>
-            </a:r>
-            <a:r>
-              <a:rPr lang="en-GB" dirty="0" err="1"/>
-              <a:t>crypto_agent</a:t>
-            </a:r>
-            <a:r>
-              <a:rPr lang="en-GB" dirty="0"/>
-              <a:t>, "Get the price of bitcoin in INR.")</a:t>
-            </a:r>
-          </a:p>
-          <a:p>
-            <a:r>
-              <a:rPr lang="en-GB" dirty="0"/>
-              <a:t>    result = await task</a:t>
-            </a:r>
-          </a:p>
-          <a:p>
-            <a:br>
-              <a:rPr lang="en-GB" dirty="0"/>
-            </a:br>
-            <a:endParaRPr lang="en-GB" dirty="0"/>
-          </a:p>
-          <a:p>
-            <a:r>
-              <a:rPr lang="en-GB" dirty="0"/>
-              <a:t>    print("=== Crypto Agent ===\n", </a:t>
-            </a:r>
-            <a:r>
-              <a:rPr lang="en-GB" dirty="0" err="1"/>
-              <a:t>result.final_output</a:t>
-            </a:r>
-            <a:r>
-              <a:rPr lang="en-GB" dirty="0"/>
-              <a:t>)</a:t>
-            </a:r>
-          </a:p>
-          <a:p>
-            <a:br>
-              <a:rPr lang="en-GB" dirty="0"/>
-            </a:br>
-            <a:endParaRPr lang="en-GB" dirty="0"/>
-          </a:p>
-          <a:p>
-            <a:r>
-              <a:rPr lang="en-GB" dirty="0"/>
-              <a:t>if __name__ == "__main__":</a:t>
-            </a:r>
-          </a:p>
-          <a:p>
-            <a:r>
-              <a:rPr lang="en-GB" dirty="0"/>
-              <a:t>    </a:t>
-            </a:r>
-            <a:r>
-              <a:rPr lang="en-GB" dirty="0" err="1"/>
-              <a:t>asyncio.run</a:t>
-            </a:r>
-            <a:r>
-              <a:rPr lang="en-GB" dirty="0"/>
-              <a:t>(main())</a:t>
-            </a:r>
-          </a:p>
-          <a:p>
-            <a:br>
-              <a:rPr lang="en-GB" dirty="0"/>
-            </a:br>
-            <a:endParaRPr lang="en-GB" dirty="0"/>
-          </a:p>
-        </p:txBody>
-      </p:sp>
-    </p:spTree>
-    <p:extLst>
-      <p:ext uri="{BB962C8B-B14F-4D97-AF65-F5344CB8AC3E}">
-        <p14:creationId xmlns:p14="http://schemas.microsoft.com/office/powerpoint/2010/main" val="3276864303"/>
-      </p:ext>
-    </p:extLst>
-  </p:cSld>
-  <p:clrMapOvr>
-    <a:masterClrMapping/>
-  </p:clrMapOvr>
-</p:sld>
-</file>
-
-<file path=ppt/slides/slide29.xml><?xml version="1.0" encoding="utf-8"?>
-<p:sld xmlns:a="http://schemas.openxmlformats.org/drawingml/2006/main" xmlns:r="http://schemas.openxmlformats.org/officeDocument/2006/relationships" xmlns:p="http://schemas.openxmlformats.org/presentationml/2006/main">
-  <p:cSld>
-    <p:spTree>
-      <p:nvGrpSpPr>
-        <p:cNvPr id="1" name=""/>
-        <p:cNvGrpSpPr/>
-        <p:nvPr/>
-      </p:nvGrpSpPr>
-      <p:grpSpPr>
-        <a:xfrm>
-          <a:off x="0" y="0"/>
-          <a:ext cx="0" cy="0"/>
-          <a:chOff x="0" y="0"/>
-          <a:chExt cx="0" cy="0"/>
-        </a:xfrm>
-      </p:grpSpPr>
-      <p:sp>
-        <p:nvSpPr>
-          <p:cNvPr id="2" name="Title 1">
-            <a:extLst>
-              <a:ext uri="{FF2B5EF4-FFF2-40B4-BE49-F238E27FC236}">
-                <a16:creationId xmlns:a16="http://schemas.microsoft.com/office/drawing/2014/main" id="{102A1101-414D-1B70-A706-969AADE0FB4E}"/>
-              </a:ext>
-            </a:extLst>
-          </p:cNvPr>
-          <p:cNvSpPr>
-            <a:spLocks noGrp="1"/>
-          </p:cNvSpPr>
-          <p:nvPr>
-            <p:ph type="title"/>
-          </p:nvPr>
-        </p:nvSpPr>
-        <p:spPr/>
-        <p:txBody>
-          <a:bodyPr/>
-          <a:lstStyle/>
-          <a:p>
-            <a:r>
-              <a:rPr lang="en-IN" dirty="0" err="1"/>
-              <a:t>Autogen</a:t>
-            </a:r>
-            <a:r>
-              <a:rPr lang="en-IN" dirty="0"/>
-              <a:t> with MCP</a:t>
-            </a:r>
-            <a:endParaRPr lang="en-GB" dirty="0"/>
-          </a:p>
-        </p:txBody>
-      </p:sp>
-      <p:sp>
-        <p:nvSpPr>
-          <p:cNvPr id="3" name="Content Placeholder 2">
-            <a:extLst>
-              <a:ext uri="{FF2B5EF4-FFF2-40B4-BE49-F238E27FC236}">
-                <a16:creationId xmlns:a16="http://schemas.microsoft.com/office/drawing/2014/main" id="{06E0A8F5-5544-8998-C0EC-A9A588BBCDA1}"/>
-              </a:ext>
-            </a:extLst>
-          </p:cNvPr>
-          <p:cNvSpPr>
-            <a:spLocks noGrp="1"/>
-          </p:cNvSpPr>
-          <p:nvPr>
-            <p:ph idx="1"/>
-          </p:nvPr>
-        </p:nvSpPr>
-        <p:spPr/>
-        <p:txBody>
-          <a:bodyPr>
-            <a:normAutofit fontScale="77500" lnSpcReduction="20000"/>
-          </a:bodyPr>
-          <a:lstStyle/>
-          <a:p>
-            <a:r>
-              <a:rPr lang="en-IN" dirty="0"/>
-              <a:t>Create three MCP servers</a:t>
-            </a:r>
-          </a:p>
-          <a:p>
-            <a:pPr lvl="1"/>
-            <a:r>
-              <a:rPr lang="en-GB" dirty="0"/>
-              <a:t>Find city (location) based on IP address: C:\code\agenticai\5_autogen\ip2location_mcp_server.py</a:t>
-            </a:r>
-          </a:p>
-          <a:p>
-            <a:pPr lvl="1"/>
-            <a:r>
-              <a:rPr lang="en-GB" dirty="0"/>
-              <a:t>Get weather based on city (location): C:\code\agenticai\5_autogen\weather_mcp_server.py</a:t>
-            </a:r>
-          </a:p>
-          <a:p>
-            <a:pPr lvl="1"/>
-            <a:r>
-              <a:rPr lang="en-GB" dirty="0"/>
-              <a:t>Get top news stories based on city (location): C:\code\agenticai\5_autogen\news_mcp_server.py</a:t>
-            </a:r>
-          </a:p>
-          <a:p>
-            <a:r>
-              <a:rPr lang="en-GB" dirty="0"/>
-              <a:t>Create API keys for the above on respective websites</a:t>
-            </a:r>
-          </a:p>
-          <a:p>
-            <a:r>
-              <a:rPr lang="en-GB" dirty="0"/>
-              <a:t>Test MCP servers locally</a:t>
-            </a:r>
-          </a:p>
-          <a:p>
-            <a:pPr lvl="1"/>
-            <a:r>
-              <a:rPr lang="en-GB" dirty="0" err="1"/>
-              <a:t>mcp</a:t>
-            </a:r>
-            <a:r>
-              <a:rPr lang="en-GB" dirty="0"/>
-              <a:t> dev ip2location_mcp_server.py</a:t>
-            </a:r>
-          </a:p>
-          <a:p>
-            <a:pPr lvl="1"/>
-            <a:r>
-              <a:rPr lang="en-GB" dirty="0" err="1"/>
-              <a:t>mcp</a:t>
-            </a:r>
-            <a:r>
-              <a:rPr lang="en-GB" dirty="0"/>
-              <a:t> dev weather_mcp_server.py</a:t>
-            </a:r>
-          </a:p>
-          <a:p>
-            <a:pPr lvl="1"/>
-            <a:r>
-              <a:rPr lang="en-GB" dirty="0" err="1"/>
-              <a:t>mcp</a:t>
-            </a:r>
-            <a:r>
-              <a:rPr lang="en-GB" dirty="0"/>
-              <a:t> dev news_mcp_server.py</a:t>
-            </a:r>
-          </a:p>
-          <a:p>
-            <a:r>
-              <a:rPr lang="en-GB" dirty="0"/>
-              <a:t>If ok, install them in Claude Desktop</a:t>
-            </a:r>
-          </a:p>
-          <a:p>
-            <a:pPr lvl="1"/>
-            <a:r>
-              <a:rPr lang="en-GB" dirty="0" err="1"/>
-              <a:t>mcp</a:t>
-            </a:r>
-            <a:r>
-              <a:rPr lang="en-GB" dirty="0"/>
-              <a:t> install ip2location_mcp_server.py</a:t>
-            </a:r>
-          </a:p>
-          <a:p>
-            <a:pPr lvl="1"/>
-            <a:r>
-              <a:rPr lang="en-GB" dirty="0" err="1"/>
-              <a:t>mcp</a:t>
-            </a:r>
-            <a:r>
-              <a:rPr lang="en-GB" dirty="0"/>
-              <a:t> install weather_mcp_server.py</a:t>
-            </a:r>
-          </a:p>
-          <a:p>
-            <a:pPr lvl="1"/>
-            <a:r>
-              <a:rPr lang="en-GB" dirty="0" err="1"/>
-              <a:t>mcp</a:t>
-            </a:r>
-            <a:r>
-              <a:rPr lang="en-GB" dirty="0"/>
-              <a:t> install news_mcp_server.py</a:t>
-            </a:r>
-          </a:p>
-          <a:p>
-            <a:r>
-              <a:rPr lang="en-GB" dirty="0"/>
-              <a:t>Use them in C:\code\agenticai\5_autogen\5_8_autogen.py</a:t>
-            </a:r>
-          </a:p>
-        </p:txBody>
-      </p:sp>
-    </p:spTree>
-    <p:extLst>
-      <p:ext uri="{BB962C8B-B14F-4D97-AF65-F5344CB8AC3E}">
-        <p14:creationId xmlns:p14="http://schemas.microsoft.com/office/powerpoint/2010/main" val="1050047388"/>
+        <p14:creationId xmlns:p14="http://schemas.microsoft.com/office/powerpoint/2010/main" val="2149054843"/>
       </p:ext>
     </p:extLst>
   </p:cSld>
@@ -12833,7 +8051,7 @@
     </p:spTree>
     <p:extLst>
       <p:ext uri="{BB962C8B-B14F-4D97-AF65-F5344CB8AC3E}">
-        <p14:creationId xmlns:p14="http://schemas.microsoft.com/office/powerpoint/2010/main" val="128952089"/>
+        <p14:creationId xmlns:p14="http://schemas.microsoft.com/office/powerpoint/2010/main" val="1965265695"/>
       </p:ext>
     </p:extLst>
   </p:cSld>
@@ -13220,7 +8438,7 @@
     </p:spTree>
     <p:extLst>
       <p:ext uri="{BB962C8B-B14F-4D97-AF65-F5344CB8AC3E}">
-        <p14:creationId xmlns:p14="http://schemas.microsoft.com/office/powerpoint/2010/main" val="3268955438"/>
+        <p14:creationId xmlns:p14="http://schemas.microsoft.com/office/powerpoint/2010/main" val="1632225237"/>
       </p:ext>
     </p:extLst>
   </p:cSld>
@@ -14484,7 +9702,7 @@
     </p:spTree>
     <p:extLst>
       <p:ext uri="{BB962C8B-B14F-4D97-AF65-F5344CB8AC3E}">
-        <p14:creationId xmlns:p14="http://schemas.microsoft.com/office/powerpoint/2010/main" val="2212272616"/>
+        <p14:creationId xmlns:p14="http://schemas.microsoft.com/office/powerpoint/2010/main" val="993833230"/>
       </p:ext>
     </p:extLst>
   </p:cSld>
@@ -15102,7 +10320,7 @@
     </p:spTree>
     <p:extLst>
       <p:ext uri="{BB962C8B-B14F-4D97-AF65-F5344CB8AC3E}">
-        <p14:creationId xmlns:p14="http://schemas.microsoft.com/office/powerpoint/2010/main" val="2454862771"/>
+        <p14:creationId xmlns:p14="http://schemas.microsoft.com/office/powerpoint/2010/main" val="2569618913"/>
       </p:ext>
     </p:extLst>
   </p:cSld>
@@ -16251,7 +11469,7 @@
     </p:spTree>
     <p:extLst>
       <p:ext uri="{BB962C8B-B14F-4D97-AF65-F5344CB8AC3E}">
-        <p14:creationId xmlns:p14="http://schemas.microsoft.com/office/powerpoint/2010/main" val="1026327327"/>
+        <p14:creationId xmlns:p14="http://schemas.microsoft.com/office/powerpoint/2010/main" val="4062075407"/>
       </p:ext>
     </p:extLst>
   </p:cSld>
@@ -16845,7 +12063,7 @@
     </p:spTree>
     <p:extLst>
       <p:ext uri="{BB962C8B-B14F-4D97-AF65-F5344CB8AC3E}">
-        <p14:creationId xmlns:p14="http://schemas.microsoft.com/office/powerpoint/2010/main" val="636586361"/>
+        <p14:creationId xmlns:p14="http://schemas.microsoft.com/office/powerpoint/2010/main" val="3047586909"/>
       </p:ext>
     </p:extLst>
   </p:cSld>
@@ -17057,7 +12275,7 @@
     </p:spTree>
     <p:extLst>
       <p:ext uri="{BB962C8B-B14F-4D97-AF65-F5344CB8AC3E}">
-        <p14:creationId xmlns:p14="http://schemas.microsoft.com/office/powerpoint/2010/main" val="1061821751"/>
+        <p14:creationId xmlns:p14="http://schemas.microsoft.com/office/powerpoint/2010/main" val="3654355410"/>
       </p:ext>
     </p:extLst>
   </p:cSld>
